--- a/2012-03-12_Aleksandra Kurbatova_Jan Rehwaldt_Human-Computer Interaction.pptx
+++ b/2012-03-12_Aleksandra Kurbatova_Jan Rehwaldt_Human-Computer Interaction.pptx
@@ -1,9 +1,12 @@
 
 <file path=ppt/presentation.xml><?xml version="1.0" encoding="utf-8"?>
-<p:presentation xmlns:a="http://schemas.openxmlformats.org/drawingml/2006/main" xmlns:r="http://schemas.openxmlformats.org/officeDocument/2006/relationships" xmlns:p="http://schemas.openxmlformats.org/presentationml/2006/main" saveSubsetFonts="1">
+<p:presentation xmlns:a="http://schemas.openxmlformats.org/drawingml/2006/main" xmlns:r="http://schemas.openxmlformats.org/officeDocument/2006/relationships" xmlns:p="http://schemas.openxmlformats.org/presentationml/2006/main" showSpecialPlsOnTitleSld="0" saveSubsetFonts="1">
   <p:sldMasterIdLst>
     <p:sldMasterId id="2147483696" r:id="rId1"/>
   </p:sldMasterIdLst>
+  <p:notesMasterIdLst>
+    <p:notesMasterId r:id="rId12"/>
+  </p:notesMasterIdLst>
   <p:sldIdLst>
     <p:sldId id="256" r:id="rId2"/>
     <p:sldId id="258" r:id="rId3"/>
@@ -11,8 +14,10 @@
     <p:sldId id="260" r:id="rId5"/>
     <p:sldId id="263" r:id="rId6"/>
     <p:sldId id="264" r:id="rId7"/>
-    <p:sldId id="257" r:id="rId8"/>
-    <p:sldId id="259" r:id="rId9"/>
+    <p:sldId id="266" r:id="rId8"/>
+    <p:sldId id="257" r:id="rId9"/>
+    <p:sldId id="265" r:id="rId10"/>
+    <p:sldId id="259" r:id="rId11"/>
   </p:sldIdLst>
   <p:sldSz cx="9144000" cy="6858000" type="screen4x3"/>
   <p:notesSz cx="6858000" cy="9144000"/>
@@ -112,6 +117,356 @@
     </a:lvl9pPr>
   </p:defaultTextStyle>
 </p:presentation>
+</file>
+
+<file path=ppt/notesMasters/notesMaster1.xml><?xml version="1.0" encoding="utf-8"?>
+<p:notesMaster xmlns:a="http://schemas.openxmlformats.org/drawingml/2006/main" xmlns:r="http://schemas.openxmlformats.org/officeDocument/2006/relationships" xmlns:p="http://schemas.openxmlformats.org/presentationml/2006/main">
+  <p:cSld>
+    <p:bg>
+      <p:bgRef idx="1001">
+        <a:schemeClr val="bg1"/>
+      </p:bgRef>
+    </p:bg>
+    <p:spTree>
+      <p:nvGrpSpPr>
+        <p:cNvPr id="1" name=""/>
+        <p:cNvGrpSpPr/>
+        <p:nvPr/>
+      </p:nvGrpSpPr>
+      <p:grpSpPr>
+        <a:xfrm>
+          <a:off x="0" y="0"/>
+          <a:ext cx="0" cy="0"/>
+          <a:chOff x="0" y="0"/>
+          <a:chExt cx="0" cy="0"/>
+        </a:xfrm>
+      </p:grpSpPr>
+      <p:sp>
+        <p:nvSpPr>
+          <p:cNvPr id="2" name="Kopfzeilenplatzhalter 1"/>
+          <p:cNvSpPr>
+            <a:spLocks noGrp="1"/>
+          </p:cNvSpPr>
+          <p:nvPr>
+            <p:ph type="hdr" sz="quarter"/>
+          </p:nvPr>
+        </p:nvSpPr>
+        <p:spPr>
+          <a:xfrm>
+            <a:off x="0" y="0"/>
+            <a:ext cx="2971800" cy="457200"/>
+          </a:xfrm>
+          <a:prstGeom prst="rect">
+            <a:avLst/>
+          </a:prstGeom>
+        </p:spPr>
+        <p:txBody>
+          <a:bodyPr vert="horz" lIns="91440" tIns="45720" rIns="91440" bIns="45720" rtlCol="0"/>
+          <a:lstStyle>
+            <a:lvl1pPr algn="l">
+              <a:defRPr sz="1200"/>
+            </a:lvl1pPr>
+          </a:lstStyle>
+          <a:p>
+            <a:endParaRPr lang="de-DE"/>
+          </a:p>
+        </p:txBody>
+      </p:sp>
+      <p:sp>
+        <p:nvSpPr>
+          <p:cNvPr id="3" name="Datumsplatzhalter 2"/>
+          <p:cNvSpPr>
+            <a:spLocks noGrp="1"/>
+          </p:cNvSpPr>
+          <p:nvPr>
+            <p:ph type="dt" idx="1"/>
+          </p:nvPr>
+        </p:nvSpPr>
+        <p:spPr>
+          <a:xfrm>
+            <a:off x="3884613" y="0"/>
+            <a:ext cx="2971800" cy="457200"/>
+          </a:xfrm>
+          <a:prstGeom prst="rect">
+            <a:avLst/>
+          </a:prstGeom>
+        </p:spPr>
+        <p:txBody>
+          <a:bodyPr vert="horz" lIns="91440" tIns="45720" rIns="91440" bIns="45720" rtlCol="0"/>
+          <a:lstStyle>
+            <a:lvl1pPr algn="r">
+              <a:defRPr sz="1200"/>
+            </a:lvl1pPr>
+          </a:lstStyle>
+          <a:p>
+            <a:fld id="{D4A00783-C087-4EE6-9763-76FBBACFF862}" type="datetimeFigureOut">
+              <a:rPr lang="de-DE" smtClean="0"/>
+              <a:t>13.03.2012</a:t>
+            </a:fld>
+            <a:endParaRPr lang="de-DE"/>
+          </a:p>
+        </p:txBody>
+      </p:sp>
+      <p:sp>
+        <p:nvSpPr>
+          <p:cNvPr id="4" name="Folienbildplatzhalter 3"/>
+          <p:cNvSpPr>
+            <a:spLocks noGrp="1" noRot="1" noChangeAspect="1"/>
+          </p:cNvSpPr>
+          <p:nvPr>
+            <p:ph type="sldImg" idx="2"/>
+          </p:nvPr>
+        </p:nvSpPr>
+        <p:spPr>
+          <a:xfrm>
+            <a:off x="1143000" y="685800"/>
+            <a:ext cx="4572000" cy="3429000"/>
+          </a:xfrm>
+          <a:prstGeom prst="rect">
+            <a:avLst/>
+          </a:prstGeom>
+          <a:noFill/>
+          <a:ln w="12700">
+            <a:solidFill>
+              <a:prstClr val="black"/>
+            </a:solidFill>
+          </a:ln>
+        </p:spPr>
+        <p:txBody>
+          <a:bodyPr vert="horz" lIns="91440" tIns="45720" rIns="91440" bIns="45720" rtlCol="0" anchor="ctr"/>
+          <a:lstStyle/>
+          <a:p>
+            <a:endParaRPr lang="de-DE"/>
+          </a:p>
+        </p:txBody>
+      </p:sp>
+      <p:sp>
+        <p:nvSpPr>
+          <p:cNvPr id="5" name="Notizenplatzhalter 4"/>
+          <p:cNvSpPr>
+            <a:spLocks noGrp="1"/>
+          </p:cNvSpPr>
+          <p:nvPr>
+            <p:ph type="body" sz="quarter" idx="3"/>
+          </p:nvPr>
+        </p:nvSpPr>
+        <p:spPr>
+          <a:xfrm>
+            <a:off x="685800" y="4343400"/>
+            <a:ext cx="5486400" cy="4114800"/>
+          </a:xfrm>
+          <a:prstGeom prst="rect">
+            <a:avLst/>
+          </a:prstGeom>
+        </p:spPr>
+        <p:txBody>
+          <a:bodyPr vert="horz" lIns="91440" tIns="45720" rIns="91440" bIns="45720" rtlCol="0"/>
+          <a:lstStyle/>
+          <a:p>
+            <a:pPr lvl="0"/>
+            <a:r>
+              <a:rPr lang="de-DE" smtClean="0"/>
+              <a:t>Textmasterformat bearbeiten</a:t>
+            </a:r>
+          </a:p>
+          <a:p>
+            <a:pPr lvl="1"/>
+            <a:r>
+              <a:rPr lang="de-DE" smtClean="0"/>
+              <a:t>Zweite Ebene</a:t>
+            </a:r>
+          </a:p>
+          <a:p>
+            <a:pPr lvl="2"/>
+            <a:r>
+              <a:rPr lang="de-DE" smtClean="0"/>
+              <a:t>Dritte Ebene</a:t>
+            </a:r>
+          </a:p>
+          <a:p>
+            <a:pPr lvl="3"/>
+            <a:r>
+              <a:rPr lang="de-DE" smtClean="0"/>
+              <a:t>Vierte Ebene</a:t>
+            </a:r>
+          </a:p>
+          <a:p>
+            <a:pPr lvl="4"/>
+            <a:r>
+              <a:rPr lang="de-DE" smtClean="0"/>
+              <a:t>Fünfte Ebene</a:t>
+            </a:r>
+            <a:endParaRPr lang="de-DE"/>
+          </a:p>
+        </p:txBody>
+      </p:sp>
+      <p:sp>
+        <p:nvSpPr>
+          <p:cNvPr id="6" name="Fußzeilenplatzhalter 5"/>
+          <p:cNvSpPr>
+            <a:spLocks noGrp="1"/>
+          </p:cNvSpPr>
+          <p:nvPr>
+            <p:ph type="ftr" sz="quarter" idx="4"/>
+          </p:nvPr>
+        </p:nvSpPr>
+        <p:spPr>
+          <a:xfrm>
+            <a:off x="0" y="8685213"/>
+            <a:ext cx="2971800" cy="457200"/>
+          </a:xfrm>
+          <a:prstGeom prst="rect">
+            <a:avLst/>
+          </a:prstGeom>
+        </p:spPr>
+        <p:txBody>
+          <a:bodyPr vert="horz" lIns="91440" tIns="45720" rIns="91440" bIns="45720" rtlCol="0" anchor="b"/>
+          <a:lstStyle>
+            <a:lvl1pPr algn="l">
+              <a:defRPr sz="1200"/>
+            </a:lvl1pPr>
+          </a:lstStyle>
+          <a:p>
+            <a:endParaRPr lang="de-DE"/>
+          </a:p>
+        </p:txBody>
+      </p:sp>
+      <p:sp>
+        <p:nvSpPr>
+          <p:cNvPr id="7" name="Foliennummernplatzhalter 6"/>
+          <p:cNvSpPr>
+            <a:spLocks noGrp="1"/>
+          </p:cNvSpPr>
+          <p:nvPr>
+            <p:ph type="sldNum" sz="quarter" idx="5"/>
+          </p:nvPr>
+        </p:nvSpPr>
+        <p:spPr>
+          <a:xfrm>
+            <a:off x="3884613" y="8685213"/>
+            <a:ext cx="2971800" cy="457200"/>
+          </a:xfrm>
+          <a:prstGeom prst="rect">
+            <a:avLst/>
+          </a:prstGeom>
+        </p:spPr>
+        <p:txBody>
+          <a:bodyPr vert="horz" lIns="91440" tIns="45720" rIns="91440" bIns="45720" rtlCol="0" anchor="b"/>
+          <a:lstStyle>
+            <a:lvl1pPr algn="r">
+              <a:defRPr sz="1200"/>
+            </a:lvl1pPr>
+          </a:lstStyle>
+          <a:p>
+            <a:fld id="{D06C9D26-CDDF-4F25-BCF6-49EE4277CE03}" type="slidenum">
+              <a:rPr lang="de-DE" smtClean="0"/>
+              <a:t>‹Nr.›</a:t>
+            </a:fld>
+            <a:endParaRPr lang="de-DE"/>
+          </a:p>
+        </p:txBody>
+      </p:sp>
+    </p:spTree>
+    <p:extLst>
+      <p:ext uri="{BB962C8B-B14F-4D97-AF65-F5344CB8AC3E}">
+        <p14:creationId xmlns:p14="http://schemas.microsoft.com/office/powerpoint/2010/main" val="43672838"/>
+      </p:ext>
+    </p:extLst>
+  </p:cSld>
+  <p:clrMap bg1="lt1" tx1="dk1" bg2="lt2" tx2="dk2" accent1="accent1" accent2="accent2" accent3="accent3" accent4="accent4" accent5="accent5" accent6="accent6" hlink="hlink" folHlink="folHlink"/>
+  <p:notesStyle>
+    <a:lvl1pPr marL="0" algn="l" defTabSz="914400" rtl="0" eaLnBrk="1" latinLnBrk="0" hangingPunct="1">
+      <a:defRPr sz="1200" kern="1200">
+        <a:solidFill>
+          <a:schemeClr val="tx1"/>
+        </a:solidFill>
+        <a:latin typeface="+mn-lt"/>
+        <a:ea typeface="+mn-ea"/>
+        <a:cs typeface="+mn-cs"/>
+      </a:defRPr>
+    </a:lvl1pPr>
+    <a:lvl2pPr marL="457200" algn="l" defTabSz="914400" rtl="0" eaLnBrk="1" latinLnBrk="0" hangingPunct="1">
+      <a:defRPr sz="1200" kern="1200">
+        <a:solidFill>
+          <a:schemeClr val="tx1"/>
+        </a:solidFill>
+        <a:latin typeface="+mn-lt"/>
+        <a:ea typeface="+mn-ea"/>
+        <a:cs typeface="+mn-cs"/>
+      </a:defRPr>
+    </a:lvl2pPr>
+    <a:lvl3pPr marL="914400" algn="l" defTabSz="914400" rtl="0" eaLnBrk="1" latinLnBrk="0" hangingPunct="1">
+      <a:defRPr sz="1200" kern="1200">
+        <a:solidFill>
+          <a:schemeClr val="tx1"/>
+        </a:solidFill>
+        <a:latin typeface="+mn-lt"/>
+        <a:ea typeface="+mn-ea"/>
+        <a:cs typeface="+mn-cs"/>
+      </a:defRPr>
+    </a:lvl3pPr>
+    <a:lvl4pPr marL="1371600" algn="l" defTabSz="914400" rtl="0" eaLnBrk="1" latinLnBrk="0" hangingPunct="1">
+      <a:defRPr sz="1200" kern="1200">
+        <a:solidFill>
+          <a:schemeClr val="tx1"/>
+        </a:solidFill>
+        <a:latin typeface="+mn-lt"/>
+        <a:ea typeface="+mn-ea"/>
+        <a:cs typeface="+mn-cs"/>
+      </a:defRPr>
+    </a:lvl4pPr>
+    <a:lvl5pPr marL="1828800" algn="l" defTabSz="914400" rtl="0" eaLnBrk="1" latinLnBrk="0" hangingPunct="1">
+      <a:defRPr sz="1200" kern="1200">
+        <a:solidFill>
+          <a:schemeClr val="tx1"/>
+        </a:solidFill>
+        <a:latin typeface="+mn-lt"/>
+        <a:ea typeface="+mn-ea"/>
+        <a:cs typeface="+mn-cs"/>
+      </a:defRPr>
+    </a:lvl5pPr>
+    <a:lvl6pPr marL="2286000" algn="l" defTabSz="914400" rtl="0" eaLnBrk="1" latinLnBrk="0" hangingPunct="1">
+      <a:defRPr sz="1200" kern="1200">
+        <a:solidFill>
+          <a:schemeClr val="tx1"/>
+        </a:solidFill>
+        <a:latin typeface="+mn-lt"/>
+        <a:ea typeface="+mn-ea"/>
+        <a:cs typeface="+mn-cs"/>
+      </a:defRPr>
+    </a:lvl6pPr>
+    <a:lvl7pPr marL="2743200" algn="l" defTabSz="914400" rtl="0" eaLnBrk="1" latinLnBrk="0" hangingPunct="1">
+      <a:defRPr sz="1200" kern="1200">
+        <a:solidFill>
+          <a:schemeClr val="tx1"/>
+        </a:solidFill>
+        <a:latin typeface="+mn-lt"/>
+        <a:ea typeface="+mn-ea"/>
+        <a:cs typeface="+mn-cs"/>
+      </a:defRPr>
+    </a:lvl7pPr>
+    <a:lvl8pPr marL="3200400" algn="l" defTabSz="914400" rtl="0" eaLnBrk="1" latinLnBrk="0" hangingPunct="1">
+      <a:defRPr sz="1200" kern="1200">
+        <a:solidFill>
+          <a:schemeClr val="tx1"/>
+        </a:solidFill>
+        <a:latin typeface="+mn-lt"/>
+        <a:ea typeface="+mn-ea"/>
+        <a:cs typeface="+mn-cs"/>
+      </a:defRPr>
+    </a:lvl8pPr>
+    <a:lvl9pPr marL="3657600" algn="l" defTabSz="914400" rtl="0" eaLnBrk="1" latinLnBrk="0" hangingPunct="1">
+      <a:defRPr sz="1200" kern="1200">
+        <a:solidFill>
+          <a:schemeClr val="tx1"/>
+        </a:solidFill>
+        <a:latin typeface="+mn-lt"/>
+        <a:ea typeface="+mn-ea"/>
+        <a:cs typeface="+mn-cs"/>
+      </a:defRPr>
+    </a:lvl9pPr>
+  </p:notesStyle>
+</p:notesMaster>
 </file>
 
 <file path=ppt/slideLayouts/slideLayout1.xml><?xml version="1.0" encoding="utf-8"?>
@@ -2869,10 +3224,10 @@
             </a:lvl1pPr>
           </a:lstStyle>
           <a:p>
-            <a:fld id="{F958AE49-27C3-4AF6-BA40-D5BE98F0C39C}" type="datetimeFigureOut">
+            <a:r>
               <a:rPr lang="de-DE" smtClean="0"/>
-              <a:t>12.03.2012</a:t>
-            </a:fld>
+              <a:t>2012-03-15</a:t>
+            </a:r>
             <a:endParaRPr lang="de-DE"/>
           </a:p>
         </p:txBody>
@@ -2953,6 +3308,10 @@
             </a:lvl1pPr>
           </a:lstStyle>
           <a:p>
+            <a:r>
+              <a:rPr lang="de-DE" smtClean="0"/>
+              <a:t>Social Informatics</a:t>
+            </a:r>
             <a:endParaRPr lang="de-DE"/>
           </a:p>
         </p:txBody>
@@ -3154,10 +3513,10 @@
           <a:bodyPr/>
           <a:lstStyle/>
           <a:p>
-            <a:fld id="{F958AE49-27C3-4AF6-BA40-D5BE98F0C39C}" type="datetimeFigureOut">
+            <a:r>
               <a:rPr lang="de-DE" smtClean="0"/>
-              <a:t>12.03.2012</a:t>
-            </a:fld>
+              <a:t>2012-03-15</a:t>
+            </a:r>
             <a:endParaRPr lang="de-DE"/>
           </a:p>
         </p:txBody>
@@ -3177,6 +3536,10 @@
           <a:bodyPr/>
           <a:lstStyle/>
           <a:p>
+            <a:r>
+              <a:rPr lang="de-DE" smtClean="0"/>
+              <a:t>Social Informatics</a:t>
+            </a:r>
             <a:endParaRPr lang="de-DE"/>
           </a:p>
         </p:txBody>
@@ -3329,10 +3692,10 @@
           <a:bodyPr/>
           <a:lstStyle/>
           <a:p>
-            <a:fld id="{F958AE49-27C3-4AF6-BA40-D5BE98F0C39C}" type="datetimeFigureOut">
+            <a:r>
               <a:rPr lang="de-DE" smtClean="0"/>
-              <a:t>12.03.2012</a:t>
-            </a:fld>
+              <a:t>2012-03-15</a:t>
+            </a:r>
             <a:endParaRPr lang="de-DE"/>
           </a:p>
         </p:txBody>
@@ -3352,6 +3715,10 @@
           <a:bodyPr/>
           <a:lstStyle/>
           <a:p>
+            <a:r>
+              <a:rPr lang="de-DE" smtClean="0"/>
+              <a:t>Social Informatics</a:t>
+            </a:r>
             <a:endParaRPr lang="de-DE"/>
           </a:p>
         </p:txBody>
@@ -3494,10 +3861,10 @@
           <a:bodyPr/>
           <a:lstStyle/>
           <a:p>
-            <a:fld id="{F958AE49-27C3-4AF6-BA40-D5BE98F0C39C}" type="datetimeFigureOut">
+            <a:r>
               <a:rPr lang="de-DE" smtClean="0"/>
-              <a:t>12.03.2012</a:t>
-            </a:fld>
+              <a:t>2012-03-15</a:t>
+            </a:r>
             <a:endParaRPr lang="de-DE"/>
           </a:p>
         </p:txBody>
@@ -3517,6 +3884,10 @@
           <a:bodyPr/>
           <a:lstStyle/>
           <a:p>
+            <a:r>
+              <a:rPr lang="de-DE" smtClean="0"/>
+              <a:t>Social Informatics</a:t>
+            </a:r>
             <a:endParaRPr lang="de-DE"/>
           </a:p>
         </p:txBody>
@@ -3735,10 +4106,10 @@
           <a:bodyPr/>
           <a:lstStyle/>
           <a:p>
-            <a:fld id="{F958AE49-27C3-4AF6-BA40-D5BE98F0C39C}" type="datetimeFigureOut">
+            <a:r>
               <a:rPr lang="de-DE" smtClean="0"/>
-              <a:t>12.03.2012</a:t>
-            </a:fld>
+              <a:t>2012-03-15</a:t>
+            </a:r>
             <a:endParaRPr lang="de-DE"/>
           </a:p>
         </p:txBody>
@@ -3758,6 +4129,10 @@
           <a:bodyPr/>
           <a:lstStyle/>
           <a:p>
+            <a:r>
+              <a:rPr lang="de-DE" smtClean="0"/>
+              <a:t>Social Informatics</a:t>
+            </a:r>
             <a:endParaRPr lang="de-DE"/>
           </a:p>
         </p:txBody>
@@ -3848,10 +4223,10 @@
           <a:bodyPr/>
           <a:lstStyle/>
           <a:p>
-            <a:fld id="{F958AE49-27C3-4AF6-BA40-D5BE98F0C39C}" type="datetimeFigureOut">
+            <a:r>
               <a:rPr lang="de-DE" smtClean="0"/>
-              <a:t>12.03.2012</a:t>
-            </a:fld>
+              <a:t>2012-03-15</a:t>
+            </a:r>
             <a:endParaRPr lang="de-DE"/>
           </a:p>
         </p:txBody>
@@ -3871,6 +4246,10 @@
           <a:bodyPr/>
           <a:lstStyle/>
           <a:p>
+            <a:r>
+              <a:rPr lang="de-DE" smtClean="0"/>
+              <a:t>Social Informatics</a:t>
+            </a:r>
             <a:endParaRPr lang="de-DE"/>
           </a:p>
         </p:txBody>
@@ -4387,10 +4766,10 @@
           <a:bodyPr/>
           <a:lstStyle/>
           <a:p>
-            <a:fld id="{F958AE49-27C3-4AF6-BA40-D5BE98F0C39C}" type="datetimeFigureOut">
+            <a:r>
               <a:rPr lang="de-DE" smtClean="0"/>
-              <a:t>12.03.2012</a:t>
-            </a:fld>
+              <a:t>2012-03-15</a:t>
+            </a:r>
             <a:endParaRPr lang="de-DE"/>
           </a:p>
         </p:txBody>
@@ -4410,6 +4789,10 @@
           <a:bodyPr/>
           <a:lstStyle/>
           <a:p>
+            <a:r>
+              <a:rPr lang="de-DE" smtClean="0"/>
+              <a:t>Social Informatics</a:t>
+            </a:r>
             <a:endParaRPr lang="de-DE"/>
           </a:p>
         </p:txBody>
@@ -4500,10 +4883,10 @@
           <a:bodyPr/>
           <a:lstStyle/>
           <a:p>
-            <a:fld id="{F958AE49-27C3-4AF6-BA40-D5BE98F0C39C}" type="datetimeFigureOut">
+            <a:r>
               <a:rPr lang="de-DE" smtClean="0"/>
-              <a:t>12.03.2012</a:t>
-            </a:fld>
+              <a:t>2012-03-15</a:t>
+            </a:r>
             <a:endParaRPr lang="de-DE"/>
           </a:p>
         </p:txBody>
@@ -4523,6 +4906,10 @@
           <a:bodyPr/>
           <a:lstStyle/>
           <a:p>
+            <a:r>
+              <a:rPr lang="de-DE" smtClean="0"/>
+              <a:t>Social Informatics</a:t>
+            </a:r>
             <a:endParaRPr lang="de-DE"/>
           </a:p>
         </p:txBody>
@@ -4590,10 +4977,10 @@
           <a:bodyPr/>
           <a:lstStyle/>
           <a:p>
-            <a:fld id="{F958AE49-27C3-4AF6-BA40-D5BE98F0C39C}" type="datetimeFigureOut">
+            <a:r>
               <a:rPr lang="de-DE" smtClean="0"/>
-              <a:t>12.03.2012</a:t>
-            </a:fld>
+              <a:t>2012-03-15</a:t>
+            </a:r>
             <a:endParaRPr lang="de-DE"/>
           </a:p>
         </p:txBody>
@@ -4613,6 +5000,10 @@
           <a:bodyPr/>
           <a:lstStyle/>
           <a:p>
+            <a:r>
+              <a:rPr lang="de-DE" smtClean="0"/>
+              <a:t>Social Informatics</a:t>
+            </a:r>
             <a:endParaRPr lang="de-DE"/>
           </a:p>
         </p:txBody>
@@ -7241,10 +7632,10 @@
           <a:bodyPr/>
           <a:lstStyle/>
           <a:p>
-            <a:fld id="{F958AE49-27C3-4AF6-BA40-D5BE98F0C39C}" type="datetimeFigureOut">
+            <a:r>
               <a:rPr lang="de-DE" smtClean="0"/>
-              <a:t>12.03.2012</a:t>
-            </a:fld>
+              <a:t>2012-03-15</a:t>
+            </a:r>
             <a:endParaRPr lang="de-DE"/>
           </a:p>
         </p:txBody>
@@ -7473,6 +7864,10 @@
           </a:bodyPr>
           <a:lstStyle/>
           <a:p>
+            <a:r>
+              <a:rPr lang="de-DE" smtClean="0"/>
+              <a:t>Social Informatics</a:t>
+            </a:r>
             <a:endParaRPr lang="de-DE"/>
           </a:p>
         </p:txBody>
@@ -10453,10 +10848,10 @@
           <a:bodyPr/>
           <a:lstStyle/>
           <a:p>
-            <a:fld id="{F958AE49-27C3-4AF6-BA40-D5BE98F0C39C}" type="datetimeFigureOut">
+            <a:r>
               <a:rPr lang="de-DE" smtClean="0"/>
-              <a:t>12.03.2012</a:t>
-            </a:fld>
+              <a:t>2012-03-15</a:t>
+            </a:r>
             <a:endParaRPr lang="de-DE"/>
           </a:p>
         </p:txBody>
@@ -10483,6 +10878,10 @@
           </a:bodyPr>
           <a:lstStyle/>
           <a:p>
+            <a:r>
+              <a:rPr lang="de-DE" smtClean="0"/>
+              <a:t>Social Informatics</a:t>
+            </a:r>
             <a:endParaRPr lang="de-DE"/>
           </a:p>
         </p:txBody>
@@ -13275,10 +13674,10 @@
             </a:lvl1pPr>
           </a:lstStyle>
           <a:p>
-            <a:fld id="{F958AE49-27C3-4AF6-BA40-D5BE98F0C39C}" type="datetimeFigureOut">
+            <a:r>
               <a:rPr lang="de-DE" smtClean="0"/>
-              <a:t>12.03.2012</a:t>
-            </a:fld>
+              <a:t>2012-03-15</a:t>
+            </a:r>
             <a:endParaRPr lang="de-DE"/>
           </a:p>
         </p:txBody>
@@ -13314,6 +13713,10 @@
             </a:lvl1pPr>
           </a:lstStyle>
           <a:p>
+            <a:r>
+              <a:rPr lang="de-DE" smtClean="0"/>
+              <a:t>Social Informatics</a:t>
+            </a:r>
             <a:endParaRPr lang="de-DE"/>
           </a:p>
         </p:txBody>
@@ -13373,6 +13776,7 @@
     <p:sldLayoutId id="2147483706" r:id="rId10"/>
     <p:sldLayoutId id="2147483707" r:id="rId11"/>
   </p:sldLayoutIdLst>
+  <p:hf hdr="0"/>
   <p:txStyles>
     <p:titleStyle>
       <a:lvl1pPr algn="l" defTabSz="914400" rtl="0" eaLnBrk="1" latinLnBrk="0" hangingPunct="1">
@@ -13816,6 +14220,214 @@
 </p:sld>
 </file>
 
+<file path=ppt/slides/slide10.xml><?xml version="1.0" encoding="utf-8"?>
+<p:sld xmlns:a="http://schemas.openxmlformats.org/drawingml/2006/main" xmlns:r="http://schemas.openxmlformats.org/officeDocument/2006/relationships" xmlns:p="http://schemas.openxmlformats.org/presentationml/2006/main">
+  <p:cSld>
+    <p:spTree>
+      <p:nvGrpSpPr>
+        <p:cNvPr id="1" name=""/>
+        <p:cNvGrpSpPr/>
+        <p:nvPr/>
+      </p:nvGrpSpPr>
+      <p:grpSpPr>
+        <a:xfrm>
+          <a:off x="0" y="0"/>
+          <a:ext cx="0" cy="0"/>
+          <a:chOff x="0" y="0"/>
+          <a:chExt cx="0" cy="0"/>
+        </a:xfrm>
+      </p:grpSpPr>
+      <p:sp>
+        <p:nvSpPr>
+          <p:cNvPr id="2" name="Titel 1"/>
+          <p:cNvSpPr>
+            <a:spLocks noGrp="1"/>
+          </p:cNvSpPr>
+          <p:nvPr>
+            <p:ph type="title"/>
+          </p:nvPr>
+        </p:nvSpPr>
+        <p:spPr/>
+        <p:txBody>
+          <a:bodyPr/>
+          <a:lstStyle/>
+          <a:p>
+            <a:endParaRPr lang="de-DE"/>
+          </a:p>
+        </p:txBody>
+      </p:sp>
+      <p:sp>
+        <p:nvSpPr>
+          <p:cNvPr id="3" name="Inhaltsplatzhalter 2"/>
+          <p:cNvSpPr>
+            <a:spLocks noGrp="1"/>
+          </p:cNvSpPr>
+          <p:nvPr>
+            <p:ph idx="1"/>
+          </p:nvPr>
+        </p:nvSpPr>
+        <p:spPr/>
+        <p:txBody>
+          <a:bodyPr/>
+          <a:lstStyle/>
+          <a:p>
+            <a:endParaRPr lang="de-DE"/>
+          </a:p>
+        </p:txBody>
+      </p:sp>
+      <p:pic>
+        <p:nvPicPr>
+          <p:cNvPr id="1026" name="Picture 2"/>
+          <p:cNvPicPr>
+            <a:picLocks noChangeAspect="1" noChangeArrowheads="1"/>
+          </p:cNvPicPr>
+          <p:nvPr/>
+        </p:nvPicPr>
+        <p:blipFill>
+          <a:blip r:embed="rId2">
+            <a:extLst>
+              <a:ext uri="{28A0092B-C50C-407E-A947-70E740481C1C}">
+                <a14:useLocalDpi xmlns:a14="http://schemas.microsoft.com/office/drawing/2010/main" val="0"/>
+              </a:ext>
+            </a:extLst>
+          </a:blip>
+          <a:srcRect/>
+          <a:stretch>
+            <a:fillRect/>
+          </a:stretch>
+        </p:blipFill>
+        <p:spPr bwMode="auto">
+          <a:xfrm>
+            <a:off x="2628900" y="914400"/>
+            <a:ext cx="3886200" cy="5029200"/>
+          </a:xfrm>
+          <a:prstGeom prst="rect">
+            <a:avLst/>
+          </a:prstGeom>
+          <a:noFill/>
+          <a:ln>
+            <a:noFill/>
+          </a:ln>
+          <a:effectLst/>
+          <a:extLst>
+            <a:ext uri="{909E8E84-426E-40DD-AFC4-6F175D3DCCD1}">
+              <a14:hiddenFill xmlns:a14="http://schemas.microsoft.com/office/drawing/2010/main">
+                <a:solidFill>
+                  <a:schemeClr val="accent1"/>
+                </a:solidFill>
+              </a14:hiddenFill>
+            </a:ext>
+            <a:ext uri="{91240B29-F687-4F45-9708-019B960494DF}">
+              <a14:hiddenLine xmlns:a14="http://schemas.microsoft.com/office/drawing/2010/main" w="9525">
+                <a:solidFill>
+                  <a:schemeClr val="tx1"/>
+                </a:solidFill>
+                <a:miter lim="800000"/>
+                <a:headEnd/>
+                <a:tailEnd/>
+              </a14:hiddenLine>
+            </a:ext>
+            <a:ext uri="{AF507438-7753-43E0-B8FC-AC1667EBCBE1}">
+              <a14:hiddenEffects xmlns:a14="http://schemas.microsoft.com/office/drawing/2010/main">
+                <a:effectLst>
+                  <a:outerShdw dist="35921" dir="2700000" algn="ctr" rotWithShape="0">
+                    <a:schemeClr val="bg2"/>
+                  </a:outerShdw>
+                </a:effectLst>
+              </a14:hiddenEffects>
+            </a:ext>
+          </a:extLst>
+        </p:spPr>
+      </p:pic>
+      <p:sp>
+        <p:nvSpPr>
+          <p:cNvPr id="4" name="Datumsplatzhalter 3"/>
+          <p:cNvSpPr>
+            <a:spLocks noGrp="1"/>
+          </p:cNvSpPr>
+          <p:nvPr>
+            <p:ph type="dt" sz="half" idx="10"/>
+          </p:nvPr>
+        </p:nvSpPr>
+        <p:spPr/>
+        <p:txBody>
+          <a:bodyPr/>
+          <a:lstStyle/>
+          <a:p>
+            <a:r>
+              <a:rPr lang="de-DE" smtClean="0"/>
+              <a:t>2012-03-15</a:t>
+            </a:r>
+            <a:endParaRPr lang="de-DE"/>
+          </a:p>
+        </p:txBody>
+      </p:sp>
+      <p:sp>
+        <p:nvSpPr>
+          <p:cNvPr id="5" name="Fußzeilenplatzhalter 4"/>
+          <p:cNvSpPr>
+            <a:spLocks noGrp="1"/>
+          </p:cNvSpPr>
+          <p:nvPr>
+            <p:ph type="ftr" sz="quarter" idx="11"/>
+          </p:nvPr>
+        </p:nvSpPr>
+        <p:spPr/>
+        <p:txBody>
+          <a:bodyPr/>
+          <a:lstStyle/>
+          <a:p>
+            <a:r>
+              <a:rPr lang="de-DE" smtClean="0"/>
+              <a:t>Social Informatics</a:t>
+            </a:r>
+            <a:endParaRPr lang="de-DE"/>
+          </a:p>
+        </p:txBody>
+      </p:sp>
+      <p:sp>
+        <p:nvSpPr>
+          <p:cNvPr id="6" name="Foliennummernplatzhalter 5"/>
+          <p:cNvSpPr>
+            <a:spLocks noGrp="1"/>
+          </p:cNvSpPr>
+          <p:nvPr>
+            <p:ph type="sldNum" sz="quarter" idx="12"/>
+          </p:nvPr>
+        </p:nvSpPr>
+        <p:spPr/>
+        <p:txBody>
+          <a:bodyPr/>
+          <a:lstStyle/>
+          <a:p>
+            <a:fld id="{B0B375FB-C33C-412F-93B9-EB60E408F875}" type="slidenum">
+              <a:rPr lang="de-DE" smtClean="0"/>
+              <a:t>10</a:t>
+            </a:fld>
+            <a:endParaRPr lang="de-DE"/>
+          </a:p>
+        </p:txBody>
+      </p:sp>
+    </p:spTree>
+    <p:extLst>
+      <p:ext uri="{BB962C8B-B14F-4D97-AF65-F5344CB8AC3E}">
+        <p14:creationId xmlns:p14="http://schemas.microsoft.com/office/powerpoint/2010/main" val="1638803894"/>
+      </p:ext>
+    </p:extLst>
+  </p:cSld>
+  <p:clrMapOvr>
+    <a:masterClrMapping/>
+  </p:clrMapOvr>
+  <p:timing>
+    <p:tnLst>
+      <p:par>
+        <p:cTn id="1" dur="indefinite" restart="never" nodeType="tmRoot"/>
+      </p:par>
+    </p:tnLst>
+  </p:timing>
+</p:sld>
+</file>
+
 <file path=ppt/slides/slide2.xml><?xml version="1.0" encoding="utf-8"?>
 <p:sld xmlns:a="http://schemas.openxmlformats.org/drawingml/2006/main" xmlns:r="http://schemas.openxmlformats.org/officeDocument/2006/relationships" xmlns:p="http://schemas.openxmlformats.org/presentationml/2006/main">
   <p:cSld>
@@ -13846,15 +14458,15 @@
         <p:spPr/>
         <p:txBody>
           <a:bodyPr>
-            <a:normAutofit fontScale="90000"/>
+            <a:noAutofit/>
           </a:bodyPr>
           <a:lstStyle/>
           <a:p>
             <a:r>
-              <a:rPr lang="de-DE" dirty="0" smtClean="0"/>
-              <a:t>HCI – Human Computer Interaction</a:t>
-            </a:r>
-            <a:endParaRPr lang="de-DE" dirty="0"/>
+              <a:rPr lang="de-DE" sz="3600" dirty="0" smtClean="0"/>
+              <a:t>HCI: Human Computer Interaction</a:t>
+            </a:r>
+            <a:endParaRPr lang="de-DE" sz="3600" dirty="0"/>
           </a:p>
         </p:txBody>
       </p:sp>
@@ -13877,7 +14489,11 @@
           <a:p>
             <a:r>
               <a:rPr lang="en-US" dirty="0" smtClean="0"/>
-              <a:t>The boundaries of information behavior research have extended to understanding the social-psychological effects of including a computer as a member of the team, the role of emotional state on search engine efficacy and the reduction in information overload experienced in 2D and 3D data spaces.</a:t>
+              <a:t>The </a:t>
+            </a:r>
+            <a:r>
+              <a:rPr lang="en-US" dirty="0" smtClean="0"/>
+              <a:t>boundaries of information behavior research have extended to understanding the social-psychological effects of including a computer as a member of the team, the role of emotional state on search engine efficacy and the reduction in information overload experienced in 2D and 3D data spaces.</a:t>
             </a:r>
           </a:p>
           <a:p>
@@ -13892,6 +14508,75 @@
               <a:t>increase in the likelihood of information use when texts and video are made available online and do not require a visit to a library building</a:t>
             </a:r>
             <a:endParaRPr lang="de-DE" dirty="0"/>
+          </a:p>
+        </p:txBody>
+      </p:sp>
+      <p:sp>
+        <p:nvSpPr>
+          <p:cNvPr id="4" name="Datumsplatzhalter 3"/>
+          <p:cNvSpPr>
+            <a:spLocks noGrp="1"/>
+          </p:cNvSpPr>
+          <p:nvPr>
+            <p:ph type="dt" sz="half" idx="10"/>
+          </p:nvPr>
+        </p:nvSpPr>
+        <p:spPr/>
+        <p:txBody>
+          <a:bodyPr/>
+          <a:lstStyle/>
+          <a:p>
+            <a:r>
+              <a:rPr lang="de-DE" smtClean="0"/>
+              <a:t>2012-03-15</a:t>
+            </a:r>
+            <a:endParaRPr lang="de-DE"/>
+          </a:p>
+        </p:txBody>
+      </p:sp>
+      <p:sp>
+        <p:nvSpPr>
+          <p:cNvPr id="5" name="Fußzeilenplatzhalter 4"/>
+          <p:cNvSpPr>
+            <a:spLocks noGrp="1"/>
+          </p:cNvSpPr>
+          <p:nvPr>
+            <p:ph type="ftr" sz="quarter" idx="11"/>
+          </p:nvPr>
+        </p:nvSpPr>
+        <p:spPr/>
+        <p:txBody>
+          <a:bodyPr/>
+          <a:lstStyle/>
+          <a:p>
+            <a:r>
+              <a:rPr lang="de-DE" smtClean="0"/>
+              <a:t>Social Informatics</a:t>
+            </a:r>
+            <a:endParaRPr lang="de-DE"/>
+          </a:p>
+        </p:txBody>
+      </p:sp>
+      <p:sp>
+        <p:nvSpPr>
+          <p:cNvPr id="6" name="Foliennummernplatzhalter 5"/>
+          <p:cNvSpPr>
+            <a:spLocks noGrp="1"/>
+          </p:cNvSpPr>
+          <p:nvPr>
+            <p:ph type="sldNum" sz="quarter" idx="12"/>
+          </p:nvPr>
+        </p:nvSpPr>
+        <p:spPr/>
+        <p:txBody>
+          <a:bodyPr/>
+          <a:lstStyle/>
+          <a:p>
+            <a:fld id="{B0B375FB-C33C-412F-93B9-EB60E408F875}" type="slidenum">
+              <a:rPr lang="de-DE" smtClean="0"/>
+              <a:t>2</a:t>
+            </a:fld>
+            <a:endParaRPr lang="de-DE"/>
           </a:p>
         </p:txBody>
       </p:sp>
@@ -13951,7 +14636,7 @@
           <a:p>
             <a:r>
               <a:rPr lang="de-DE" dirty="0" smtClean="0"/>
-              <a:t>HIB – Human Information </a:t>
+              <a:t>HIB: Human Information </a:t>
             </a:r>
             <a:r>
               <a:rPr lang="de-DE" dirty="0" err="1" smtClean="0"/>
@@ -13982,7 +14667,11 @@
             </a:r>
             <a:r>
               <a:rPr lang="de-DE" dirty="0" smtClean="0"/>
-              <a:t> do </a:t>
+              <a:t> </a:t>
+            </a:r>
+            <a:r>
+              <a:rPr lang="de-DE" dirty="0" smtClean="0"/>
+              <a:t>do </a:t>
             </a:r>
             <a:r>
               <a:rPr lang="de-DE" dirty="0" err="1" smtClean="0"/>
@@ -14030,14 +14719,19 @@
             </a:r>
             <a:r>
               <a:rPr lang="de-DE" dirty="0" smtClean="0"/>
-              <a:t>?</a:t>
-            </a:r>
-          </a:p>
-          <a:p>
-            <a:pPr lvl="1"/>
+              <a:t> </a:t>
+            </a:r>
             <a:r>
               <a:rPr lang="de-DE" dirty="0" err="1" smtClean="0"/>
-              <a:t>related</a:t>
+              <a:t>provided</a:t>
+            </a:r>
+            <a:r>
+              <a:rPr lang="de-DE" dirty="0" smtClean="0"/>
+              <a:t> in </a:t>
+            </a:r>
+            <a:r>
+              <a:rPr lang="de-DE" dirty="0" err="1" smtClean="0"/>
+              <a:t>information</a:t>
             </a:r>
             <a:r>
               <a:rPr lang="de-DE" dirty="0" smtClean="0"/>
@@ -14045,7 +14739,21 @@
             </a:r>
             <a:r>
               <a:rPr lang="de-DE" dirty="0" err="1" smtClean="0"/>
-              <a:t>to</a:t>
+              <a:t>systems</a:t>
+            </a:r>
+            <a:r>
+              <a:rPr lang="de-DE" dirty="0" smtClean="0"/>
+              <a:t>?</a:t>
+            </a:r>
+            <a:endParaRPr lang="de-DE" dirty="0" smtClean="0"/>
+          </a:p>
+          <a:p>
+            <a:endParaRPr lang="de-DE" dirty="0" smtClean="0"/>
+          </a:p>
+          <a:p>
+            <a:r>
+              <a:rPr lang="de-DE" dirty="0" err="1" smtClean="0"/>
+              <a:t>How</a:t>
             </a:r>
             <a:r>
               <a:rPr lang="de-DE" dirty="0" smtClean="0"/>
@@ -14053,7 +14761,7 @@
             </a:r>
             <a:r>
               <a:rPr lang="de-DE" dirty="0" err="1" smtClean="0"/>
-              <a:t>sources</a:t>
+              <a:t>does</a:t>
             </a:r>
             <a:r>
               <a:rPr lang="de-DE" dirty="0" smtClean="0"/>
@@ -14061,7 +14769,7 @@
             </a:r>
             <a:r>
               <a:rPr lang="de-DE" dirty="0" err="1" smtClean="0"/>
-              <a:t>and</a:t>
+              <a:t>behaviour</a:t>
             </a:r>
             <a:r>
               <a:rPr lang="de-DE" dirty="0" smtClean="0"/>
@@ -14069,7 +14777,7 @@
             </a:r>
             <a:r>
               <a:rPr lang="de-DE" dirty="0" err="1" smtClean="0"/>
-              <a:t>channels</a:t>
+              <a:t>change</a:t>
             </a:r>
             <a:r>
               <a:rPr lang="de-DE" dirty="0" smtClean="0"/>
@@ -14077,7 +14785,15 @@
             </a:r>
             <a:r>
               <a:rPr lang="de-DE" dirty="0" err="1" smtClean="0"/>
-              <a:t>of</a:t>
+              <a:t>depending</a:t>
+            </a:r>
+            <a:r>
+              <a:rPr lang="de-DE" dirty="0" smtClean="0"/>
+              <a:t> on different </a:t>
+            </a:r>
+            <a:r>
+              <a:rPr lang="de-DE" dirty="0" err="1" smtClean="0"/>
+              <a:t>sources</a:t>
             </a:r>
             <a:r>
               <a:rPr lang="de-DE" dirty="0" smtClean="0"/>
@@ -14085,9 +14801,95 @@
             </a:r>
             <a:r>
               <a:rPr lang="de-DE" dirty="0" err="1" smtClean="0"/>
-              <a:t>information</a:t>
-            </a:r>
+              <a:t>and</a:t>
+            </a:r>
+            <a:r>
+              <a:rPr lang="de-DE" dirty="0" smtClean="0"/>
+              <a:t> </a:t>
+            </a:r>
+            <a:r>
+              <a:rPr lang="de-DE" dirty="0" err="1" smtClean="0"/>
+              <a:t>channels</a:t>
+            </a:r>
+            <a:r>
+              <a:rPr lang="de-DE" dirty="0" smtClean="0"/>
+              <a:t>?</a:t>
+            </a:r>
+          </a:p>
+          <a:p>
             <a:endParaRPr lang="de-DE" dirty="0"/>
+          </a:p>
+          <a:p>
+            <a:endParaRPr lang="de-DE" dirty="0" smtClean="0"/>
+          </a:p>
+        </p:txBody>
+      </p:sp>
+      <p:sp>
+        <p:nvSpPr>
+          <p:cNvPr id="4" name="Datumsplatzhalter 3"/>
+          <p:cNvSpPr>
+            <a:spLocks noGrp="1"/>
+          </p:cNvSpPr>
+          <p:nvPr>
+            <p:ph type="dt" sz="half" idx="10"/>
+          </p:nvPr>
+        </p:nvSpPr>
+        <p:spPr/>
+        <p:txBody>
+          <a:bodyPr/>
+          <a:lstStyle/>
+          <a:p>
+            <a:r>
+              <a:rPr lang="de-DE" smtClean="0"/>
+              <a:t>2012-03-15</a:t>
+            </a:r>
+            <a:endParaRPr lang="de-DE"/>
+          </a:p>
+        </p:txBody>
+      </p:sp>
+      <p:sp>
+        <p:nvSpPr>
+          <p:cNvPr id="5" name="Fußzeilenplatzhalter 4"/>
+          <p:cNvSpPr>
+            <a:spLocks noGrp="1"/>
+          </p:cNvSpPr>
+          <p:nvPr>
+            <p:ph type="ftr" sz="quarter" idx="11"/>
+          </p:nvPr>
+        </p:nvSpPr>
+        <p:spPr/>
+        <p:txBody>
+          <a:bodyPr/>
+          <a:lstStyle/>
+          <a:p>
+            <a:r>
+              <a:rPr lang="de-DE" smtClean="0"/>
+              <a:t>Social Informatics</a:t>
+            </a:r>
+            <a:endParaRPr lang="de-DE"/>
+          </a:p>
+        </p:txBody>
+      </p:sp>
+      <p:sp>
+        <p:nvSpPr>
+          <p:cNvPr id="6" name="Foliennummernplatzhalter 5"/>
+          <p:cNvSpPr>
+            <a:spLocks noGrp="1"/>
+          </p:cNvSpPr>
+          <p:nvPr>
+            <p:ph type="sldNum" sz="quarter" idx="12"/>
+          </p:nvPr>
+        </p:nvSpPr>
+        <p:spPr/>
+        <p:txBody>
+          <a:bodyPr/>
+          <a:lstStyle/>
+          <a:p>
+            <a:fld id="{B0B375FB-C33C-412F-93B9-EB60E408F875}" type="slidenum">
+              <a:rPr lang="de-DE" smtClean="0"/>
+              <a:t>3</a:t>
+            </a:fld>
+            <a:endParaRPr lang="de-DE"/>
           </a:p>
         </p:txBody>
       </p:sp>
@@ -14172,7 +14974,7 @@
         </p:blipFill>
         <p:spPr bwMode="auto">
           <a:xfrm>
-            <a:off x="598086" y="1844824"/>
+            <a:off x="598086" y="2132856"/>
             <a:ext cx="7947828" cy="4005833"/>
           </a:xfrm>
           <a:prstGeom prst="rect">
@@ -14213,6 +15015,75 @@
           </a:extLst>
         </p:spPr>
       </p:pic>
+      <p:sp>
+        <p:nvSpPr>
+          <p:cNvPr id="3" name="Datumsplatzhalter 2"/>
+          <p:cNvSpPr>
+            <a:spLocks noGrp="1"/>
+          </p:cNvSpPr>
+          <p:nvPr>
+            <p:ph type="dt" sz="half" idx="10"/>
+          </p:nvPr>
+        </p:nvSpPr>
+        <p:spPr/>
+        <p:txBody>
+          <a:bodyPr/>
+          <a:lstStyle/>
+          <a:p>
+            <a:r>
+              <a:rPr lang="de-DE" smtClean="0"/>
+              <a:t>2012-03-15</a:t>
+            </a:r>
+            <a:endParaRPr lang="de-DE"/>
+          </a:p>
+        </p:txBody>
+      </p:sp>
+      <p:sp>
+        <p:nvSpPr>
+          <p:cNvPr id="4" name="Fußzeilenplatzhalter 3"/>
+          <p:cNvSpPr>
+            <a:spLocks noGrp="1"/>
+          </p:cNvSpPr>
+          <p:nvPr>
+            <p:ph type="ftr" sz="quarter" idx="11"/>
+          </p:nvPr>
+        </p:nvSpPr>
+        <p:spPr/>
+        <p:txBody>
+          <a:bodyPr/>
+          <a:lstStyle/>
+          <a:p>
+            <a:r>
+              <a:rPr lang="de-DE" smtClean="0"/>
+              <a:t>Social Informatics</a:t>
+            </a:r>
+            <a:endParaRPr lang="de-DE"/>
+          </a:p>
+        </p:txBody>
+      </p:sp>
+      <p:sp>
+        <p:nvSpPr>
+          <p:cNvPr id="6" name="Foliennummernplatzhalter 5"/>
+          <p:cNvSpPr>
+            <a:spLocks noGrp="1"/>
+          </p:cNvSpPr>
+          <p:nvPr>
+            <p:ph type="sldNum" sz="quarter" idx="12"/>
+          </p:nvPr>
+        </p:nvSpPr>
+        <p:spPr/>
+        <p:txBody>
+          <a:bodyPr/>
+          <a:lstStyle/>
+          <a:p>
+            <a:fld id="{B0B375FB-C33C-412F-93B9-EB60E408F875}" type="slidenum">
+              <a:rPr lang="de-DE" smtClean="0"/>
+              <a:t>4</a:t>
+            </a:fld>
+            <a:endParaRPr lang="de-DE"/>
+          </a:p>
+        </p:txBody>
+      </p:sp>
     </p:spTree>
     <p:extLst>
       <p:ext uri="{BB962C8B-B14F-4D97-AF65-F5344CB8AC3E}">
@@ -14252,7 +15123,7 @@
       </p:grpSpPr>
       <p:sp>
         <p:nvSpPr>
-          <p:cNvPr id="5" name="Titel 4"/>
+          <p:cNvPr id="12" name="Titel 11"/>
           <p:cNvSpPr>
             <a:spLocks noGrp="1"/>
           </p:cNvSpPr>
@@ -14265,7 +15136,11 @@
           <a:bodyPr/>
           <a:lstStyle/>
           <a:p>
-            <a:endParaRPr lang="de-DE"/>
+            <a:r>
+              <a:rPr lang="de-DE" dirty="0" smtClean="0"/>
+              <a:t>Focus!</a:t>
+            </a:r>
+            <a:endParaRPr lang="de-DE" dirty="0"/>
           </a:p>
         </p:txBody>
       </p:sp>
@@ -14281,13 +15156,13 @@
         </p:nvSpPr>
         <p:spPr>
           <a:xfrm>
-            <a:off x="1043492" y="2323653"/>
-            <a:ext cx="6777317" cy="2617516"/>
+            <a:off x="1043492" y="2323652"/>
+            <a:ext cx="6777317" cy="3913660"/>
           </a:xfrm>
         </p:spPr>
         <p:txBody>
           <a:bodyPr>
-            <a:normAutofit fontScale="92500" lnSpcReduction="20000"/>
+            <a:normAutofit fontScale="92500" lnSpcReduction="10000"/>
           </a:bodyPr>
           <a:lstStyle/>
           <a:p>
@@ -14300,31 +15175,113 @@
             <a:pPr lvl="1"/>
             <a:r>
               <a:rPr lang="en-US" dirty="0" smtClean="0"/>
-              <a:t>zoom</a:t>
+              <a:t>zoom capability for mobile device</a:t>
             </a:r>
           </a:p>
           <a:p>
             <a:pPr lvl="1"/>
             <a:r>
               <a:rPr lang="en-US" dirty="0" smtClean="0"/>
-              <a:t>temporarily freezing</a:t>
+              <a:t>temporarily freezing of captured image</a:t>
             </a:r>
           </a:p>
           <a:p>
             <a:pPr lvl="1"/>
             <a:r>
               <a:rPr lang="en-US" dirty="0" smtClean="0"/>
-              <a:t>virtual preview</a:t>
-            </a:r>
+              <a:t>virtual preview – update frozen image</a:t>
+            </a:r>
+          </a:p>
+          <a:p>
+            <a:endParaRPr lang="en-US" dirty="0" smtClean="0"/>
           </a:p>
           <a:p>
             <a:endParaRPr lang="en-US" dirty="0"/>
+          </a:p>
+          <a:p>
+            <a:endParaRPr lang="en-US" dirty="0" smtClean="0"/>
+          </a:p>
+          <a:p>
+            <a:pPr marL="68580" indent="0">
+              <a:buNone/>
+            </a:pPr>
+            <a:endParaRPr lang="en-US" dirty="0" smtClean="0"/>
           </a:p>
           <a:p>
             <a:r>
               <a:rPr lang="en-US" dirty="0" smtClean="0"/>
               <a:t>increasing the user performance with respect to finding information</a:t>
             </a:r>
+          </a:p>
+        </p:txBody>
+      </p:sp>
+      <p:sp>
+        <p:nvSpPr>
+          <p:cNvPr id="2" name="Datumsplatzhalter 1"/>
+          <p:cNvSpPr>
+            <a:spLocks noGrp="1"/>
+          </p:cNvSpPr>
+          <p:nvPr>
+            <p:ph type="dt" sz="half" idx="10"/>
+          </p:nvPr>
+        </p:nvSpPr>
+        <p:spPr/>
+        <p:txBody>
+          <a:bodyPr/>
+          <a:lstStyle/>
+          <a:p>
+            <a:r>
+              <a:rPr lang="de-DE" smtClean="0"/>
+              <a:t>2012-03-15</a:t>
+            </a:r>
+            <a:endParaRPr lang="de-DE"/>
+          </a:p>
+        </p:txBody>
+      </p:sp>
+      <p:sp>
+        <p:nvSpPr>
+          <p:cNvPr id="6" name="Fußzeilenplatzhalter 5"/>
+          <p:cNvSpPr>
+            <a:spLocks noGrp="1"/>
+          </p:cNvSpPr>
+          <p:nvPr>
+            <p:ph type="ftr" sz="quarter" idx="11"/>
+          </p:nvPr>
+        </p:nvSpPr>
+        <p:spPr/>
+        <p:txBody>
+          <a:bodyPr/>
+          <a:lstStyle/>
+          <a:p>
+            <a:r>
+              <a:rPr lang="de-DE" smtClean="0"/>
+              <a:t>Social Informatics</a:t>
+            </a:r>
+            <a:endParaRPr lang="de-DE"/>
+          </a:p>
+        </p:txBody>
+      </p:sp>
+      <p:sp>
+        <p:nvSpPr>
+          <p:cNvPr id="7" name="Foliennummernplatzhalter 6"/>
+          <p:cNvSpPr>
+            <a:spLocks noGrp="1"/>
+          </p:cNvSpPr>
+          <p:nvPr>
+            <p:ph type="sldNum" sz="quarter" idx="12"/>
+          </p:nvPr>
+        </p:nvSpPr>
+        <p:spPr/>
+        <p:txBody>
+          <a:bodyPr/>
+          <a:lstStyle/>
+          <a:p>
+            <a:fld id="{B0B375FB-C33C-412F-93B9-EB60E408F875}" type="slidenum">
+              <a:rPr lang="de-DE" smtClean="0"/>
+              <a:pPr/>
+              <a:t>5</a:t>
+            </a:fld>
+            <a:endParaRPr lang="de-DE"/>
           </a:p>
         </p:txBody>
       </p:sp>
@@ -14361,8 +15318,8 @@
         </p:blipFill>
         <p:spPr bwMode="auto">
           <a:xfrm>
-            <a:off x="1438275" y="4720900"/>
-            <a:ext cx="6267450" cy="1819275"/>
+            <a:off x="1997025" y="3950330"/>
+            <a:ext cx="5149949" cy="1494894"/>
           </a:xfrm>
           <a:prstGeom prst="rect">
             <a:avLst/>
@@ -14454,7 +15411,23 @@
           <a:bodyPr/>
           <a:lstStyle/>
           <a:p>
-            <a:endParaRPr lang="de-DE"/>
+            <a:r>
+              <a:rPr lang="de-DE" dirty="0" smtClean="0"/>
+              <a:t>Goals </a:t>
+            </a:r>
+            <a:r>
+              <a:rPr lang="de-DE" dirty="0" err="1" smtClean="0"/>
+              <a:t>of</a:t>
+            </a:r>
+            <a:r>
+              <a:rPr lang="de-DE" dirty="0" smtClean="0"/>
+              <a:t> HBI </a:t>
+            </a:r>
+            <a:r>
+              <a:rPr lang="de-DE" dirty="0" err="1" smtClean="0"/>
+              <a:t>research</a:t>
+            </a:r>
+            <a:endParaRPr lang="de-DE" dirty="0"/>
           </a:p>
         </p:txBody>
       </p:sp>
@@ -14504,6 +15477,75 @@
           <a:p>
             <a:pPr lvl="1"/>
             <a:endParaRPr lang="en-US" dirty="0" smtClean="0"/>
+          </a:p>
+        </p:txBody>
+      </p:sp>
+      <p:sp>
+        <p:nvSpPr>
+          <p:cNvPr id="4" name="Datumsplatzhalter 3"/>
+          <p:cNvSpPr>
+            <a:spLocks noGrp="1"/>
+          </p:cNvSpPr>
+          <p:nvPr>
+            <p:ph type="dt" sz="half" idx="10"/>
+          </p:nvPr>
+        </p:nvSpPr>
+        <p:spPr/>
+        <p:txBody>
+          <a:bodyPr/>
+          <a:lstStyle/>
+          <a:p>
+            <a:r>
+              <a:rPr lang="de-DE" smtClean="0"/>
+              <a:t>2012-03-15</a:t>
+            </a:r>
+            <a:endParaRPr lang="de-DE"/>
+          </a:p>
+        </p:txBody>
+      </p:sp>
+      <p:sp>
+        <p:nvSpPr>
+          <p:cNvPr id="5" name="Fußzeilenplatzhalter 4"/>
+          <p:cNvSpPr>
+            <a:spLocks noGrp="1"/>
+          </p:cNvSpPr>
+          <p:nvPr>
+            <p:ph type="ftr" sz="quarter" idx="11"/>
+          </p:nvPr>
+        </p:nvSpPr>
+        <p:spPr/>
+        <p:txBody>
+          <a:bodyPr/>
+          <a:lstStyle/>
+          <a:p>
+            <a:r>
+              <a:rPr lang="de-DE" smtClean="0"/>
+              <a:t>Social Informatics</a:t>
+            </a:r>
+            <a:endParaRPr lang="de-DE"/>
+          </a:p>
+        </p:txBody>
+      </p:sp>
+      <p:sp>
+        <p:nvSpPr>
+          <p:cNvPr id="6" name="Foliennummernplatzhalter 5"/>
+          <p:cNvSpPr>
+            <a:spLocks noGrp="1"/>
+          </p:cNvSpPr>
+          <p:nvPr>
+            <p:ph type="sldNum" sz="quarter" idx="12"/>
+          </p:nvPr>
+        </p:nvSpPr>
+        <p:spPr/>
+        <p:txBody>
+          <a:bodyPr/>
+          <a:lstStyle/>
+          <a:p>
+            <a:fld id="{B0B375FB-C33C-412F-93B9-EB60E408F875}" type="slidenum">
+              <a:rPr lang="de-DE" smtClean="0"/>
+              <a:t>6</a:t>
+            </a:fld>
+            <a:endParaRPr lang="de-DE"/>
           </a:p>
         </p:txBody>
       </p:sp>
@@ -14528,6 +15570,217 @@
 </file>
 
 <file path=ppt/slides/slide7.xml><?xml version="1.0" encoding="utf-8"?>
+<p:sld xmlns:a="http://schemas.openxmlformats.org/drawingml/2006/main" xmlns:r="http://schemas.openxmlformats.org/officeDocument/2006/relationships" xmlns:p="http://schemas.openxmlformats.org/presentationml/2006/main">
+  <p:cSld>
+    <p:spTree>
+      <p:nvGrpSpPr>
+        <p:cNvPr id="1" name=""/>
+        <p:cNvGrpSpPr/>
+        <p:nvPr/>
+      </p:nvGrpSpPr>
+      <p:grpSpPr>
+        <a:xfrm>
+          <a:off x="0" y="0"/>
+          <a:ext cx="0" cy="0"/>
+          <a:chOff x="0" y="0"/>
+          <a:chExt cx="0" cy="0"/>
+        </a:xfrm>
+      </p:grpSpPr>
+      <p:sp>
+        <p:nvSpPr>
+          <p:cNvPr id="2" name="Titel 1"/>
+          <p:cNvSpPr>
+            <a:spLocks noGrp="1"/>
+          </p:cNvSpPr>
+          <p:nvPr>
+            <p:ph type="title"/>
+          </p:nvPr>
+        </p:nvSpPr>
+        <p:spPr/>
+        <p:txBody>
+          <a:bodyPr>
+            <a:normAutofit fontScale="90000"/>
+          </a:bodyPr>
+          <a:lstStyle/>
+          <a:p>
+            <a:pPr algn="ctr"/>
+            <a:r>
+              <a:rPr lang="de-DE" dirty="0" err="1" smtClean="0"/>
+              <a:t>How‘s</a:t>
+            </a:r>
+            <a:r>
+              <a:rPr lang="de-DE" dirty="0" smtClean="0"/>
+              <a:t> </a:t>
+            </a:r>
+            <a:r>
+              <a:rPr lang="de-DE" dirty="0" err="1" smtClean="0"/>
+              <a:t>that</a:t>
+            </a:r>
+            <a:r>
+              <a:rPr lang="de-DE" dirty="0" smtClean="0"/>
+              <a:t> </a:t>
+            </a:r>
+            <a:r>
+              <a:rPr lang="de-DE" dirty="0" err="1" smtClean="0"/>
+              <a:t>supposed</a:t>
+            </a:r>
+            <a:r>
+              <a:rPr lang="de-DE" dirty="0" smtClean="0"/>
+              <a:t> </a:t>
+            </a:r>
+            <a:r>
+              <a:rPr lang="de-DE" dirty="0" err="1" smtClean="0"/>
+              <a:t>to</a:t>
+            </a:r>
+            <a:r>
+              <a:rPr lang="de-DE" dirty="0" smtClean="0"/>
+              <a:t> </a:t>
+            </a:r>
+            <a:r>
+              <a:rPr lang="de-DE" dirty="0" err="1" smtClean="0"/>
+              <a:t>help</a:t>
+            </a:r>
+            <a:r>
+              <a:rPr lang="de-DE" dirty="0" smtClean="0"/>
+              <a:t>?</a:t>
+            </a:r>
+            <a:endParaRPr lang="de-DE" dirty="0"/>
+          </a:p>
+        </p:txBody>
+      </p:sp>
+      <p:pic>
+        <p:nvPicPr>
+          <p:cNvPr id="2050" name="Picture 2" descr="Cyanide and Happiness, a daily webcomic"/>
+          <p:cNvPicPr>
+            <a:picLocks noGrp="1" noChangeAspect="1" noChangeArrowheads="1"/>
+          </p:cNvPicPr>
+          <p:nvPr>
+            <p:ph idx="1"/>
+          </p:nvPr>
+        </p:nvPicPr>
+        <p:blipFill>
+          <a:blip r:embed="rId2">
+            <a:extLst>
+              <a:ext uri="{28A0092B-C50C-407E-A947-70E740481C1C}">
+                <a14:useLocalDpi xmlns:a14="http://schemas.microsoft.com/office/drawing/2010/main" val="0"/>
+              </a:ext>
+            </a:extLst>
+          </a:blip>
+          <a:srcRect/>
+          <a:stretch>
+            <a:fillRect/>
+          </a:stretch>
+        </p:blipFill>
+        <p:spPr bwMode="auto">
+          <a:xfrm>
+            <a:off x="1042988" y="2846953"/>
+            <a:ext cx="6777037" cy="2462668"/>
+          </a:xfrm>
+          <a:prstGeom prst="rect">
+            <a:avLst/>
+          </a:prstGeom>
+          <a:noFill/>
+          <a:extLst>
+            <a:ext uri="{909E8E84-426E-40DD-AFC4-6F175D3DCCD1}">
+              <a14:hiddenFill xmlns:a14="http://schemas.microsoft.com/office/drawing/2010/main">
+                <a:solidFill>
+                  <a:srgbClr val="FFFFFF"/>
+                </a:solidFill>
+              </a14:hiddenFill>
+            </a:ext>
+          </a:extLst>
+        </p:spPr>
+      </p:pic>
+      <p:sp>
+        <p:nvSpPr>
+          <p:cNvPr id="4" name="Datumsplatzhalter 3"/>
+          <p:cNvSpPr>
+            <a:spLocks noGrp="1"/>
+          </p:cNvSpPr>
+          <p:nvPr>
+            <p:ph type="dt" sz="half" idx="10"/>
+          </p:nvPr>
+        </p:nvSpPr>
+        <p:spPr/>
+        <p:txBody>
+          <a:bodyPr/>
+          <a:lstStyle/>
+          <a:p>
+            <a:r>
+              <a:rPr lang="de-DE" smtClean="0"/>
+              <a:t>2012-03-15</a:t>
+            </a:r>
+            <a:endParaRPr lang="de-DE"/>
+          </a:p>
+        </p:txBody>
+      </p:sp>
+      <p:sp>
+        <p:nvSpPr>
+          <p:cNvPr id="6" name="Fußzeilenplatzhalter 5"/>
+          <p:cNvSpPr>
+            <a:spLocks noGrp="1"/>
+          </p:cNvSpPr>
+          <p:nvPr>
+            <p:ph type="ftr" sz="quarter" idx="11"/>
+          </p:nvPr>
+        </p:nvSpPr>
+        <p:spPr/>
+        <p:txBody>
+          <a:bodyPr/>
+          <a:lstStyle/>
+          <a:p>
+            <a:r>
+              <a:rPr lang="de-DE" smtClean="0"/>
+              <a:t>Social Informatics</a:t>
+            </a:r>
+            <a:endParaRPr lang="de-DE"/>
+          </a:p>
+        </p:txBody>
+      </p:sp>
+      <p:sp>
+        <p:nvSpPr>
+          <p:cNvPr id="7" name="Foliennummernplatzhalter 6"/>
+          <p:cNvSpPr>
+            <a:spLocks noGrp="1"/>
+          </p:cNvSpPr>
+          <p:nvPr>
+            <p:ph type="sldNum" sz="quarter" idx="12"/>
+          </p:nvPr>
+        </p:nvSpPr>
+        <p:spPr/>
+        <p:txBody>
+          <a:bodyPr/>
+          <a:lstStyle/>
+          <a:p>
+            <a:fld id="{B0B375FB-C33C-412F-93B9-EB60E408F875}" type="slidenum">
+              <a:rPr lang="de-DE" smtClean="0"/>
+              <a:t>7</a:t>
+            </a:fld>
+            <a:endParaRPr lang="de-DE"/>
+          </a:p>
+        </p:txBody>
+      </p:sp>
+    </p:spTree>
+    <p:extLst>
+      <p:ext uri="{BB962C8B-B14F-4D97-AF65-F5344CB8AC3E}">
+        <p14:creationId xmlns:p14="http://schemas.microsoft.com/office/powerpoint/2010/main" val="2245149199"/>
+      </p:ext>
+    </p:extLst>
+  </p:cSld>
+  <p:clrMapOvr>
+    <a:masterClrMapping/>
+  </p:clrMapOvr>
+  <p:timing>
+    <p:tnLst>
+      <p:par>
+        <p:cTn id="1" dur="indefinite" restart="never" nodeType="tmRoot"/>
+      </p:par>
+    </p:tnLst>
+  </p:timing>
+</p:sld>
+</file>
+
+<file path=ppt/slides/slide8.xml><?xml version="1.0" encoding="utf-8"?>
 <p:sld xmlns:a="http://schemas.openxmlformats.org/drawingml/2006/main" xmlns:r="http://schemas.openxmlformats.org/officeDocument/2006/relationships" xmlns:p="http://schemas.openxmlformats.org/presentationml/2006/main" show="0">
   <p:cSld>
     <p:spTree>
@@ -14607,6 +15860,75 @@
           </a:p>
         </p:txBody>
       </p:sp>
+      <p:sp>
+        <p:nvSpPr>
+          <p:cNvPr id="4" name="Datumsplatzhalter 3"/>
+          <p:cNvSpPr>
+            <a:spLocks noGrp="1"/>
+          </p:cNvSpPr>
+          <p:nvPr>
+            <p:ph type="dt" sz="half" idx="10"/>
+          </p:nvPr>
+        </p:nvSpPr>
+        <p:spPr/>
+        <p:txBody>
+          <a:bodyPr/>
+          <a:lstStyle/>
+          <a:p>
+            <a:r>
+              <a:rPr lang="de-DE" smtClean="0"/>
+              <a:t>2012-03-15</a:t>
+            </a:r>
+            <a:endParaRPr lang="de-DE"/>
+          </a:p>
+        </p:txBody>
+      </p:sp>
+      <p:sp>
+        <p:nvSpPr>
+          <p:cNvPr id="5" name="Fußzeilenplatzhalter 4"/>
+          <p:cNvSpPr>
+            <a:spLocks noGrp="1"/>
+          </p:cNvSpPr>
+          <p:nvPr>
+            <p:ph type="ftr" sz="quarter" idx="11"/>
+          </p:nvPr>
+        </p:nvSpPr>
+        <p:spPr/>
+        <p:txBody>
+          <a:bodyPr/>
+          <a:lstStyle/>
+          <a:p>
+            <a:r>
+              <a:rPr lang="de-DE" smtClean="0"/>
+              <a:t>Social Informatics</a:t>
+            </a:r>
+            <a:endParaRPr lang="de-DE"/>
+          </a:p>
+        </p:txBody>
+      </p:sp>
+      <p:sp>
+        <p:nvSpPr>
+          <p:cNvPr id="6" name="Foliennummernplatzhalter 5"/>
+          <p:cNvSpPr>
+            <a:spLocks noGrp="1"/>
+          </p:cNvSpPr>
+          <p:nvPr>
+            <p:ph type="sldNum" sz="quarter" idx="12"/>
+          </p:nvPr>
+        </p:nvSpPr>
+        <p:spPr/>
+        <p:txBody>
+          <a:bodyPr/>
+          <a:lstStyle/>
+          <a:p>
+            <a:fld id="{B0B375FB-C33C-412F-93B9-EB60E408F875}" type="slidenum">
+              <a:rPr lang="de-DE" smtClean="0"/>
+              <a:t>8</a:t>
+            </a:fld>
+            <a:endParaRPr lang="de-DE"/>
+          </a:p>
+        </p:txBody>
+      </p:sp>
     </p:spTree>
     <p:extLst>
       <p:ext uri="{BB962C8B-B14F-4D97-AF65-F5344CB8AC3E}">
@@ -14617,19 +15939,26 @@
   <p:clrMapOvr>
     <a:masterClrMapping/>
   </p:clrMapOvr>
-  <mc:AlternateContent xmlns:mc="http://schemas.openxmlformats.org/markup-compatibility/2006">
-    <mc:Choice xmlns:p14="http://schemas.microsoft.com/office/powerpoint/2010/main" Requires="p14">
+  <mc:AlternateContent xmlns:mc="http://schemas.openxmlformats.org/markup-compatibility/2006" xmlns:p14="http://schemas.microsoft.com/office/powerpoint/2010/main">
+    <mc:Choice Requires="p14">
       <p:transition spd="slow" p14:dur="2000"/>
     </mc:Choice>
-    <mc:Fallback>
+    <mc:Fallback xmlns="">
       <p:transition spd="slow"/>
     </mc:Fallback>
   </mc:AlternateContent>
+  <p:timing>
+    <p:tnLst>
+      <p:par>
+        <p:cTn id="1" dur="indefinite" restart="never" nodeType="tmRoot"/>
+      </p:par>
+    </p:tnLst>
+  </p:timing>
 </p:sld>
 </file>
 
-<file path=ppt/slides/slide8.xml><?xml version="1.0" encoding="utf-8"?>
-<p:sld xmlns:a="http://schemas.openxmlformats.org/drawingml/2006/main" xmlns:r="http://schemas.openxmlformats.org/officeDocument/2006/relationships" xmlns:p="http://schemas.openxmlformats.org/presentationml/2006/main">
+<file path=ppt/slides/slide9.xml><?xml version="1.0" encoding="utf-8"?>
+<p:sld xmlns:a="http://schemas.openxmlformats.org/drawingml/2006/main" xmlns:r="http://schemas.openxmlformats.org/officeDocument/2006/relationships" xmlns:p="http://schemas.openxmlformats.org/presentationml/2006/main" show="0">
   <p:cSld>
     <p:spTree>
       <p:nvGrpSpPr>
@@ -14660,36 +15989,48 @@
           <a:bodyPr/>
           <a:lstStyle/>
           <a:p>
-            <a:endParaRPr lang="de-DE"/>
-          </a:p>
-        </p:txBody>
-      </p:sp>
-      <p:sp>
-        <p:nvSpPr>
-          <p:cNvPr id="3" name="Inhaltsplatzhalter 2"/>
-          <p:cNvSpPr>
-            <a:spLocks noGrp="1"/>
-          </p:cNvSpPr>
-          <p:nvPr>
-            <p:ph idx="1"/>
-          </p:nvPr>
-        </p:nvSpPr>
-        <p:spPr/>
-        <p:txBody>
-          <a:bodyPr/>
-          <a:lstStyle/>
-          <a:p>
-            <a:endParaRPr lang="de-DE"/>
+            <a:pPr algn="ctr"/>
+            <a:r>
+              <a:rPr lang="de-DE" dirty="0" smtClean="0"/>
+              <a:t>Ok, </a:t>
+            </a:r>
+            <a:r>
+              <a:rPr lang="de-DE" dirty="0" err="1" smtClean="0"/>
+              <a:t>what‘s</a:t>
+            </a:r>
+            <a:r>
+              <a:rPr lang="de-DE" dirty="0" smtClean="0"/>
+              <a:t> </a:t>
+            </a:r>
+            <a:r>
+              <a:rPr lang="de-DE" dirty="0" err="1" smtClean="0"/>
+              <a:t>the</a:t>
+            </a:r>
+            <a:r>
+              <a:rPr lang="de-DE" dirty="0" smtClean="0"/>
+              <a:t> </a:t>
+            </a:r>
+            <a:r>
+              <a:rPr lang="de-DE" dirty="0" err="1" smtClean="0"/>
+              <a:t>problem</a:t>
+            </a:r>
+            <a:r>
+              <a:rPr lang="de-DE" dirty="0" smtClean="0"/>
+              <a:t>?</a:t>
+            </a:r>
+            <a:endParaRPr lang="de-DE" dirty="0"/>
           </a:p>
         </p:txBody>
       </p:sp>
       <p:pic>
         <p:nvPicPr>
-          <p:cNvPr id="1026" name="Picture 2"/>
+          <p:cNvPr id="5" name="Picture 2" descr="Cyanide and Happiness, a daily webcomic"/>
           <p:cNvPicPr>
-            <a:picLocks noChangeAspect="1" noChangeArrowheads="1"/>
+            <a:picLocks noGrp="1" noChangeAspect="1" noChangeArrowheads="1" noCrop="1"/>
           </p:cNvPicPr>
-          <p:nvPr/>
+          <p:nvPr>
+            <p:ph idx="1"/>
+          </p:nvPr>
         </p:nvPicPr>
         <p:blipFill>
           <a:blip r:embed="rId2">
@@ -14704,59 +16045,108 @@
             <a:fillRect/>
           </a:stretch>
         </p:blipFill>
-        <p:spPr bwMode="auto">
+        <p:spPr>
           <a:xfrm>
-            <a:off x="2628900" y="914400"/>
-            <a:ext cx="3886200" cy="5029200"/>
+            <a:off x="1923018" y="2324100"/>
+            <a:ext cx="5016976" cy="3508375"/>
           </a:xfrm>
-          <a:prstGeom prst="rect">
-            <a:avLst/>
-          </a:prstGeom>
-          <a:noFill/>
-          <a:ln>
-            <a:noFill/>
-          </a:ln>
-          <a:effectLst/>
-          <a:extLst>
-            <a:ext uri="{909E8E84-426E-40DD-AFC4-6F175D3DCCD1}">
-              <a14:hiddenFill xmlns:a14="http://schemas.microsoft.com/office/drawing/2010/main">
-                <a:solidFill>
-                  <a:schemeClr val="accent1"/>
-                </a:solidFill>
-              </a14:hiddenFill>
-            </a:ext>
-            <a:ext uri="{91240B29-F687-4F45-9708-019B960494DF}">
-              <a14:hiddenLine xmlns:a14="http://schemas.microsoft.com/office/drawing/2010/main" w="9525">
-                <a:solidFill>
-                  <a:schemeClr val="tx1"/>
-                </a:solidFill>
-                <a:miter lim="800000"/>
-                <a:headEnd/>
-                <a:tailEnd/>
-              </a14:hiddenLine>
-            </a:ext>
-            <a:ext uri="{AF507438-7753-43E0-B8FC-AC1667EBCBE1}">
-              <a14:hiddenEffects xmlns:a14="http://schemas.microsoft.com/office/drawing/2010/main">
-                <a:effectLst>
-                  <a:outerShdw dist="35921" dir="2700000" algn="ctr" rotWithShape="0">
-                    <a:schemeClr val="bg2"/>
-                  </a:outerShdw>
-                </a:effectLst>
-              </a14:hiddenEffects>
-            </a:ext>
-          </a:extLst>
         </p:spPr>
       </p:pic>
+      <p:sp>
+        <p:nvSpPr>
+          <p:cNvPr id="4" name="Datumsplatzhalter 3"/>
+          <p:cNvSpPr>
+            <a:spLocks noGrp="1"/>
+          </p:cNvSpPr>
+          <p:nvPr>
+            <p:ph type="dt" sz="half" idx="10"/>
+          </p:nvPr>
+        </p:nvSpPr>
+        <p:spPr/>
+        <p:txBody>
+          <a:bodyPr/>
+          <a:lstStyle/>
+          <a:p>
+            <a:r>
+              <a:rPr lang="de-DE" smtClean="0"/>
+              <a:t>2012-03-15</a:t>
+            </a:r>
+            <a:endParaRPr lang="de-DE"/>
+          </a:p>
+        </p:txBody>
+      </p:sp>
+      <p:sp>
+        <p:nvSpPr>
+          <p:cNvPr id="6" name="Fußzeilenplatzhalter 5"/>
+          <p:cNvSpPr>
+            <a:spLocks noGrp="1"/>
+          </p:cNvSpPr>
+          <p:nvPr>
+            <p:ph type="ftr" sz="quarter" idx="11"/>
+          </p:nvPr>
+        </p:nvSpPr>
+        <p:spPr/>
+        <p:txBody>
+          <a:bodyPr/>
+          <a:lstStyle/>
+          <a:p>
+            <a:r>
+              <a:rPr lang="de-DE" smtClean="0"/>
+              <a:t>Social Informatics</a:t>
+            </a:r>
+            <a:endParaRPr lang="de-DE"/>
+          </a:p>
+        </p:txBody>
+      </p:sp>
+      <p:sp>
+        <p:nvSpPr>
+          <p:cNvPr id="7" name="Foliennummernplatzhalter 6"/>
+          <p:cNvSpPr>
+            <a:spLocks noGrp="1"/>
+          </p:cNvSpPr>
+          <p:nvPr>
+            <p:ph type="sldNum" sz="quarter" idx="12"/>
+          </p:nvPr>
+        </p:nvSpPr>
+        <p:spPr/>
+        <p:txBody>
+          <a:bodyPr/>
+          <a:lstStyle/>
+          <a:p>
+            <a:fld id="{B0B375FB-C33C-412F-93B9-EB60E408F875}" type="slidenum">
+              <a:rPr lang="de-DE" smtClean="0"/>
+              <a:pPr/>
+              <a:t>9</a:t>
+            </a:fld>
+            <a:endParaRPr lang="de-DE"/>
+          </a:p>
+        </p:txBody>
+      </p:sp>
     </p:spTree>
     <p:extLst>
       <p:ext uri="{BB962C8B-B14F-4D97-AF65-F5344CB8AC3E}">
-        <p14:creationId xmlns:p14="http://schemas.microsoft.com/office/powerpoint/2010/main" val="1638803894"/>
+        <p14:creationId xmlns:p14="http://schemas.microsoft.com/office/powerpoint/2010/main" val="3208671146"/>
       </p:ext>
     </p:extLst>
   </p:cSld>
   <p:clrMapOvr>
     <a:masterClrMapping/>
   </p:clrMapOvr>
+  <mc:AlternateContent xmlns:mc="http://schemas.openxmlformats.org/markup-compatibility/2006" xmlns:p14="http://schemas.microsoft.com/office/powerpoint/2010/main">
+    <mc:Choice Requires="p14">
+      <p:transition spd="slow" p14:dur="2000"/>
+    </mc:Choice>
+    <mc:Fallback xmlns="">
+      <p:transition spd="slow"/>
+    </mc:Fallback>
+  </mc:AlternateContent>
+  <p:timing>
+    <p:tnLst>
+      <p:par>
+        <p:cTn id="1" dur="indefinite" restart="never" nodeType="tmRoot"/>
+      </p:par>
+    </p:tnLst>
+  </p:timing>
 </p:sld>
 </file>
 
@@ -15044,4 +16434,289 @@
   <a:objectDefaults/>
   <a:extraClrSchemeLst/>
 </a:theme>
+</file>
+
+<file path=ppt/theme/theme2.xml><?xml version="1.0" encoding="utf-8"?>
+<a:theme xmlns:a="http://schemas.openxmlformats.org/drawingml/2006/main" name="Larissa">
+  <a:themeElements>
+    <a:clrScheme name="Larissa">
+      <a:dk1>
+        <a:sysClr val="windowText" lastClr="000000"/>
+      </a:dk1>
+      <a:lt1>
+        <a:sysClr val="window" lastClr="FFFFFF"/>
+      </a:lt1>
+      <a:dk2>
+        <a:srgbClr val="1F497D"/>
+      </a:dk2>
+      <a:lt2>
+        <a:srgbClr val="EEECE1"/>
+      </a:lt2>
+      <a:accent1>
+        <a:srgbClr val="4F81BD"/>
+      </a:accent1>
+      <a:accent2>
+        <a:srgbClr val="C0504D"/>
+      </a:accent2>
+      <a:accent3>
+        <a:srgbClr val="9BBB59"/>
+      </a:accent3>
+      <a:accent4>
+        <a:srgbClr val="8064A2"/>
+      </a:accent4>
+      <a:accent5>
+        <a:srgbClr val="4BACC6"/>
+      </a:accent5>
+      <a:accent6>
+        <a:srgbClr val="F79646"/>
+      </a:accent6>
+      <a:hlink>
+        <a:srgbClr val="0000FF"/>
+      </a:hlink>
+      <a:folHlink>
+        <a:srgbClr val="800080"/>
+      </a:folHlink>
+    </a:clrScheme>
+    <a:fontScheme name="Larissa">
+      <a:majorFont>
+        <a:latin typeface="Calibri"/>
+        <a:ea typeface=""/>
+        <a:cs typeface=""/>
+        <a:font script="Jpan" typeface="ＭＳ Ｐゴシック"/>
+        <a:font script="Hang" typeface="맑은 고딕"/>
+        <a:font script="Hans" typeface="宋体"/>
+        <a:font script="Hant" typeface="新細明體"/>
+        <a:font script="Arab" typeface="Times New Roman"/>
+        <a:font script="Hebr" typeface="Times New Roman"/>
+        <a:font script="Thai" typeface="Angsana New"/>
+        <a:font script="Ethi" typeface="Nyala"/>
+        <a:font script="Beng" typeface="Vrinda"/>
+        <a:font script="Gujr" typeface="Shruti"/>
+        <a:font script="Khmr" typeface="MoolBoran"/>
+        <a:font script="Knda" typeface="Tunga"/>
+        <a:font script="Guru" typeface="Raavi"/>
+        <a:font script="Cans" typeface="Euphemia"/>
+        <a:font script="Cher" typeface="Plantagenet Cherokee"/>
+        <a:font script="Yiii" typeface="Microsoft Yi Baiti"/>
+        <a:font script="Tibt" typeface="Microsoft Himalaya"/>
+        <a:font script="Thaa" typeface="MV Boli"/>
+        <a:font script="Deva" typeface="Mangal"/>
+        <a:font script="Telu" typeface="Gautami"/>
+        <a:font script="Taml" typeface="Latha"/>
+        <a:font script="Syrc" typeface="Estrangelo Edessa"/>
+        <a:font script="Orya" typeface="Kalinga"/>
+        <a:font script="Mlym" typeface="Kartika"/>
+        <a:font script="Laoo" typeface="DokChampa"/>
+        <a:font script="Sinh" typeface="Iskoola Pota"/>
+        <a:font script="Mong" typeface="Mongolian Baiti"/>
+        <a:font script="Viet" typeface="Times New Roman"/>
+        <a:font script="Uigh" typeface="Microsoft Uighur"/>
+        <a:font script="Geor" typeface="Sylfaen"/>
+      </a:majorFont>
+      <a:minorFont>
+        <a:latin typeface="Calibri"/>
+        <a:ea typeface=""/>
+        <a:cs typeface=""/>
+        <a:font script="Jpan" typeface="ＭＳ Ｐゴシック"/>
+        <a:font script="Hang" typeface="맑은 고딕"/>
+        <a:font script="Hans" typeface="宋体"/>
+        <a:font script="Hant" typeface="新細明體"/>
+        <a:font script="Arab" typeface="Arial"/>
+        <a:font script="Hebr" typeface="Arial"/>
+        <a:font script="Thai" typeface="Cordia New"/>
+        <a:font script="Ethi" typeface="Nyala"/>
+        <a:font script="Beng" typeface="Vrinda"/>
+        <a:font script="Gujr" typeface="Shruti"/>
+        <a:font script="Khmr" typeface="DaunPenh"/>
+        <a:font script="Knda" typeface="Tunga"/>
+        <a:font script="Guru" typeface="Raavi"/>
+        <a:font script="Cans" typeface="Euphemia"/>
+        <a:font script="Cher" typeface="Plantagenet Cherokee"/>
+        <a:font script="Yiii" typeface="Microsoft Yi Baiti"/>
+        <a:font script="Tibt" typeface="Microsoft Himalaya"/>
+        <a:font script="Thaa" typeface="MV Boli"/>
+        <a:font script="Deva" typeface="Mangal"/>
+        <a:font script="Telu" typeface="Gautami"/>
+        <a:font script="Taml" typeface="Latha"/>
+        <a:font script="Syrc" typeface="Estrangelo Edessa"/>
+        <a:font script="Orya" typeface="Kalinga"/>
+        <a:font script="Mlym" typeface="Kartika"/>
+        <a:font script="Laoo" typeface="DokChampa"/>
+        <a:font script="Sinh" typeface="Iskoola Pota"/>
+        <a:font script="Mong" typeface="Mongolian Baiti"/>
+        <a:font script="Viet" typeface="Arial"/>
+        <a:font script="Uigh" typeface="Microsoft Uighur"/>
+        <a:font script="Geor" typeface="Sylfaen"/>
+      </a:minorFont>
+    </a:fontScheme>
+    <a:fmtScheme name="Larissa">
+      <a:fillStyleLst>
+        <a:solidFill>
+          <a:schemeClr val="phClr"/>
+        </a:solidFill>
+        <a:gradFill rotWithShape="1">
+          <a:gsLst>
+            <a:gs pos="0">
+              <a:schemeClr val="phClr">
+                <a:tint val="50000"/>
+                <a:satMod val="300000"/>
+              </a:schemeClr>
+            </a:gs>
+            <a:gs pos="35000">
+              <a:schemeClr val="phClr">
+                <a:tint val="37000"/>
+                <a:satMod val="300000"/>
+              </a:schemeClr>
+            </a:gs>
+            <a:gs pos="100000">
+              <a:schemeClr val="phClr">
+                <a:tint val="15000"/>
+                <a:satMod val="350000"/>
+              </a:schemeClr>
+            </a:gs>
+          </a:gsLst>
+          <a:lin ang="16200000" scaled="1"/>
+        </a:gradFill>
+        <a:gradFill rotWithShape="1">
+          <a:gsLst>
+            <a:gs pos="0">
+              <a:schemeClr val="phClr">
+                <a:shade val="51000"/>
+                <a:satMod val="130000"/>
+              </a:schemeClr>
+            </a:gs>
+            <a:gs pos="80000">
+              <a:schemeClr val="phClr">
+                <a:shade val="93000"/>
+                <a:satMod val="130000"/>
+              </a:schemeClr>
+            </a:gs>
+            <a:gs pos="100000">
+              <a:schemeClr val="phClr">
+                <a:shade val="94000"/>
+                <a:satMod val="135000"/>
+              </a:schemeClr>
+            </a:gs>
+          </a:gsLst>
+          <a:lin ang="16200000" scaled="0"/>
+        </a:gradFill>
+      </a:fillStyleLst>
+      <a:lnStyleLst>
+        <a:ln w="9525" cap="flat" cmpd="sng" algn="ctr">
+          <a:solidFill>
+            <a:schemeClr val="phClr">
+              <a:shade val="95000"/>
+              <a:satMod val="105000"/>
+            </a:schemeClr>
+          </a:solidFill>
+          <a:prstDash val="solid"/>
+        </a:ln>
+        <a:ln w="25400" cap="flat" cmpd="sng" algn="ctr">
+          <a:solidFill>
+            <a:schemeClr val="phClr"/>
+          </a:solidFill>
+          <a:prstDash val="solid"/>
+        </a:ln>
+        <a:ln w="38100" cap="flat" cmpd="sng" algn="ctr">
+          <a:solidFill>
+            <a:schemeClr val="phClr"/>
+          </a:solidFill>
+          <a:prstDash val="solid"/>
+        </a:ln>
+      </a:lnStyleLst>
+      <a:effectStyleLst>
+        <a:effectStyle>
+          <a:effectLst>
+            <a:outerShdw blurRad="40000" dist="20000" dir="5400000" rotWithShape="0">
+              <a:srgbClr val="000000">
+                <a:alpha val="38000"/>
+              </a:srgbClr>
+            </a:outerShdw>
+          </a:effectLst>
+        </a:effectStyle>
+        <a:effectStyle>
+          <a:effectLst>
+            <a:outerShdw blurRad="40000" dist="23000" dir="5400000" rotWithShape="0">
+              <a:srgbClr val="000000">
+                <a:alpha val="35000"/>
+              </a:srgbClr>
+            </a:outerShdw>
+          </a:effectLst>
+        </a:effectStyle>
+        <a:effectStyle>
+          <a:effectLst>
+            <a:outerShdw blurRad="40000" dist="23000" dir="5400000" rotWithShape="0">
+              <a:srgbClr val="000000">
+                <a:alpha val="35000"/>
+              </a:srgbClr>
+            </a:outerShdw>
+          </a:effectLst>
+          <a:scene3d>
+            <a:camera prst="orthographicFront">
+              <a:rot lat="0" lon="0" rev="0"/>
+            </a:camera>
+            <a:lightRig rig="threePt" dir="t">
+              <a:rot lat="0" lon="0" rev="1200000"/>
+            </a:lightRig>
+          </a:scene3d>
+          <a:sp3d>
+            <a:bevelT w="63500" h="25400"/>
+          </a:sp3d>
+        </a:effectStyle>
+      </a:effectStyleLst>
+      <a:bgFillStyleLst>
+        <a:solidFill>
+          <a:schemeClr val="phClr"/>
+        </a:solidFill>
+        <a:gradFill rotWithShape="1">
+          <a:gsLst>
+            <a:gs pos="0">
+              <a:schemeClr val="phClr">
+                <a:tint val="40000"/>
+                <a:satMod val="350000"/>
+              </a:schemeClr>
+            </a:gs>
+            <a:gs pos="40000">
+              <a:schemeClr val="phClr">
+                <a:tint val="45000"/>
+                <a:shade val="99000"/>
+                <a:satMod val="350000"/>
+              </a:schemeClr>
+            </a:gs>
+            <a:gs pos="100000">
+              <a:schemeClr val="phClr">
+                <a:shade val="20000"/>
+                <a:satMod val="255000"/>
+              </a:schemeClr>
+            </a:gs>
+          </a:gsLst>
+          <a:path path="circle">
+            <a:fillToRect l="50000" t="-80000" r="50000" b="180000"/>
+          </a:path>
+        </a:gradFill>
+        <a:gradFill rotWithShape="1">
+          <a:gsLst>
+            <a:gs pos="0">
+              <a:schemeClr val="phClr">
+                <a:tint val="80000"/>
+                <a:satMod val="300000"/>
+              </a:schemeClr>
+            </a:gs>
+            <a:gs pos="100000">
+              <a:schemeClr val="phClr">
+                <a:shade val="30000"/>
+                <a:satMod val="200000"/>
+              </a:schemeClr>
+            </a:gs>
+          </a:gsLst>
+          <a:path path="circle">
+            <a:fillToRect l="50000" t="50000" r="50000" b="50000"/>
+          </a:path>
+        </a:gradFill>
+      </a:bgFillStyleLst>
+    </a:fmtScheme>
+  </a:themeElements>
+  <a:objectDefaults/>
+  <a:extraClrSchemeLst/>
+</a:theme>
 </file>
--- a/2012-03-12_Aleksandra Kurbatova_Jan Rehwaldt_Human-Computer Interaction.pptx
+++ b/2012-03-12_Aleksandra Kurbatova_Jan Rehwaldt_Human-Computer Interaction.pptx
@@ -5,19 +5,20 @@
     <p:sldMasterId id="2147483696" r:id="rId1"/>
   </p:sldMasterIdLst>
   <p:notesMasterIdLst>
-    <p:notesMasterId r:id="rId12"/>
+    <p:notesMasterId r:id="rId13"/>
   </p:notesMasterIdLst>
   <p:sldIdLst>
     <p:sldId id="256" r:id="rId2"/>
     <p:sldId id="258" r:id="rId3"/>
     <p:sldId id="261" r:id="rId4"/>
-    <p:sldId id="260" r:id="rId5"/>
-    <p:sldId id="263" r:id="rId6"/>
-    <p:sldId id="264" r:id="rId7"/>
-    <p:sldId id="266" r:id="rId8"/>
-    <p:sldId id="257" r:id="rId9"/>
-    <p:sldId id="265" r:id="rId10"/>
-    <p:sldId id="259" r:id="rId11"/>
+    <p:sldId id="267" r:id="rId5"/>
+    <p:sldId id="260" r:id="rId6"/>
+    <p:sldId id="263" r:id="rId7"/>
+    <p:sldId id="264" r:id="rId8"/>
+    <p:sldId id="266" r:id="rId9"/>
+    <p:sldId id="257" r:id="rId10"/>
+    <p:sldId id="265" r:id="rId11"/>
+    <p:sldId id="259" r:id="rId12"/>
   </p:sldIdLst>
   <p:sldSz cx="9144000" cy="6858000" type="screen4x3"/>
   <p:notesSz cx="6858000" cy="9144000"/>
@@ -572,7 +573,7 @@
                 <a:lstStyle/>
                 <a:p>
                   <a:pPr algn="ctr"/>
-                  <a:endParaRPr lang="en-US"/>
+                  <a:endParaRPr lang="en-US" dirty="0"/>
                 </a:p>
               </p:txBody>
             </p:sp>
@@ -620,7 +621,7 @@
                 <a:lstStyle/>
                 <a:p>
                   <a:pPr algn="ctr"/>
-                  <a:endParaRPr lang="en-US"/>
+                  <a:endParaRPr lang="en-US" dirty="0"/>
                 </a:p>
               </p:txBody>
             </p:sp>
@@ -668,7 +669,7 @@
                 <a:lstStyle/>
                 <a:p>
                   <a:pPr algn="ctr"/>
-                  <a:endParaRPr lang="en-US"/>
+                  <a:endParaRPr lang="en-US" dirty="0"/>
                 </a:p>
               </p:txBody>
             </p:sp>
@@ -731,7 +732,7 @@
                 <a:lstStyle/>
                 <a:p>
                   <a:pPr algn="ctr"/>
-                  <a:endParaRPr lang="en-US"/>
+                  <a:endParaRPr lang="en-US" dirty="0"/>
                 </a:p>
               </p:txBody>
             </p:sp>
@@ -779,7 +780,7 @@
                 <a:lstStyle/>
                 <a:p>
                   <a:pPr algn="ctr"/>
-                  <a:endParaRPr lang="en-US"/>
+                  <a:endParaRPr lang="en-US" dirty="0"/>
                 </a:p>
               </p:txBody>
             </p:sp>
@@ -827,7 +828,7 @@
                 <a:lstStyle/>
                 <a:p>
                   <a:pPr algn="ctr"/>
-                  <a:endParaRPr lang="en-US"/>
+                  <a:endParaRPr lang="en-US" dirty="0"/>
                 </a:p>
               </p:txBody>
             </p:sp>
@@ -890,7 +891,7 @@
                 <a:lstStyle/>
                 <a:p>
                   <a:pPr algn="ctr"/>
-                  <a:endParaRPr lang="en-US"/>
+                  <a:endParaRPr lang="en-US" dirty="0"/>
                 </a:p>
               </p:txBody>
             </p:sp>
@@ -938,7 +939,7 @@
                 <a:lstStyle/>
                 <a:p>
                   <a:pPr algn="ctr"/>
-                  <a:endParaRPr lang="en-US"/>
+                  <a:endParaRPr lang="en-US" dirty="0"/>
                 </a:p>
               </p:txBody>
             </p:sp>
@@ -986,7 +987,7 @@
                 <a:lstStyle/>
                 <a:p>
                   <a:pPr algn="ctr"/>
-                  <a:endParaRPr lang="en-US"/>
+                  <a:endParaRPr lang="en-US" dirty="0"/>
                 </a:p>
               </p:txBody>
             </p:sp>
@@ -1035,7 +1036,7 @@
               <a:lstStyle/>
               <a:p>
                 <a:pPr algn="ctr"/>
-                <a:endParaRPr lang="en-US"/>
+                <a:endParaRPr lang="en-US" dirty="0"/>
               </a:p>
             </p:txBody>
           </p:sp>
@@ -1083,7 +1084,7 @@
               <a:lstStyle/>
               <a:p>
                 <a:pPr algn="ctr"/>
-                <a:endParaRPr lang="en-US"/>
+                <a:endParaRPr lang="en-US" dirty="0"/>
               </a:p>
             </p:txBody>
           </p:sp>
@@ -1131,7 +1132,7 @@
               <a:lstStyle/>
               <a:p>
                 <a:pPr algn="ctr"/>
-                <a:endParaRPr lang="en-US"/>
+                <a:endParaRPr lang="en-US" dirty="0"/>
               </a:p>
             </p:txBody>
           </p:sp>
@@ -1275,7 +1276,7 @@
             <a:lstStyle/>
             <a:p>
               <a:pPr algn="ctr"/>
-              <a:endParaRPr lang="en-US"/>
+              <a:endParaRPr lang="en-US" dirty="0"/>
             </a:p>
           </p:txBody>
         </p:sp>
@@ -1378,7 +1379,7 @@
             <a:lstStyle/>
             <a:p>
               <a:pPr algn="ctr"/>
-              <a:endParaRPr lang="en-US"/>
+              <a:endParaRPr lang="en-US" dirty="0"/>
             </a:p>
           </p:txBody>
         </p:sp>
@@ -1451,7 +1452,7 @@
             <a:lstStyle/>
             <a:p>
               <a:pPr algn="ctr"/>
-              <a:endParaRPr lang="en-US"/>
+              <a:endParaRPr lang="en-US" dirty="0"/>
             </a:p>
           </p:txBody>
         </p:sp>
@@ -1574,7 +1575,7 @@
             <a:lstStyle/>
             <a:p>
               <a:pPr algn="ctr"/>
-              <a:endParaRPr lang="en-US"/>
+              <a:endParaRPr lang="en-US" dirty="0"/>
             </a:p>
           </p:txBody>
         </p:sp>
@@ -1735,7 +1736,7 @@
             <a:lstStyle/>
             <a:p>
               <a:pPr algn="ctr"/>
-              <a:endParaRPr lang="en-US"/>
+              <a:endParaRPr lang="en-US" dirty="0"/>
             </a:p>
           </p:txBody>
         </p:sp>
@@ -1790,7 +1791,7 @@
             <a:lstStyle/>
             <a:p>
               <a:pPr algn="ctr"/>
-              <a:endParaRPr lang="en-US"/>
+              <a:endParaRPr lang="en-US" dirty="0"/>
             </a:p>
           </p:txBody>
         </p:sp>
@@ -1845,7 +1846,7 @@
             <a:lstStyle/>
             <a:p>
               <a:pPr algn="ctr"/>
-              <a:endParaRPr lang="en-US"/>
+              <a:endParaRPr lang="en-US" dirty="0"/>
             </a:p>
           </p:txBody>
         </p:sp>
@@ -1900,7 +1901,7 @@
             <a:lstStyle/>
             <a:p>
               <a:pPr algn="ctr"/>
-              <a:endParaRPr lang="en-US"/>
+              <a:endParaRPr lang="en-US" dirty="0"/>
             </a:p>
           </p:txBody>
         </p:sp>
@@ -1955,7 +1956,7 @@
             <a:lstStyle/>
             <a:p>
               <a:pPr algn="ctr"/>
-              <a:endParaRPr lang="en-US"/>
+              <a:endParaRPr lang="en-US" dirty="0"/>
             </a:p>
           </p:txBody>
         </p:sp>
@@ -2010,7 +2011,7 @@
             <a:lstStyle/>
             <a:p>
               <a:pPr algn="ctr"/>
-              <a:endParaRPr lang="en-US"/>
+              <a:endParaRPr lang="en-US" dirty="0"/>
             </a:p>
           </p:txBody>
         </p:sp>
@@ -2157,7 +2158,7 @@
             <a:lstStyle/>
             <a:p>
               <a:pPr algn="ctr"/>
-              <a:endParaRPr lang="en-US"/>
+              <a:endParaRPr lang="en-US" dirty="0"/>
             </a:p>
           </p:txBody>
         </p:sp>
@@ -2212,7 +2213,7 @@
             <a:lstStyle/>
             <a:p>
               <a:pPr algn="ctr"/>
-              <a:endParaRPr lang="en-US"/>
+              <a:endParaRPr lang="en-US" dirty="0"/>
             </a:p>
           </p:txBody>
         </p:sp>
@@ -2267,7 +2268,7 @@
             <a:lstStyle/>
             <a:p>
               <a:pPr algn="ctr"/>
-              <a:endParaRPr lang="en-US"/>
+              <a:endParaRPr lang="en-US" dirty="0"/>
             </a:p>
           </p:txBody>
         </p:sp>
@@ -2322,7 +2323,7 @@
             <a:lstStyle/>
             <a:p>
               <a:pPr algn="ctr"/>
-              <a:endParaRPr lang="en-US"/>
+              <a:endParaRPr lang="en-US" dirty="0"/>
             </a:p>
           </p:txBody>
         </p:sp>
@@ -2377,7 +2378,7 @@
             <a:lstStyle/>
             <a:p>
               <a:pPr algn="ctr"/>
-              <a:endParaRPr lang="en-US"/>
+              <a:endParaRPr lang="en-US" dirty="0"/>
             </a:p>
           </p:txBody>
         </p:sp>
@@ -2432,7 +2433,7 @@
             <a:lstStyle/>
             <a:p>
               <a:pPr algn="ctr"/>
-              <a:endParaRPr lang="en-US"/>
+              <a:endParaRPr lang="en-US" dirty="0"/>
             </a:p>
           </p:txBody>
         </p:sp>
@@ -2487,7 +2488,7 @@
             <a:lstStyle/>
             <a:p>
               <a:pPr algn="ctr"/>
-              <a:endParaRPr lang="en-US"/>
+              <a:endParaRPr lang="en-US" dirty="0"/>
             </a:p>
           </p:txBody>
         </p:sp>
@@ -2542,7 +2543,7 @@
             <a:lstStyle/>
             <a:p>
               <a:pPr algn="ctr"/>
-              <a:endParaRPr lang="en-US"/>
+              <a:endParaRPr lang="en-US" dirty="0"/>
             </a:p>
           </p:txBody>
         </p:sp>
@@ -2597,7 +2598,7 @@
             <a:lstStyle/>
             <a:p>
               <a:pPr algn="ctr"/>
-              <a:endParaRPr lang="en-US"/>
+              <a:endParaRPr lang="en-US" dirty="0"/>
             </a:p>
           </p:txBody>
         </p:sp>
@@ -2652,7 +2653,7 @@
             <a:lstStyle/>
             <a:p>
               <a:pPr algn="ctr"/>
-              <a:endParaRPr lang="en-US"/>
+              <a:endParaRPr lang="en-US" dirty="0"/>
             </a:p>
           </p:txBody>
         </p:sp>
@@ -2799,7 +2800,7 @@
             <a:lstStyle/>
             <a:p>
               <a:pPr algn="ctr"/>
-              <a:endParaRPr lang="en-US"/>
+              <a:endParaRPr lang="en-US" dirty="0"/>
             </a:p>
           </p:txBody>
         </p:sp>
@@ -2946,7 +2947,7 @@
             <a:lstStyle/>
             <a:p>
               <a:pPr algn="ctr"/>
-              <a:endParaRPr lang="en-US"/>
+              <a:endParaRPr lang="en-US" dirty="0"/>
             </a:p>
           </p:txBody>
         </p:sp>
@@ -2997,7 +2998,7 @@
           <a:lstStyle/>
           <a:p>
             <a:pPr algn="ctr"/>
-            <a:endParaRPr lang="en-US"/>
+            <a:endParaRPr lang="en-US" dirty="0"/>
           </a:p>
         </p:txBody>
       </p:sp>
@@ -3043,7 +3044,7 @@
           <a:lstStyle/>
           <a:p>
             <a:pPr algn="ctr"/>
-            <a:endParaRPr lang="en-US"/>
+            <a:endParaRPr lang="en-US" dirty="0"/>
           </a:p>
         </p:txBody>
       </p:sp>
@@ -3225,10 +3226,10 @@
           </a:lstStyle>
           <a:p>
             <a:r>
-              <a:rPr lang="de-DE" smtClean="0"/>
+              <a:rPr lang="de-DE" dirty="0" smtClean="0"/>
               <a:t>2012-03-15</a:t>
             </a:r>
-            <a:endParaRPr lang="de-DE"/>
+            <a:endParaRPr lang="de-DE" dirty="0"/>
           </a:p>
         </p:txBody>
       </p:sp>
@@ -3274,7 +3275,7 @@
           <a:lstStyle/>
           <a:p>
             <a:pPr algn="ctr"/>
-            <a:endParaRPr lang="en-US"/>
+            <a:endParaRPr lang="en-US" dirty="0"/>
           </a:p>
         </p:txBody>
       </p:sp>
@@ -3309,10 +3310,18 @@
           </a:lstStyle>
           <a:p>
             <a:r>
-              <a:rPr lang="de-DE" smtClean="0"/>
-              <a:t>Social Informatics</a:t>
-            </a:r>
-            <a:endParaRPr lang="de-DE"/>
+              <a:rPr lang="de-DE" dirty="0" err="1" smtClean="0"/>
+              <a:t>Social</a:t>
+            </a:r>
+            <a:r>
+              <a:rPr lang="de-DE" dirty="0" smtClean="0"/>
+              <a:t> </a:t>
+            </a:r>
+            <a:r>
+              <a:rPr lang="de-DE" dirty="0" err="1" smtClean="0"/>
+              <a:t>Informatics</a:t>
+            </a:r>
+            <a:endParaRPr lang="de-DE" dirty="0"/>
           </a:p>
         </p:txBody>
       </p:sp>
@@ -13608,38 +13617,38 @@
           <a:p>
             <a:pPr lvl="0"/>
             <a:r>
-              <a:rPr lang="de-DE" smtClean="0"/>
+              <a:rPr lang="en-US" noProof="0" smtClean="0"/>
               <a:t>Textmasterformat bearbeiten</a:t>
             </a:r>
           </a:p>
           <a:p>
             <a:pPr lvl="1"/>
             <a:r>
-              <a:rPr lang="de-DE" smtClean="0"/>
+              <a:rPr lang="en-US" noProof="0" smtClean="0"/>
               <a:t>Zweite Ebene</a:t>
             </a:r>
           </a:p>
           <a:p>
             <a:pPr lvl="2"/>
             <a:r>
-              <a:rPr lang="de-DE" smtClean="0"/>
+              <a:rPr lang="en-US" noProof="0" smtClean="0"/>
               <a:t>Dritte Ebene</a:t>
             </a:r>
           </a:p>
           <a:p>
             <a:pPr lvl="3"/>
             <a:r>
-              <a:rPr lang="de-DE" smtClean="0"/>
+              <a:rPr lang="en-US" noProof="0" smtClean="0"/>
               <a:t>Vierte Ebene</a:t>
             </a:r>
           </a:p>
           <a:p>
             <a:pPr lvl="4"/>
             <a:r>
-              <a:rPr lang="de-DE" smtClean="0"/>
+              <a:rPr lang="en-US" noProof="0" smtClean="0"/>
               <a:t>Fünfte Ebene</a:t>
             </a:r>
-            <a:endParaRPr lang="en-US" dirty="0"/>
+            <a:endParaRPr lang="en-US" noProof="0"/>
           </a:p>
         </p:txBody>
       </p:sp>
@@ -13756,7 +13765,7 @@
               <a:rPr lang="de-DE" smtClean="0"/>
               <a:t>‹Nr.›</a:t>
             </a:fld>
-            <a:endParaRPr lang="de-DE"/>
+            <a:endParaRPr lang="de-DE" dirty="0"/>
           </a:p>
         </p:txBody>
       </p:sp>
@@ -14221,7 +14230,200 @@
 </file>
 
 <file path=ppt/slides/slide10.xml><?xml version="1.0" encoding="utf-8"?>
-<p:sld xmlns:a="http://schemas.openxmlformats.org/drawingml/2006/main" xmlns:r="http://schemas.openxmlformats.org/officeDocument/2006/relationships" xmlns:p="http://schemas.openxmlformats.org/presentationml/2006/main">
+<p:sld xmlns:a="http://schemas.openxmlformats.org/drawingml/2006/main" xmlns:r="http://schemas.openxmlformats.org/officeDocument/2006/relationships" xmlns:p="http://schemas.openxmlformats.org/presentationml/2006/main" show="0">
+  <p:cSld>
+    <p:spTree>
+      <p:nvGrpSpPr>
+        <p:cNvPr id="1" name=""/>
+        <p:cNvGrpSpPr/>
+        <p:nvPr/>
+      </p:nvGrpSpPr>
+      <p:grpSpPr>
+        <a:xfrm>
+          <a:off x="0" y="0"/>
+          <a:ext cx="0" cy="0"/>
+          <a:chOff x="0" y="0"/>
+          <a:chExt cx="0" cy="0"/>
+        </a:xfrm>
+      </p:grpSpPr>
+      <p:sp>
+        <p:nvSpPr>
+          <p:cNvPr id="2" name="Titel 1"/>
+          <p:cNvSpPr>
+            <a:spLocks noGrp="1"/>
+          </p:cNvSpPr>
+          <p:nvPr>
+            <p:ph type="title"/>
+          </p:nvPr>
+        </p:nvSpPr>
+        <p:spPr/>
+        <p:txBody>
+          <a:bodyPr/>
+          <a:lstStyle/>
+          <a:p>
+            <a:pPr algn="ctr"/>
+            <a:r>
+              <a:rPr lang="de-DE" dirty="0" smtClean="0"/>
+              <a:t>Ok, </a:t>
+            </a:r>
+            <a:r>
+              <a:rPr lang="de-DE" dirty="0" err="1" smtClean="0"/>
+              <a:t>what‘s</a:t>
+            </a:r>
+            <a:r>
+              <a:rPr lang="de-DE" dirty="0" smtClean="0"/>
+              <a:t> </a:t>
+            </a:r>
+            <a:r>
+              <a:rPr lang="de-DE" dirty="0" err="1" smtClean="0"/>
+              <a:t>the</a:t>
+            </a:r>
+            <a:r>
+              <a:rPr lang="de-DE" dirty="0" smtClean="0"/>
+              <a:t> </a:t>
+            </a:r>
+            <a:r>
+              <a:rPr lang="de-DE" dirty="0" err="1" smtClean="0"/>
+              <a:t>problem</a:t>
+            </a:r>
+            <a:r>
+              <a:rPr lang="de-DE" dirty="0" smtClean="0"/>
+              <a:t>?</a:t>
+            </a:r>
+            <a:endParaRPr lang="de-DE" dirty="0"/>
+          </a:p>
+        </p:txBody>
+      </p:sp>
+      <p:pic>
+        <p:nvPicPr>
+          <p:cNvPr id="5" name="Picture 2" descr="Cyanide and Happiness, a daily webcomic"/>
+          <p:cNvPicPr>
+            <a:picLocks noGrp="1" noChangeAspect="1" noChangeArrowheads="1" noCrop="1"/>
+          </p:cNvPicPr>
+          <p:nvPr>
+            <p:ph idx="1"/>
+          </p:nvPr>
+        </p:nvPicPr>
+        <p:blipFill>
+          <a:blip r:embed="rId2">
+            <a:extLst>
+              <a:ext uri="{28A0092B-C50C-407E-A947-70E740481C1C}">
+                <a14:useLocalDpi xmlns:a14="http://schemas.microsoft.com/office/drawing/2010/main" val="0"/>
+              </a:ext>
+            </a:extLst>
+          </a:blip>
+          <a:srcRect/>
+          <a:stretch>
+            <a:fillRect/>
+          </a:stretch>
+        </p:blipFill>
+        <p:spPr>
+          <a:xfrm>
+            <a:off x="1923018" y="2324100"/>
+            <a:ext cx="5016976" cy="3508375"/>
+          </a:xfrm>
+        </p:spPr>
+      </p:pic>
+      <p:sp>
+        <p:nvSpPr>
+          <p:cNvPr id="4" name="Datumsplatzhalter 3"/>
+          <p:cNvSpPr>
+            <a:spLocks noGrp="1"/>
+          </p:cNvSpPr>
+          <p:nvPr>
+            <p:ph type="dt" sz="half" idx="10"/>
+          </p:nvPr>
+        </p:nvSpPr>
+        <p:spPr/>
+        <p:txBody>
+          <a:bodyPr/>
+          <a:lstStyle/>
+          <a:p>
+            <a:r>
+              <a:rPr lang="de-DE" smtClean="0"/>
+              <a:t>2012-03-15</a:t>
+            </a:r>
+            <a:endParaRPr lang="de-DE"/>
+          </a:p>
+        </p:txBody>
+      </p:sp>
+      <p:sp>
+        <p:nvSpPr>
+          <p:cNvPr id="6" name="Fußzeilenplatzhalter 5"/>
+          <p:cNvSpPr>
+            <a:spLocks noGrp="1"/>
+          </p:cNvSpPr>
+          <p:nvPr>
+            <p:ph type="ftr" sz="quarter" idx="11"/>
+          </p:nvPr>
+        </p:nvSpPr>
+        <p:spPr/>
+        <p:txBody>
+          <a:bodyPr/>
+          <a:lstStyle/>
+          <a:p>
+            <a:r>
+              <a:rPr lang="de-DE" smtClean="0"/>
+              <a:t>Social Informatics</a:t>
+            </a:r>
+            <a:endParaRPr lang="de-DE"/>
+          </a:p>
+        </p:txBody>
+      </p:sp>
+      <p:sp>
+        <p:nvSpPr>
+          <p:cNvPr id="7" name="Foliennummernplatzhalter 6"/>
+          <p:cNvSpPr>
+            <a:spLocks noGrp="1"/>
+          </p:cNvSpPr>
+          <p:nvPr>
+            <p:ph type="sldNum" sz="quarter" idx="12"/>
+          </p:nvPr>
+        </p:nvSpPr>
+        <p:spPr/>
+        <p:txBody>
+          <a:bodyPr/>
+          <a:lstStyle/>
+          <a:p>
+            <a:fld id="{B0B375FB-C33C-412F-93B9-EB60E408F875}" type="slidenum">
+              <a:rPr lang="de-DE" smtClean="0"/>
+              <a:pPr/>
+              <a:t>10</a:t>
+            </a:fld>
+            <a:endParaRPr lang="de-DE"/>
+          </a:p>
+        </p:txBody>
+      </p:sp>
+    </p:spTree>
+    <p:extLst>
+      <p:ext uri="{BB962C8B-B14F-4D97-AF65-F5344CB8AC3E}">
+        <p14:creationId xmlns:p14="http://schemas.microsoft.com/office/powerpoint/2010/main" val="3208671146"/>
+      </p:ext>
+    </p:extLst>
+  </p:cSld>
+  <p:clrMapOvr>
+    <a:masterClrMapping/>
+  </p:clrMapOvr>
+  <mc:AlternateContent xmlns:mc="http://schemas.openxmlformats.org/markup-compatibility/2006" xmlns:p14="http://schemas.microsoft.com/office/powerpoint/2010/main">
+    <mc:Choice Requires="p14">
+      <p:transition spd="slow" p14:dur="2000"/>
+    </mc:Choice>
+    <mc:Fallback xmlns="">
+      <p:transition spd="slow"/>
+    </mc:Fallback>
+  </mc:AlternateContent>
+  <p:timing>
+    <p:tnLst>
+      <p:par>
+        <p:cTn id="1" dur="indefinite" restart="never" nodeType="tmRoot"/>
+      </p:par>
+    </p:tnLst>
+  </p:timing>
+</p:sld>
+</file>
+
+<file path=ppt/slides/slide11.xml><?xml version="1.0" encoding="utf-8"?>
+<p:sld xmlns:a="http://schemas.openxmlformats.org/drawingml/2006/main" xmlns:r="http://schemas.openxmlformats.org/officeDocument/2006/relationships" xmlns:p="http://schemas.openxmlformats.org/presentationml/2006/main" show="0">
   <p:cSld>
     <p:spTree>
       <p:nvGrpSpPr>
@@ -14402,7 +14604,7 @@
           <a:p>
             <a:fld id="{B0B375FB-C33C-412F-93B9-EB60E408F875}" type="slidenum">
               <a:rPr lang="de-DE" smtClean="0"/>
-              <a:t>10</a:t>
+              <a:t>11</a:t>
             </a:fld>
             <a:endParaRPr lang="de-DE"/>
           </a:p>
@@ -14418,6 +14620,14 @@
   <p:clrMapOvr>
     <a:masterClrMapping/>
   </p:clrMapOvr>
+  <mc:AlternateContent xmlns:mc="http://schemas.openxmlformats.org/markup-compatibility/2006">
+    <mc:Choice xmlns:p14="http://schemas.microsoft.com/office/powerpoint/2010/main" Requires="p14">
+      <p:transition spd="slow" p14:dur="2000"/>
+    </mc:Choice>
+    <mc:Fallback>
+      <p:transition spd="slow"/>
+    </mc:Fallback>
+  </mc:AlternateContent>
   <p:timing>
     <p:tnLst>
       <p:par>
@@ -14662,165 +14872,46 @@
           <a:lstStyle/>
           <a:p>
             <a:r>
-              <a:rPr lang="de-DE" dirty="0" err="1" smtClean="0"/>
-              <a:t>How</a:t>
-            </a:r>
-            <a:r>
-              <a:rPr lang="de-DE" dirty="0" smtClean="0"/>
-              <a:t> </a:t>
-            </a:r>
-            <a:r>
-              <a:rPr lang="de-DE" dirty="0" smtClean="0"/>
-              <a:t>do </a:t>
-            </a:r>
-            <a:r>
-              <a:rPr lang="de-DE" dirty="0" err="1" smtClean="0"/>
-              <a:t>people</a:t>
-            </a:r>
-            <a:r>
-              <a:rPr lang="de-DE" dirty="0" smtClean="0"/>
-              <a:t> </a:t>
-            </a:r>
-            <a:r>
-              <a:rPr lang="de-DE" dirty="0" err="1" smtClean="0"/>
-              <a:t>search</a:t>
-            </a:r>
-            <a:r>
-              <a:rPr lang="de-DE" dirty="0" smtClean="0"/>
-              <a:t> </a:t>
-            </a:r>
-            <a:r>
-              <a:rPr lang="de-DE" dirty="0" err="1" smtClean="0"/>
-              <a:t>for</a:t>
-            </a:r>
-            <a:r>
-              <a:rPr lang="de-DE" dirty="0" smtClean="0"/>
-              <a:t> </a:t>
-            </a:r>
-            <a:r>
-              <a:rPr lang="de-DE" dirty="0" err="1" smtClean="0"/>
-              <a:t>and</a:t>
-            </a:r>
-            <a:r>
-              <a:rPr lang="de-DE" dirty="0" smtClean="0"/>
-              <a:t> </a:t>
-            </a:r>
-            <a:r>
-              <a:rPr lang="de-DE" dirty="0" err="1" smtClean="0"/>
-              <a:t>utilize</a:t>
-            </a:r>
-            <a:r>
-              <a:rPr lang="de-DE" dirty="0" smtClean="0"/>
-              <a:t> </a:t>
-            </a:r>
-            <a:r>
-              <a:rPr lang="de-DE" dirty="0" err="1" smtClean="0"/>
-              <a:t>information</a:t>
-            </a:r>
-            <a:r>
-              <a:rPr lang="de-DE" dirty="0" smtClean="0"/>
-              <a:t> </a:t>
-            </a:r>
-            <a:r>
-              <a:rPr lang="de-DE" dirty="0" err="1" smtClean="0"/>
-              <a:t>provided</a:t>
-            </a:r>
-            <a:r>
-              <a:rPr lang="de-DE" dirty="0" smtClean="0"/>
-              <a:t> in </a:t>
-            </a:r>
-            <a:r>
-              <a:rPr lang="de-DE" dirty="0" err="1" smtClean="0"/>
-              <a:t>information</a:t>
-            </a:r>
-            <a:r>
-              <a:rPr lang="de-DE" dirty="0" smtClean="0"/>
-              <a:t> </a:t>
-            </a:r>
-            <a:r>
-              <a:rPr lang="de-DE" dirty="0" err="1" smtClean="0"/>
-              <a:t>systems</a:t>
-            </a:r>
-            <a:r>
-              <a:rPr lang="de-DE" dirty="0" smtClean="0"/>
-              <a:t>?</a:t>
-            </a:r>
-            <a:endParaRPr lang="de-DE" dirty="0" smtClean="0"/>
-          </a:p>
-          <a:p>
-            <a:endParaRPr lang="de-DE" dirty="0" smtClean="0"/>
-          </a:p>
-          <a:p>
-            <a:r>
-              <a:rPr lang="de-DE" dirty="0" err="1" smtClean="0"/>
-              <a:t>How</a:t>
-            </a:r>
-            <a:r>
-              <a:rPr lang="de-DE" dirty="0" smtClean="0"/>
-              <a:t> </a:t>
-            </a:r>
-            <a:r>
-              <a:rPr lang="de-DE" dirty="0" err="1" smtClean="0"/>
-              <a:t>does</a:t>
-            </a:r>
-            <a:r>
-              <a:rPr lang="de-DE" dirty="0" smtClean="0"/>
-              <a:t> </a:t>
-            </a:r>
-            <a:r>
-              <a:rPr lang="de-DE" dirty="0" err="1" smtClean="0"/>
-              <a:t>behaviour</a:t>
-            </a:r>
-            <a:r>
-              <a:rPr lang="de-DE" dirty="0" smtClean="0"/>
-              <a:t> </a:t>
-            </a:r>
-            <a:r>
-              <a:rPr lang="de-DE" dirty="0" err="1" smtClean="0"/>
-              <a:t>change</a:t>
-            </a:r>
-            <a:r>
-              <a:rPr lang="de-DE" dirty="0" smtClean="0"/>
-              <a:t> </a:t>
-            </a:r>
-            <a:r>
-              <a:rPr lang="de-DE" dirty="0" err="1" smtClean="0"/>
-              <a:t>depending</a:t>
-            </a:r>
-            <a:r>
-              <a:rPr lang="de-DE" dirty="0" smtClean="0"/>
-              <a:t> on different </a:t>
-            </a:r>
-            <a:r>
-              <a:rPr lang="de-DE" dirty="0" err="1" smtClean="0"/>
-              <a:t>sources</a:t>
-            </a:r>
-            <a:r>
-              <a:rPr lang="de-DE" dirty="0" smtClean="0"/>
-              <a:t> </a:t>
-            </a:r>
-            <a:r>
-              <a:rPr lang="de-DE" dirty="0" err="1" smtClean="0"/>
-              <a:t>and</a:t>
-            </a:r>
-            <a:r>
-              <a:rPr lang="de-DE" dirty="0" smtClean="0"/>
-              <a:t> </a:t>
-            </a:r>
-            <a:r>
-              <a:rPr lang="de-DE" dirty="0" err="1" smtClean="0"/>
-              <a:t>channels</a:t>
-            </a:r>
-            <a:r>
-              <a:rPr lang="de-DE" dirty="0" smtClean="0"/>
-              <a:t>?</a:t>
-            </a:r>
-          </a:p>
-          <a:p>
-            <a:endParaRPr lang="de-DE" dirty="0"/>
-          </a:p>
-          <a:p>
-            <a:endParaRPr lang="de-DE" dirty="0" smtClean="0"/>
+              <a:rPr lang="en-US" dirty="0" smtClean="0"/>
+              <a:t>information production may be automated (structured task)</a:t>
+            </a:r>
+          </a:p>
+          <a:p>
+            <a:endParaRPr lang="en-US" dirty="0" smtClean="0"/>
+          </a:p>
+          <a:p>
+            <a:r>
+              <a:rPr lang="en-US" dirty="0" smtClean="0"/>
+              <a:t>information access is analyzed by HCI</a:t>
+            </a:r>
+          </a:p>
+          <a:p>
+            <a:endParaRPr lang="en-US" dirty="0" smtClean="0"/>
+          </a:p>
+          <a:p>
+            <a:pPr marL="342900" lvl="1"/>
+            <a:r>
+              <a:rPr lang="en-US" dirty="0" smtClean="0"/>
+              <a:t>information </a:t>
+            </a:r>
+            <a:r>
+              <a:rPr lang="en-US" dirty="0"/>
+              <a:t>utilization (semi-structured </a:t>
+            </a:r>
+            <a:r>
+              <a:rPr lang="en-US" dirty="0" smtClean="0"/>
+              <a:t>tasks</a:t>
+            </a:r>
+            <a:r>
+              <a:rPr lang="en-US" dirty="0" smtClean="0"/>
+              <a:t>) is covered by HIB</a:t>
+            </a:r>
+          </a:p>
+          <a:p>
+            <a:endParaRPr lang="en-US" dirty="0" smtClean="0"/>
+          </a:p>
+          <a:p>
+            <a:endParaRPr lang="en-US" dirty="0" smtClean="0"/>
           </a:p>
         </p:txBody>
       </p:sp>
@@ -14942,10 +15033,350 @@
         </p:nvSpPr>
         <p:spPr/>
         <p:txBody>
+          <a:bodyPr>
+            <a:normAutofit fontScale="90000"/>
+          </a:bodyPr>
+          <a:lstStyle/>
+          <a:p>
+            <a:r>
+              <a:rPr lang="de-DE" dirty="0" smtClean="0"/>
+              <a:t>HIB: Human Information </a:t>
+            </a:r>
+            <a:r>
+              <a:rPr lang="de-DE" dirty="0" err="1" smtClean="0"/>
+              <a:t>Behaviour</a:t>
+            </a:r>
+            <a:endParaRPr lang="de-DE" dirty="0"/>
+          </a:p>
+        </p:txBody>
+      </p:sp>
+      <p:sp>
+        <p:nvSpPr>
+          <p:cNvPr id="3" name="Inhaltsplatzhalter 2"/>
+          <p:cNvSpPr>
+            <a:spLocks noGrp="1"/>
+          </p:cNvSpPr>
+          <p:nvPr>
+            <p:ph idx="1"/>
+          </p:nvPr>
+        </p:nvSpPr>
+        <p:spPr/>
+        <p:txBody>
           <a:bodyPr/>
           <a:lstStyle/>
           <a:p>
+            <a:r>
+              <a:rPr lang="de-DE" dirty="0" err="1" smtClean="0"/>
+              <a:t>How</a:t>
+            </a:r>
+            <a:r>
+              <a:rPr lang="de-DE" dirty="0" smtClean="0"/>
+              <a:t> </a:t>
+            </a:r>
+            <a:r>
+              <a:rPr lang="de-DE" dirty="0" smtClean="0"/>
+              <a:t>do </a:t>
+            </a:r>
+            <a:r>
+              <a:rPr lang="de-DE" dirty="0" err="1" smtClean="0"/>
+              <a:t>people</a:t>
+            </a:r>
+            <a:r>
+              <a:rPr lang="de-DE" dirty="0" smtClean="0"/>
+              <a:t> </a:t>
+            </a:r>
+            <a:r>
+              <a:rPr lang="de-DE" dirty="0" err="1" smtClean="0"/>
+              <a:t>search</a:t>
+            </a:r>
+            <a:r>
+              <a:rPr lang="de-DE" dirty="0" smtClean="0"/>
+              <a:t> </a:t>
+            </a:r>
+            <a:r>
+              <a:rPr lang="de-DE" dirty="0" err="1" smtClean="0"/>
+              <a:t>for</a:t>
+            </a:r>
+            <a:r>
+              <a:rPr lang="de-DE" dirty="0" smtClean="0"/>
+              <a:t> </a:t>
+            </a:r>
+            <a:r>
+              <a:rPr lang="de-DE" dirty="0" err="1" smtClean="0"/>
+              <a:t>and</a:t>
+            </a:r>
+            <a:r>
+              <a:rPr lang="de-DE" dirty="0" smtClean="0"/>
+              <a:t> </a:t>
+            </a:r>
+            <a:r>
+              <a:rPr lang="de-DE" dirty="0" err="1" smtClean="0"/>
+              <a:t>utilize</a:t>
+            </a:r>
+            <a:r>
+              <a:rPr lang="de-DE" dirty="0" smtClean="0"/>
+              <a:t> </a:t>
+            </a:r>
+            <a:r>
+              <a:rPr lang="de-DE" dirty="0" err="1" smtClean="0"/>
+              <a:t>information</a:t>
+            </a:r>
+            <a:r>
+              <a:rPr lang="de-DE" dirty="0" smtClean="0"/>
+              <a:t> </a:t>
+            </a:r>
+            <a:r>
+              <a:rPr lang="de-DE" dirty="0" err="1" smtClean="0"/>
+              <a:t>provided</a:t>
+            </a:r>
+            <a:r>
+              <a:rPr lang="de-DE" dirty="0" smtClean="0"/>
+              <a:t> in </a:t>
+            </a:r>
+            <a:r>
+              <a:rPr lang="de-DE" dirty="0" err="1" smtClean="0"/>
+              <a:t>information</a:t>
+            </a:r>
+            <a:r>
+              <a:rPr lang="de-DE" dirty="0" smtClean="0"/>
+              <a:t> </a:t>
+            </a:r>
+            <a:r>
+              <a:rPr lang="de-DE" dirty="0" err="1" smtClean="0"/>
+              <a:t>systems</a:t>
+            </a:r>
+            <a:r>
+              <a:rPr lang="de-DE" dirty="0" smtClean="0"/>
+              <a:t>?</a:t>
+            </a:r>
+            <a:endParaRPr lang="de-DE" dirty="0" smtClean="0"/>
+          </a:p>
+          <a:p>
+            <a:endParaRPr lang="de-DE" dirty="0" smtClean="0"/>
+          </a:p>
+          <a:p>
+            <a:r>
+              <a:rPr lang="de-DE" dirty="0" err="1" smtClean="0"/>
+              <a:t>How</a:t>
+            </a:r>
+            <a:r>
+              <a:rPr lang="de-DE" dirty="0" smtClean="0"/>
+              <a:t> </a:t>
+            </a:r>
+            <a:r>
+              <a:rPr lang="de-DE" dirty="0" err="1" smtClean="0"/>
+              <a:t>does</a:t>
+            </a:r>
+            <a:r>
+              <a:rPr lang="de-DE" dirty="0" smtClean="0"/>
+              <a:t> </a:t>
+            </a:r>
+            <a:r>
+              <a:rPr lang="de-DE" dirty="0" err="1" smtClean="0"/>
+              <a:t>behaviour</a:t>
+            </a:r>
+            <a:r>
+              <a:rPr lang="de-DE" dirty="0" smtClean="0"/>
+              <a:t> </a:t>
+            </a:r>
+            <a:r>
+              <a:rPr lang="de-DE" dirty="0" err="1" smtClean="0"/>
+              <a:t>change</a:t>
+            </a:r>
+            <a:r>
+              <a:rPr lang="de-DE" dirty="0" smtClean="0"/>
+              <a:t> </a:t>
+            </a:r>
+            <a:r>
+              <a:rPr lang="de-DE" dirty="0" err="1" smtClean="0"/>
+              <a:t>depending</a:t>
+            </a:r>
+            <a:r>
+              <a:rPr lang="de-DE" dirty="0" smtClean="0"/>
+              <a:t> on different </a:t>
+            </a:r>
+            <a:r>
+              <a:rPr lang="de-DE" dirty="0" err="1" smtClean="0"/>
+              <a:t>information</a:t>
+            </a:r>
+            <a:r>
+              <a:rPr lang="de-DE" dirty="0" smtClean="0"/>
+              <a:t> </a:t>
+            </a:r>
+            <a:r>
+              <a:rPr lang="de-DE" dirty="0" err="1" smtClean="0"/>
+              <a:t>sources</a:t>
+            </a:r>
+            <a:r>
+              <a:rPr lang="de-DE" dirty="0" smtClean="0"/>
+              <a:t> </a:t>
+            </a:r>
+            <a:r>
+              <a:rPr lang="de-DE" dirty="0" err="1" smtClean="0"/>
+              <a:t>and</a:t>
+            </a:r>
+            <a:r>
+              <a:rPr lang="de-DE" dirty="0" smtClean="0"/>
+              <a:t> </a:t>
+            </a:r>
+            <a:r>
+              <a:rPr lang="de-DE" dirty="0" err="1" smtClean="0"/>
+              <a:t>channels</a:t>
+            </a:r>
+            <a:r>
+              <a:rPr lang="de-DE" dirty="0" smtClean="0"/>
+              <a:t>?</a:t>
+            </a:r>
+          </a:p>
+          <a:p>
+            <a:pPr lvl="1"/>
+            <a:r>
+              <a:rPr lang="de-DE" dirty="0" err="1" smtClean="0"/>
+              <a:t>facebook</a:t>
+            </a:r>
+            <a:r>
+              <a:rPr lang="de-DE" dirty="0"/>
+              <a:t>, ÕIS, </a:t>
+            </a:r>
+            <a:r>
+              <a:rPr lang="de-DE" dirty="0" smtClean="0"/>
+              <a:t>Google, …</a:t>
+            </a:r>
             <a:endParaRPr lang="de-DE" dirty="0"/>
+          </a:p>
+          <a:p>
+            <a:endParaRPr lang="de-DE" dirty="0" smtClean="0"/>
+          </a:p>
+        </p:txBody>
+      </p:sp>
+      <p:sp>
+        <p:nvSpPr>
+          <p:cNvPr id="4" name="Datumsplatzhalter 3"/>
+          <p:cNvSpPr>
+            <a:spLocks noGrp="1"/>
+          </p:cNvSpPr>
+          <p:nvPr>
+            <p:ph type="dt" sz="half" idx="10"/>
+          </p:nvPr>
+        </p:nvSpPr>
+        <p:spPr/>
+        <p:txBody>
+          <a:bodyPr/>
+          <a:lstStyle/>
+          <a:p>
+            <a:r>
+              <a:rPr lang="de-DE" smtClean="0"/>
+              <a:t>2012-03-15</a:t>
+            </a:r>
+            <a:endParaRPr lang="de-DE"/>
+          </a:p>
+        </p:txBody>
+      </p:sp>
+      <p:sp>
+        <p:nvSpPr>
+          <p:cNvPr id="5" name="Fußzeilenplatzhalter 4"/>
+          <p:cNvSpPr>
+            <a:spLocks noGrp="1"/>
+          </p:cNvSpPr>
+          <p:nvPr>
+            <p:ph type="ftr" sz="quarter" idx="11"/>
+          </p:nvPr>
+        </p:nvSpPr>
+        <p:spPr/>
+        <p:txBody>
+          <a:bodyPr/>
+          <a:lstStyle/>
+          <a:p>
+            <a:r>
+              <a:rPr lang="de-DE" smtClean="0"/>
+              <a:t>Social Informatics</a:t>
+            </a:r>
+            <a:endParaRPr lang="de-DE"/>
+          </a:p>
+        </p:txBody>
+      </p:sp>
+      <p:sp>
+        <p:nvSpPr>
+          <p:cNvPr id="6" name="Foliennummernplatzhalter 5"/>
+          <p:cNvSpPr>
+            <a:spLocks noGrp="1"/>
+          </p:cNvSpPr>
+          <p:nvPr>
+            <p:ph type="sldNum" sz="quarter" idx="12"/>
+          </p:nvPr>
+        </p:nvSpPr>
+        <p:spPr/>
+        <p:txBody>
+          <a:bodyPr/>
+          <a:lstStyle/>
+          <a:p>
+            <a:fld id="{B0B375FB-C33C-412F-93B9-EB60E408F875}" type="slidenum">
+              <a:rPr lang="de-DE" smtClean="0"/>
+              <a:t>4</a:t>
+            </a:fld>
+            <a:endParaRPr lang="de-DE"/>
+          </a:p>
+        </p:txBody>
+      </p:sp>
+    </p:spTree>
+    <p:extLst>
+      <p:ext uri="{BB962C8B-B14F-4D97-AF65-F5344CB8AC3E}">
+        <p14:creationId xmlns:p14="http://schemas.microsoft.com/office/powerpoint/2010/main" val="4263511858"/>
+      </p:ext>
+    </p:extLst>
+  </p:cSld>
+  <p:clrMapOvr>
+    <a:masterClrMapping/>
+  </p:clrMapOvr>
+  <p:timing>
+    <p:tnLst>
+      <p:par>
+        <p:cTn id="1" dur="indefinite" restart="never" nodeType="tmRoot"/>
+      </p:par>
+    </p:tnLst>
+  </p:timing>
+</p:sld>
+</file>
+
+<file path=ppt/slides/slide5.xml><?xml version="1.0" encoding="utf-8"?>
+<p:sld xmlns:a="http://schemas.openxmlformats.org/drawingml/2006/main" xmlns:r="http://schemas.openxmlformats.org/officeDocument/2006/relationships" xmlns:p="http://schemas.openxmlformats.org/presentationml/2006/main">
+  <p:cSld>
+    <p:spTree>
+      <p:nvGrpSpPr>
+        <p:cNvPr id="1" name=""/>
+        <p:cNvGrpSpPr/>
+        <p:nvPr/>
+      </p:nvGrpSpPr>
+      <p:grpSpPr>
+        <a:xfrm>
+          <a:off x="0" y="0"/>
+          <a:ext cx="0" cy="0"/>
+          <a:chOff x="0" y="0"/>
+          <a:chExt cx="0" cy="0"/>
+        </a:xfrm>
+      </p:grpSpPr>
+      <p:sp>
+        <p:nvSpPr>
+          <p:cNvPr id="2" name="Titel 1"/>
+          <p:cNvSpPr>
+            <a:spLocks noGrp="1"/>
+          </p:cNvSpPr>
+          <p:nvPr>
+            <p:ph type="title"/>
+          </p:nvPr>
+        </p:nvSpPr>
+        <p:spPr/>
+        <p:txBody>
+          <a:bodyPr>
+            <a:normAutofit fontScale="90000"/>
+          </a:bodyPr>
+          <a:lstStyle/>
+          <a:p>
+            <a:r>
+              <a:rPr lang="en-US" dirty="0" smtClean="0"/>
+              <a:t>HCI research leads to HIB research</a:t>
+            </a:r>
+            <a:endParaRPr lang="en-US" dirty="0"/>
           </a:p>
         </p:txBody>
       </p:sp>
@@ -15078,7 +15509,7 @@
           <a:p>
             <a:fld id="{B0B375FB-C33C-412F-93B9-EB60E408F875}" type="slidenum">
               <a:rPr lang="de-DE" smtClean="0"/>
-              <a:t>4</a:t>
+              <a:t>5</a:t>
             </a:fld>
             <a:endParaRPr lang="de-DE"/>
           </a:p>
@@ -15104,7 +15535,7 @@
 </p:sld>
 </file>
 
-<file path=ppt/slides/slide5.xml><?xml version="1.0" encoding="utf-8"?>
+<file path=ppt/slides/slide6.xml><?xml version="1.0" encoding="utf-8"?>
 <p:sld xmlns:a="http://schemas.openxmlformats.org/drawingml/2006/main" xmlns:r="http://schemas.openxmlformats.org/officeDocument/2006/relationships" xmlns:p="http://schemas.openxmlformats.org/presentationml/2006/main">
   <p:cSld>
     <p:spTree>
@@ -15133,14 +15564,16 @@
         </p:nvSpPr>
         <p:spPr/>
         <p:txBody>
-          <a:bodyPr/>
+          <a:bodyPr>
+            <a:normAutofit fontScale="90000"/>
+          </a:bodyPr>
           <a:lstStyle/>
           <a:p>
             <a:r>
-              <a:rPr lang="de-DE" dirty="0" smtClean="0"/>
-              <a:t>Focus!</a:t>
-            </a:r>
-            <a:endParaRPr lang="de-DE" dirty="0"/>
+              <a:rPr lang="en-US" dirty="0" smtClean="0"/>
+              <a:t>HCI innovates PC usage techniques</a:t>
+            </a:r>
+            <a:endParaRPr lang="en-US" dirty="0"/>
           </a:p>
         </p:txBody>
       </p:sp>
@@ -15254,10 +15687,18 @@
           <a:lstStyle/>
           <a:p>
             <a:r>
-              <a:rPr lang="de-DE" smtClean="0"/>
-              <a:t>Social Informatics</a:t>
-            </a:r>
-            <a:endParaRPr lang="de-DE"/>
+              <a:rPr lang="de-DE" dirty="0" err="1" smtClean="0"/>
+              <a:t>Social</a:t>
+            </a:r>
+            <a:r>
+              <a:rPr lang="de-DE" dirty="0" smtClean="0"/>
+              <a:t> </a:t>
+            </a:r>
+            <a:r>
+              <a:rPr lang="de-DE" dirty="0" err="1" smtClean="0"/>
+              <a:t>Informatics</a:t>
+            </a:r>
+            <a:endParaRPr lang="de-DE" dirty="0"/>
           </a:p>
         </p:txBody>
       </p:sp>
@@ -15279,7 +15720,7 @@
             <a:fld id="{B0B375FB-C33C-412F-93B9-EB60E408F875}" type="slidenum">
               <a:rPr lang="de-DE" smtClean="0"/>
               <a:pPr/>
-              <a:t>5</a:t>
+              <a:t>6</a:t>
             </a:fld>
             <a:endParaRPr lang="de-DE"/>
           </a:p>
@@ -15379,7 +15820,7 @@
 </p:sld>
 </file>
 
-<file path=ppt/slides/slide6.xml><?xml version="1.0" encoding="utf-8"?>
+<file path=ppt/slides/slide7.xml><?xml version="1.0" encoding="utf-8"?>
 <p:sld xmlns:a="http://schemas.openxmlformats.org/drawingml/2006/main" xmlns:r="http://schemas.openxmlformats.org/officeDocument/2006/relationships" xmlns:p="http://schemas.openxmlformats.org/presentationml/2006/main">
   <p:cSld>
     <p:spTree>
@@ -15411,6 +15852,7 @@
           <a:bodyPr/>
           <a:lstStyle/>
           <a:p>
+            <a:pPr algn="ctr"/>
             <a:r>
               <a:rPr lang="de-DE" dirty="0" smtClean="0"/>
               <a:t>Goals </a:t>
@@ -15421,7 +15863,30 @@
             </a:r>
             <a:r>
               <a:rPr lang="de-DE" dirty="0" smtClean="0"/>
-              <a:t> HBI </a:t>
+              <a:t> …</a:t>
+            </a:r>
+            <a:endParaRPr lang="de-DE" dirty="0"/>
+          </a:p>
+        </p:txBody>
+      </p:sp>
+      <p:sp>
+        <p:nvSpPr>
+          <p:cNvPr id="7" name="Textplatzhalter 6"/>
+          <p:cNvSpPr>
+            <a:spLocks noGrp="1"/>
+          </p:cNvSpPr>
+          <p:nvPr>
+            <p:ph type="body" idx="1"/>
+          </p:nvPr>
+        </p:nvSpPr>
+        <p:spPr/>
+        <p:txBody>
+          <a:bodyPr/>
+          <a:lstStyle/>
+          <a:p>
+            <a:r>
+              <a:rPr lang="de-DE" dirty="0" smtClean="0"/>
+              <a:t>HCI </a:t>
             </a:r>
             <a:r>
               <a:rPr lang="de-DE" dirty="0" err="1" smtClean="0"/>
@@ -15438,45 +15903,250 @@
             <a:spLocks noGrp="1"/>
           </p:cNvSpPr>
           <p:nvPr>
-            <p:ph idx="1"/>
+            <p:ph sz="half" idx="2"/>
           </p:nvPr>
         </p:nvSpPr>
         <p:spPr/>
         <p:txBody>
           <a:bodyPr>
-            <a:normAutofit/>
+            <a:normAutofit fontScale="77500" lnSpcReduction="20000"/>
           </a:bodyPr>
           <a:lstStyle/>
           <a:p>
             <a:r>
               <a:rPr lang="en-US" dirty="0" smtClean="0"/>
-              <a:t>aims</a:t>
-            </a:r>
-          </a:p>
-          <a:p>
-            <a:pPr lvl="1"/>
+              <a:t>increase </a:t>
+            </a:r>
             <a:r>
               <a:rPr lang="en-US" dirty="0" smtClean="0"/>
-              <a:t>increase task execution speed</a:t>
-            </a:r>
-          </a:p>
-          <a:p>
-            <a:pPr lvl="1"/>
+              <a:t>task execution speed</a:t>
+            </a:r>
+          </a:p>
+          <a:p>
+            <a:endParaRPr lang="en-US" dirty="0" smtClean="0"/>
+          </a:p>
+          <a:p>
             <a:r>
               <a:rPr lang="en-US" dirty="0" smtClean="0"/>
-              <a:t>lower failure rates</a:t>
-            </a:r>
-          </a:p>
-          <a:p>
-            <a:pPr lvl="1"/>
+              <a:t>lower </a:t>
+            </a:r>
             <a:r>
               <a:rPr lang="en-US" dirty="0" smtClean="0"/>
-              <a:t>establish </a:t>
-            </a:r>
-          </a:p>
-          <a:p>
-            <a:pPr lvl="1"/>
+              <a:t>failure rates</a:t>
+            </a:r>
+          </a:p>
+          <a:p>
             <a:endParaRPr lang="en-US" dirty="0" smtClean="0"/>
+          </a:p>
+          <a:p>
+            <a:r>
+              <a:rPr lang="en-US" dirty="0" smtClean="0"/>
+              <a:t>remove usage barriers</a:t>
+            </a:r>
+            <a:endParaRPr lang="en-US" dirty="0"/>
+          </a:p>
+          <a:p>
+            <a:endParaRPr lang="en-US" dirty="0" smtClean="0"/>
+          </a:p>
+          <a:p>
+            <a:r>
+              <a:rPr lang="en-US" dirty="0" smtClean="0"/>
+              <a:t>establish new ways how to access information</a:t>
+            </a:r>
+            <a:endParaRPr lang="en-US" dirty="0" smtClean="0"/>
+          </a:p>
+        </p:txBody>
+      </p:sp>
+      <p:sp>
+        <p:nvSpPr>
+          <p:cNvPr id="8" name="Textplatzhalter 7"/>
+          <p:cNvSpPr>
+            <a:spLocks noGrp="1"/>
+          </p:cNvSpPr>
+          <p:nvPr>
+            <p:ph type="body" sz="quarter" idx="3"/>
+          </p:nvPr>
+        </p:nvSpPr>
+        <p:spPr/>
+        <p:txBody>
+          <a:bodyPr/>
+          <a:lstStyle/>
+          <a:p>
+            <a:r>
+              <a:rPr lang="de-DE" dirty="0" smtClean="0"/>
+              <a:t>HIB </a:t>
+            </a:r>
+            <a:r>
+              <a:rPr lang="de-DE" dirty="0" err="1" smtClean="0"/>
+              <a:t>research</a:t>
+            </a:r>
+            <a:endParaRPr lang="de-DE" dirty="0"/>
+          </a:p>
+        </p:txBody>
+      </p:sp>
+      <p:sp>
+        <p:nvSpPr>
+          <p:cNvPr id="9" name="Inhaltsplatzhalter 8"/>
+          <p:cNvSpPr>
+            <a:spLocks noGrp="1"/>
+          </p:cNvSpPr>
+          <p:nvPr>
+            <p:ph sz="quarter" idx="4"/>
+          </p:nvPr>
+        </p:nvSpPr>
+        <p:spPr>
+          <a:xfrm>
+            <a:off x="4645152" y="2974694"/>
+            <a:ext cx="3599256" cy="2835797"/>
+          </a:xfrm>
+        </p:spPr>
+        <p:txBody>
+          <a:bodyPr>
+            <a:normAutofit fontScale="85000" lnSpcReduction="20000"/>
+          </a:bodyPr>
+          <a:lstStyle/>
+          <a:p>
+            <a:r>
+              <a:rPr lang="de-DE" dirty="0" err="1" smtClean="0"/>
+              <a:t>analyze</a:t>
+            </a:r>
+            <a:r>
+              <a:rPr lang="de-DE" dirty="0" smtClean="0"/>
+              <a:t> </a:t>
+            </a:r>
+            <a:r>
+              <a:rPr lang="de-DE" dirty="0" err="1" smtClean="0"/>
+              <a:t>how</a:t>
+            </a:r>
+            <a:r>
+              <a:rPr lang="de-DE" dirty="0" smtClean="0"/>
+              <a:t> </a:t>
+            </a:r>
+            <a:r>
+              <a:rPr lang="de-DE" dirty="0" err="1" smtClean="0"/>
+              <a:t>users</a:t>
+            </a:r>
+            <a:r>
+              <a:rPr lang="de-DE" dirty="0" smtClean="0"/>
+              <a:t> </a:t>
+            </a:r>
+            <a:r>
+              <a:rPr lang="de-DE" dirty="0" err="1" smtClean="0"/>
+              <a:t>combine</a:t>
+            </a:r>
+            <a:r>
+              <a:rPr lang="de-DE" dirty="0" smtClean="0"/>
+              <a:t> multiple </a:t>
+            </a:r>
+            <a:r>
+              <a:rPr lang="de-DE" dirty="0" err="1" smtClean="0"/>
+              <a:t>systems</a:t>
+            </a:r>
+            <a:endParaRPr lang="de-DE" dirty="0" smtClean="0"/>
+          </a:p>
+          <a:p>
+            <a:endParaRPr lang="de-DE" dirty="0"/>
+          </a:p>
+          <a:p>
+            <a:r>
+              <a:rPr lang="de-DE" dirty="0" smtClean="0"/>
+              <a:t>find </a:t>
+            </a:r>
+            <a:r>
+              <a:rPr lang="de-DE" dirty="0" err="1" smtClean="0"/>
+              <a:t>means</a:t>
+            </a:r>
+            <a:r>
+              <a:rPr lang="de-DE" dirty="0" smtClean="0"/>
+              <a:t> </a:t>
+            </a:r>
+            <a:r>
+              <a:rPr lang="de-DE" dirty="0" err="1" smtClean="0"/>
+              <a:t>to</a:t>
+            </a:r>
+            <a:r>
+              <a:rPr lang="de-DE" dirty="0" smtClean="0"/>
+              <a:t> </a:t>
+            </a:r>
+            <a:r>
+              <a:rPr lang="de-DE" dirty="0" err="1" smtClean="0"/>
+              <a:t>improve</a:t>
+            </a:r>
+            <a:r>
+              <a:rPr lang="de-DE" dirty="0" smtClean="0"/>
+              <a:t> </a:t>
+            </a:r>
+            <a:r>
+              <a:rPr lang="de-DE" dirty="0" err="1" smtClean="0"/>
+              <a:t>system</a:t>
+            </a:r>
+            <a:r>
+              <a:rPr lang="de-DE" dirty="0" smtClean="0"/>
+              <a:t> </a:t>
+            </a:r>
+            <a:r>
+              <a:rPr lang="de-DE" dirty="0" err="1" smtClean="0"/>
+              <a:t>interaction</a:t>
+            </a:r>
+            <a:r>
+              <a:rPr lang="de-DE" dirty="0" smtClean="0"/>
+              <a:t> </a:t>
+            </a:r>
+            <a:r>
+              <a:rPr lang="de-DE" dirty="0" err="1" smtClean="0"/>
+              <a:t>and</a:t>
+            </a:r>
+            <a:r>
+              <a:rPr lang="de-DE" dirty="0" smtClean="0"/>
+              <a:t> </a:t>
+            </a:r>
+            <a:r>
+              <a:rPr lang="de-DE" dirty="0" err="1" smtClean="0"/>
+              <a:t>search</a:t>
+            </a:r>
+            <a:r>
+              <a:rPr lang="de-DE" dirty="0" smtClean="0"/>
+              <a:t> </a:t>
+            </a:r>
+            <a:r>
+              <a:rPr lang="de-DE" dirty="0" err="1" smtClean="0"/>
+              <a:t>experience</a:t>
+            </a:r>
+            <a:endParaRPr lang="de-DE" dirty="0" smtClean="0"/>
+          </a:p>
+          <a:p>
+            <a:endParaRPr lang="de-DE" dirty="0"/>
+          </a:p>
+          <a:p>
+            <a:r>
+              <a:rPr lang="de-DE" dirty="0" err="1" smtClean="0"/>
+              <a:t>identify</a:t>
+            </a:r>
+            <a:r>
+              <a:rPr lang="de-DE" dirty="0" smtClean="0"/>
+              <a:t> </a:t>
+            </a:r>
+            <a:r>
+              <a:rPr lang="de-DE" dirty="0" err="1" smtClean="0"/>
+              <a:t>impact</a:t>
+            </a:r>
+            <a:r>
+              <a:rPr lang="de-DE" dirty="0" smtClean="0"/>
+              <a:t> </a:t>
+            </a:r>
+            <a:r>
+              <a:rPr lang="de-DE" dirty="0" err="1" smtClean="0"/>
+              <a:t>of</a:t>
+            </a:r>
+            <a:r>
+              <a:rPr lang="de-DE" dirty="0" smtClean="0"/>
+              <a:t> HCI </a:t>
+            </a:r>
+            <a:r>
+              <a:rPr lang="de-DE" dirty="0" err="1" smtClean="0"/>
+              <a:t>innovations</a:t>
+            </a:r>
+            <a:endParaRPr lang="de-DE" dirty="0" smtClean="0"/>
           </a:p>
         </p:txBody>
       </p:sp>
@@ -15543,7 +16213,7 @@
           <a:p>
             <a:fld id="{B0B375FB-C33C-412F-93B9-EB60E408F875}" type="slidenum">
               <a:rPr lang="de-DE" smtClean="0"/>
-              <a:t>6</a:t>
+              <a:t>7</a:t>
             </a:fld>
             <a:endParaRPr lang="de-DE"/>
           </a:p>
@@ -15569,7 +16239,7 @@
 </p:sld>
 </file>
 
-<file path=ppt/slides/slide7.xml><?xml version="1.0" encoding="utf-8"?>
+<file path=ppt/slides/slide8.xml><?xml version="1.0" encoding="utf-8"?>
 <p:sld xmlns:a="http://schemas.openxmlformats.org/drawingml/2006/main" xmlns:r="http://schemas.openxmlformats.org/officeDocument/2006/relationships" xmlns:p="http://schemas.openxmlformats.org/presentationml/2006/main">
   <p:cSld>
     <p:spTree>
@@ -15754,7 +16424,7 @@
           <a:p>
             <a:fld id="{B0B375FB-C33C-412F-93B9-EB60E408F875}" type="slidenum">
               <a:rPr lang="de-DE" smtClean="0"/>
-              <a:t>7</a:t>
+              <a:t>8</a:t>
             </a:fld>
             <a:endParaRPr lang="de-DE"/>
           </a:p>
@@ -15770,183 +16440,6 @@
   <p:clrMapOvr>
     <a:masterClrMapping/>
   </p:clrMapOvr>
-  <p:timing>
-    <p:tnLst>
-      <p:par>
-        <p:cTn id="1" dur="indefinite" restart="never" nodeType="tmRoot"/>
-      </p:par>
-    </p:tnLst>
-  </p:timing>
-</p:sld>
-</file>
-
-<file path=ppt/slides/slide8.xml><?xml version="1.0" encoding="utf-8"?>
-<p:sld xmlns:a="http://schemas.openxmlformats.org/drawingml/2006/main" xmlns:r="http://schemas.openxmlformats.org/officeDocument/2006/relationships" xmlns:p="http://schemas.openxmlformats.org/presentationml/2006/main" show="0">
-  <p:cSld>
-    <p:spTree>
-      <p:nvGrpSpPr>
-        <p:cNvPr id="1" name=""/>
-        <p:cNvGrpSpPr/>
-        <p:nvPr/>
-      </p:nvGrpSpPr>
-      <p:grpSpPr>
-        <a:xfrm>
-          <a:off x="0" y="0"/>
-          <a:ext cx="0" cy="0"/>
-          <a:chOff x="0" y="0"/>
-          <a:chExt cx="0" cy="0"/>
-        </a:xfrm>
-      </p:grpSpPr>
-      <p:sp>
-        <p:nvSpPr>
-          <p:cNvPr id="2" name="Titel 1"/>
-          <p:cNvSpPr>
-            <a:spLocks noGrp="1"/>
-          </p:cNvSpPr>
-          <p:nvPr>
-            <p:ph type="title"/>
-          </p:nvPr>
-        </p:nvSpPr>
-        <p:spPr/>
-        <p:txBody>
-          <a:bodyPr/>
-          <a:lstStyle/>
-          <a:p>
-            <a:r>
-              <a:rPr lang="de-DE" dirty="0" smtClean="0"/>
-              <a:t>TASK</a:t>
-            </a:r>
-            <a:endParaRPr lang="de-DE" dirty="0"/>
-          </a:p>
-        </p:txBody>
-      </p:sp>
-      <p:sp>
-        <p:nvSpPr>
-          <p:cNvPr id="3" name="Inhaltsplatzhalter 2"/>
-          <p:cNvSpPr>
-            <a:spLocks noGrp="1"/>
-          </p:cNvSpPr>
-          <p:nvPr>
-            <p:ph idx="1"/>
-          </p:nvPr>
-        </p:nvSpPr>
-        <p:spPr/>
-        <p:txBody>
-          <a:bodyPr>
-            <a:normAutofit fontScale="85000" lnSpcReduction="10000"/>
-          </a:bodyPr>
-          <a:lstStyle/>
-          <a:p>
-            <a:r>
-              <a:rPr lang="en-US" dirty="0" smtClean="0"/>
-              <a:t>In groups assigned at lecture and Wiki - prepare presentation of 3 HCI </a:t>
-            </a:r>
-            <a:br>
-              <a:rPr lang="en-US" dirty="0" smtClean="0"/>
-            </a:br>
-            <a:r>
-              <a:rPr lang="en-US" dirty="0" smtClean="0"/>
-              <a:t>articles in 5 minutes. Upload the visual aid for such presentation (PDF)</a:t>
-            </a:r>
-          </a:p>
-          <a:p>
-            <a:r>
-              <a:rPr lang="en-US" dirty="0" smtClean="0"/>
-              <a:t>Good presentations are catchy, visually pleasing, manage to uphold other listeners attention and are not just sequential presentation of individual work, but attempt some sort of meta-level analysis or overview. Good presentations also look beyond the previous overviews for additional inspiration and/or present concrete guidelines or lessons learned from reading materials.</a:t>
-            </a:r>
-          </a:p>
-          <a:p>
-            <a:endParaRPr lang="de-DE" dirty="0"/>
-          </a:p>
-        </p:txBody>
-      </p:sp>
-      <p:sp>
-        <p:nvSpPr>
-          <p:cNvPr id="4" name="Datumsplatzhalter 3"/>
-          <p:cNvSpPr>
-            <a:spLocks noGrp="1"/>
-          </p:cNvSpPr>
-          <p:nvPr>
-            <p:ph type="dt" sz="half" idx="10"/>
-          </p:nvPr>
-        </p:nvSpPr>
-        <p:spPr/>
-        <p:txBody>
-          <a:bodyPr/>
-          <a:lstStyle/>
-          <a:p>
-            <a:r>
-              <a:rPr lang="de-DE" smtClean="0"/>
-              <a:t>2012-03-15</a:t>
-            </a:r>
-            <a:endParaRPr lang="de-DE"/>
-          </a:p>
-        </p:txBody>
-      </p:sp>
-      <p:sp>
-        <p:nvSpPr>
-          <p:cNvPr id="5" name="Fußzeilenplatzhalter 4"/>
-          <p:cNvSpPr>
-            <a:spLocks noGrp="1"/>
-          </p:cNvSpPr>
-          <p:nvPr>
-            <p:ph type="ftr" sz="quarter" idx="11"/>
-          </p:nvPr>
-        </p:nvSpPr>
-        <p:spPr/>
-        <p:txBody>
-          <a:bodyPr/>
-          <a:lstStyle/>
-          <a:p>
-            <a:r>
-              <a:rPr lang="de-DE" smtClean="0"/>
-              <a:t>Social Informatics</a:t>
-            </a:r>
-            <a:endParaRPr lang="de-DE"/>
-          </a:p>
-        </p:txBody>
-      </p:sp>
-      <p:sp>
-        <p:nvSpPr>
-          <p:cNvPr id="6" name="Foliennummernplatzhalter 5"/>
-          <p:cNvSpPr>
-            <a:spLocks noGrp="1"/>
-          </p:cNvSpPr>
-          <p:nvPr>
-            <p:ph type="sldNum" sz="quarter" idx="12"/>
-          </p:nvPr>
-        </p:nvSpPr>
-        <p:spPr/>
-        <p:txBody>
-          <a:bodyPr/>
-          <a:lstStyle/>
-          <a:p>
-            <a:fld id="{B0B375FB-C33C-412F-93B9-EB60E408F875}" type="slidenum">
-              <a:rPr lang="de-DE" smtClean="0"/>
-              <a:t>8</a:t>
-            </a:fld>
-            <a:endParaRPr lang="de-DE"/>
-          </a:p>
-        </p:txBody>
-      </p:sp>
-    </p:spTree>
-    <p:extLst>
-      <p:ext uri="{BB962C8B-B14F-4D97-AF65-F5344CB8AC3E}">
-        <p14:creationId xmlns:p14="http://schemas.microsoft.com/office/powerpoint/2010/main" val="2908489538"/>
-      </p:ext>
-    </p:extLst>
-  </p:cSld>
-  <p:clrMapOvr>
-    <a:masterClrMapping/>
-  </p:clrMapOvr>
-  <mc:AlternateContent xmlns:mc="http://schemas.openxmlformats.org/markup-compatibility/2006" xmlns:p14="http://schemas.microsoft.com/office/powerpoint/2010/main">
-    <mc:Choice Requires="p14">
-      <p:transition spd="slow" p14:dur="2000"/>
-    </mc:Choice>
-    <mc:Fallback xmlns="">
-      <p:transition spd="slow"/>
-    </mc:Fallback>
-  </mc:AlternateContent>
   <p:timing>
     <p:tnLst>
       <p:par>
@@ -15989,69 +16482,54 @@
           <a:bodyPr/>
           <a:lstStyle/>
           <a:p>
-            <a:pPr algn="ctr"/>
             <a:r>
               <a:rPr lang="de-DE" dirty="0" smtClean="0"/>
-              <a:t>Ok, </a:t>
-            </a:r>
-            <a:r>
-              <a:rPr lang="de-DE" dirty="0" err="1" smtClean="0"/>
-              <a:t>what‘s</a:t>
-            </a:r>
-            <a:r>
-              <a:rPr lang="de-DE" dirty="0" smtClean="0"/>
-              <a:t> </a:t>
-            </a:r>
-            <a:r>
-              <a:rPr lang="de-DE" dirty="0" err="1" smtClean="0"/>
-              <a:t>the</a:t>
-            </a:r>
-            <a:r>
-              <a:rPr lang="de-DE" dirty="0" smtClean="0"/>
-              <a:t> </a:t>
-            </a:r>
-            <a:r>
-              <a:rPr lang="de-DE" dirty="0" err="1" smtClean="0"/>
-              <a:t>problem</a:t>
-            </a:r>
-            <a:r>
-              <a:rPr lang="de-DE" dirty="0" smtClean="0"/>
-              <a:t>?</a:t>
+              <a:t>TASK</a:t>
             </a:r>
             <a:endParaRPr lang="de-DE" dirty="0"/>
           </a:p>
         </p:txBody>
       </p:sp>
-      <p:pic>
-        <p:nvPicPr>
-          <p:cNvPr id="5" name="Picture 2" descr="Cyanide and Happiness, a daily webcomic"/>
-          <p:cNvPicPr>
-            <a:picLocks noGrp="1" noChangeAspect="1" noChangeArrowheads="1" noCrop="1"/>
-          </p:cNvPicPr>
+      <p:sp>
+        <p:nvSpPr>
+          <p:cNvPr id="3" name="Inhaltsplatzhalter 2"/>
+          <p:cNvSpPr>
+            <a:spLocks noGrp="1"/>
+          </p:cNvSpPr>
           <p:nvPr>
             <p:ph idx="1"/>
           </p:nvPr>
-        </p:nvPicPr>
-        <p:blipFill>
-          <a:blip r:embed="rId2">
-            <a:extLst>
-              <a:ext uri="{28A0092B-C50C-407E-A947-70E740481C1C}">
-                <a14:useLocalDpi xmlns:a14="http://schemas.microsoft.com/office/drawing/2010/main" val="0"/>
-              </a:ext>
-            </a:extLst>
-          </a:blip>
-          <a:srcRect/>
-          <a:stretch>
-            <a:fillRect/>
-          </a:stretch>
-        </p:blipFill>
-        <p:spPr>
-          <a:xfrm>
-            <a:off x="1923018" y="2324100"/>
-            <a:ext cx="5016976" cy="3508375"/>
-          </a:xfrm>
-        </p:spPr>
-      </p:pic>
+        </p:nvSpPr>
+        <p:spPr/>
+        <p:txBody>
+          <a:bodyPr>
+            <a:normAutofit fontScale="85000" lnSpcReduction="10000"/>
+          </a:bodyPr>
+          <a:lstStyle/>
+          <a:p>
+            <a:r>
+              <a:rPr lang="en-US" dirty="0" smtClean="0"/>
+              <a:t>In groups assigned at lecture and Wiki - prepare presentation of 3 HCI </a:t>
+            </a:r>
+            <a:br>
+              <a:rPr lang="en-US" dirty="0" smtClean="0"/>
+            </a:br>
+            <a:r>
+              <a:rPr lang="en-US" dirty="0" smtClean="0"/>
+              <a:t>articles in 5 minutes. Upload the visual aid for such presentation (PDF)</a:t>
+            </a:r>
+          </a:p>
+          <a:p>
+            <a:r>
+              <a:rPr lang="en-US" dirty="0" smtClean="0"/>
+              <a:t>Good presentations are catchy, visually pleasing, manage to uphold other listeners attention and are not just sequential presentation of individual work, but attempt some sort of meta-level analysis or overview. Good presentations also look beyond the previous overviews for additional inspiration and/or present concrete guidelines or lessons learned from reading materials.</a:t>
+            </a:r>
+          </a:p>
+          <a:p>
+            <a:endParaRPr lang="de-DE" dirty="0"/>
+          </a:p>
+        </p:txBody>
+      </p:sp>
       <p:sp>
         <p:nvSpPr>
           <p:cNvPr id="4" name="Datumsplatzhalter 3"/>
@@ -16077,7 +16555,7 @@
       </p:sp>
       <p:sp>
         <p:nvSpPr>
-          <p:cNvPr id="6" name="Fußzeilenplatzhalter 5"/>
+          <p:cNvPr id="5" name="Fußzeilenplatzhalter 4"/>
           <p:cNvSpPr>
             <a:spLocks noGrp="1"/>
           </p:cNvSpPr>
@@ -16100,7 +16578,7 @@
       </p:sp>
       <p:sp>
         <p:nvSpPr>
-          <p:cNvPr id="7" name="Foliennummernplatzhalter 6"/>
+          <p:cNvPr id="6" name="Foliennummernplatzhalter 5"/>
           <p:cNvSpPr>
             <a:spLocks noGrp="1"/>
           </p:cNvSpPr>
@@ -16115,7 +16593,6 @@
           <a:p>
             <a:fld id="{B0B375FB-C33C-412F-93B9-EB60E408F875}" type="slidenum">
               <a:rPr lang="de-DE" smtClean="0"/>
-              <a:pPr/>
               <a:t>9</a:t>
             </a:fld>
             <a:endParaRPr lang="de-DE"/>
@@ -16125,7 +16602,7 @@
     </p:spTree>
     <p:extLst>
       <p:ext uri="{BB962C8B-B14F-4D97-AF65-F5344CB8AC3E}">
-        <p14:creationId xmlns:p14="http://schemas.microsoft.com/office/powerpoint/2010/main" val="3208671146"/>
+        <p14:creationId xmlns:p14="http://schemas.microsoft.com/office/powerpoint/2010/main" val="2908489538"/>
       </p:ext>
     </p:extLst>
   </p:cSld>

--- a/2012-03-12_Aleksandra Kurbatova_Jan Rehwaldt_Human-Computer Interaction.pptx
+++ b/2012-03-12_Aleksandra Kurbatova_Jan Rehwaldt_Human-Computer Interaction.pptx
@@ -15571,7 +15571,15 @@
           <a:p>
             <a:r>
               <a:rPr lang="en-US" dirty="0" smtClean="0"/>
-              <a:t>HCI innovates PC usage techniques</a:t>
+              <a:t>HCI </a:t>
+            </a:r>
+            <a:r>
+              <a:rPr lang="en-US" smtClean="0"/>
+              <a:t>innovates computer usage </a:t>
+            </a:r>
+            <a:r>
+              <a:rPr lang="en-US" dirty="0" smtClean="0"/>
+              <a:t>techniques</a:t>
             </a:r>
             <a:endParaRPr lang="en-US" dirty="0"/>
           </a:p>

--- a/2012-03-12_Aleksandra Kurbatova_Jan Rehwaldt_Human-Computer Interaction.pptx
+++ b/2012-03-12_Aleksandra Kurbatova_Jan Rehwaldt_Human-Computer Interaction.pptx
@@ -15571,15 +15571,7 @@
           <a:p>
             <a:r>
               <a:rPr lang="en-US" dirty="0" smtClean="0"/>
-              <a:t>HCI </a:t>
-            </a:r>
-            <a:r>
-              <a:rPr lang="en-US" smtClean="0"/>
-              <a:t>innovates computer usage </a:t>
-            </a:r>
-            <a:r>
-              <a:rPr lang="en-US" dirty="0" smtClean="0"/>
-              <a:t>techniques</a:t>
+              <a:t>HCI innovates computer usage techniques</a:t>
             </a:r>
             <a:endParaRPr lang="en-US" dirty="0"/>
           </a:p>

--- a/2012-03-12_Aleksandra Kurbatova_Jan Rehwaldt_Human-Computer Interaction.pptx
+++ b/2012-03-12_Aleksandra Kurbatova_Jan Rehwaldt_Human-Computer Interaction.pptx
@@ -16,9 +16,9 @@
     <p:sldId id="263" r:id="rId7"/>
     <p:sldId id="264" r:id="rId8"/>
     <p:sldId id="266" r:id="rId9"/>
-    <p:sldId id="257" r:id="rId10"/>
+    <p:sldId id="259" r:id="rId10"/>
     <p:sldId id="265" r:id="rId11"/>
-    <p:sldId id="259" r:id="rId12"/>
+    <p:sldId id="268" r:id="rId12"/>
   </p:sldIdLst>
   <p:sldSz cx="9144000" cy="6858000" type="screen4x3"/>
   <p:notesSz cx="6858000" cy="9144000"/>
@@ -202,7 +202,8 @@
           <a:p>
             <a:fld id="{D4A00783-C087-4EE6-9763-76FBBACFF862}" type="datetimeFigureOut">
               <a:rPr lang="de-DE" smtClean="0"/>
-              <a:t>13.03.2012</a:t>
+              <a:pPr/>
+              <a:t>15.03.2012</a:t>
             </a:fld>
             <a:endParaRPr lang="de-DE"/>
           </a:p>
@@ -361,7 +362,8 @@
           <a:p>
             <a:fld id="{D06C9D26-CDDF-4F25-BCF6-49EE4277CE03}" type="slidenum">
               <a:rPr lang="de-DE" smtClean="0"/>
-              <a:t>‹Nr.›</a:t>
+              <a:pPr/>
+              <a:t>‹#›</a:t>
             </a:fld>
             <a:endParaRPr lang="de-DE"/>
           </a:p>
@@ -370,7 +372,7 @@
     </p:spTree>
     <p:extLst>
       <p:ext uri="{BB962C8B-B14F-4D97-AF65-F5344CB8AC3E}">
-        <p14:creationId xmlns:p14="http://schemas.microsoft.com/office/powerpoint/2010/main" val="43672838"/>
+        <p14:creationId xmlns:p14="http://schemas.microsoft.com/office/powerpoint/2010/main" xmlns="" val="43672838"/>
       </p:ext>
     </p:extLst>
   </p:cSld>
@@ -3355,7 +3357,8 @@
           <a:p>
             <a:fld id="{B0B375FB-C33C-412F-93B9-EB60E408F875}" type="slidenum">
               <a:rPr lang="de-DE" smtClean="0"/>
-              <a:t>‹Nr.›</a:t>
+              <a:pPr/>
+              <a:t>‹#›</a:t>
             </a:fld>
             <a:endParaRPr lang="de-DE"/>
           </a:p>
@@ -3403,7 +3406,7 @@
           <a:lstStyle/>
           <a:p>
             <a:pPr algn="ctr"/>
-            <a:endParaRPr lang="en-US"/>
+            <a:endParaRPr lang="en-US" dirty="0"/>
           </a:p>
         </p:txBody>
       </p:sp>
@@ -3570,7 +3573,8 @@
           <a:p>
             <a:fld id="{B0B375FB-C33C-412F-93B9-EB60E408F875}" type="slidenum">
               <a:rPr lang="de-DE" smtClean="0"/>
-              <a:t>‹Nr.›</a:t>
+              <a:pPr/>
+              <a:t>‹#›</a:t>
             </a:fld>
             <a:endParaRPr lang="de-DE"/>
           </a:p>
@@ -3749,7 +3753,8 @@
           <a:p>
             <a:fld id="{B0B375FB-C33C-412F-93B9-EB60E408F875}" type="slidenum">
               <a:rPr lang="de-DE" smtClean="0"/>
-              <a:t>‹Nr.›</a:t>
+              <a:pPr/>
+              <a:t>‹#›</a:t>
             </a:fld>
             <a:endParaRPr lang="de-DE"/>
           </a:p>
@@ -3918,7 +3923,8 @@
           <a:p>
             <a:fld id="{B0B375FB-C33C-412F-93B9-EB60E408F875}" type="slidenum">
               <a:rPr lang="de-DE" smtClean="0"/>
-              <a:t>‹Nr.›</a:t>
+              <a:pPr/>
+              <a:t>‹#›</a:t>
             </a:fld>
             <a:endParaRPr lang="de-DE"/>
           </a:p>
@@ -4163,7 +4169,8 @@
           <a:p>
             <a:fld id="{B0B375FB-C33C-412F-93B9-EB60E408F875}" type="slidenum">
               <a:rPr lang="de-DE" smtClean="0"/>
-              <a:t>‹Nr.›</a:t>
+              <a:pPr/>
+              <a:t>‹#›</a:t>
             </a:fld>
             <a:endParaRPr lang="de-DE"/>
           </a:p>
@@ -4280,7 +4287,8 @@
           <a:p>
             <a:fld id="{B0B375FB-C33C-412F-93B9-EB60E408F875}" type="slidenum">
               <a:rPr lang="de-DE" smtClean="0"/>
-              <a:t>‹Nr.›</a:t>
+              <a:pPr/>
+              <a:t>‹#›</a:t>
             </a:fld>
             <a:endParaRPr lang="de-DE"/>
           </a:p>
@@ -4823,7 +4831,8 @@
           <a:p>
             <a:fld id="{B0B375FB-C33C-412F-93B9-EB60E408F875}" type="slidenum">
               <a:rPr lang="de-DE" smtClean="0"/>
-              <a:t>‹Nr.›</a:t>
+              <a:pPr/>
+              <a:t>‹#›</a:t>
             </a:fld>
             <a:endParaRPr lang="de-DE"/>
           </a:p>
@@ -4940,7 +4949,8 @@
           <a:p>
             <a:fld id="{B0B375FB-C33C-412F-93B9-EB60E408F875}" type="slidenum">
               <a:rPr lang="de-DE" smtClean="0"/>
-              <a:t>‹Nr.›</a:t>
+              <a:pPr/>
+              <a:t>‹#›</a:t>
             </a:fld>
             <a:endParaRPr lang="de-DE"/>
           </a:p>
@@ -5034,7 +5044,8 @@
           <a:p>
             <a:fld id="{B0B375FB-C33C-412F-93B9-EB60E408F875}" type="slidenum">
               <a:rPr lang="de-DE" smtClean="0"/>
-              <a:t>‹Nr.›</a:t>
+              <a:pPr/>
+              <a:t>‹#›</a:t>
             </a:fld>
             <a:endParaRPr lang="de-DE"/>
           </a:p>
@@ -5151,7 +5162,7 @@
                 <a:lstStyle/>
                 <a:p>
                   <a:pPr algn="ctr"/>
-                  <a:endParaRPr lang="en-US"/>
+                  <a:endParaRPr lang="en-US" dirty="0"/>
                 </a:p>
               </p:txBody>
             </p:sp>
@@ -5199,7 +5210,7 @@
                 <a:lstStyle/>
                 <a:p>
                   <a:pPr algn="ctr"/>
-                  <a:endParaRPr lang="en-US"/>
+                  <a:endParaRPr lang="en-US" dirty="0"/>
                 </a:p>
               </p:txBody>
             </p:sp>
@@ -5247,7 +5258,7 @@
                 <a:lstStyle/>
                 <a:p>
                   <a:pPr algn="ctr"/>
-                  <a:endParaRPr lang="en-US"/>
+                  <a:endParaRPr lang="en-US" dirty="0"/>
                 </a:p>
               </p:txBody>
             </p:sp>
@@ -5310,7 +5321,7 @@
                 <a:lstStyle/>
                 <a:p>
                   <a:pPr algn="ctr"/>
-                  <a:endParaRPr lang="en-US"/>
+                  <a:endParaRPr lang="en-US" dirty="0"/>
                 </a:p>
               </p:txBody>
             </p:sp>
@@ -5358,7 +5369,7 @@
                 <a:lstStyle/>
                 <a:p>
                   <a:pPr algn="ctr"/>
-                  <a:endParaRPr lang="en-US"/>
+                  <a:endParaRPr lang="en-US" dirty="0"/>
                 </a:p>
               </p:txBody>
             </p:sp>
@@ -5406,7 +5417,7 @@
                 <a:lstStyle/>
                 <a:p>
                   <a:pPr algn="ctr"/>
-                  <a:endParaRPr lang="en-US"/>
+                  <a:endParaRPr lang="en-US" dirty="0"/>
                 </a:p>
               </p:txBody>
             </p:sp>
@@ -5469,7 +5480,7 @@
                 <a:lstStyle/>
                 <a:p>
                   <a:pPr algn="ctr"/>
-                  <a:endParaRPr lang="en-US"/>
+                  <a:endParaRPr lang="en-US" dirty="0"/>
                 </a:p>
               </p:txBody>
             </p:sp>
@@ -5517,7 +5528,7 @@
                 <a:lstStyle/>
                 <a:p>
                   <a:pPr algn="ctr"/>
-                  <a:endParaRPr lang="en-US"/>
+                  <a:endParaRPr lang="en-US" dirty="0"/>
                 </a:p>
               </p:txBody>
             </p:sp>
@@ -5565,7 +5576,7 @@
                 <a:lstStyle/>
                 <a:p>
                   <a:pPr algn="ctr"/>
-                  <a:endParaRPr lang="en-US"/>
+                  <a:endParaRPr lang="en-US" dirty="0"/>
                 </a:p>
               </p:txBody>
             </p:sp>
@@ -5614,7 +5625,7 @@
               <a:lstStyle/>
               <a:p>
                 <a:pPr algn="ctr"/>
-                <a:endParaRPr lang="en-US"/>
+                <a:endParaRPr lang="en-US" dirty="0"/>
               </a:p>
             </p:txBody>
           </p:sp>
@@ -5662,7 +5673,7 @@
               <a:lstStyle/>
               <a:p>
                 <a:pPr algn="ctr"/>
-                <a:endParaRPr lang="en-US"/>
+                <a:endParaRPr lang="en-US" dirty="0"/>
               </a:p>
             </p:txBody>
           </p:sp>
@@ -5710,7 +5721,7 @@
               <a:lstStyle/>
               <a:p>
                 <a:pPr algn="ctr"/>
-                <a:endParaRPr lang="en-US"/>
+                <a:endParaRPr lang="en-US" dirty="0"/>
               </a:p>
             </p:txBody>
           </p:sp>
@@ -5854,7 +5865,7 @@
             <a:lstStyle/>
             <a:p>
               <a:pPr algn="ctr"/>
-              <a:endParaRPr lang="en-US"/>
+              <a:endParaRPr lang="en-US" dirty="0"/>
             </a:p>
           </p:txBody>
         </p:sp>
@@ -5957,7 +5968,7 @@
             <a:lstStyle/>
             <a:p>
               <a:pPr algn="ctr"/>
-              <a:endParaRPr lang="en-US"/>
+              <a:endParaRPr lang="en-US" dirty="0"/>
             </a:p>
           </p:txBody>
         </p:sp>
@@ -6030,7 +6041,7 @@
             <a:lstStyle/>
             <a:p>
               <a:pPr algn="ctr"/>
-              <a:endParaRPr lang="en-US"/>
+              <a:endParaRPr lang="en-US" dirty="0"/>
             </a:p>
           </p:txBody>
         </p:sp>
@@ -6153,7 +6164,7 @@
             <a:lstStyle/>
             <a:p>
               <a:pPr algn="ctr"/>
-              <a:endParaRPr lang="en-US"/>
+              <a:endParaRPr lang="en-US" dirty="0"/>
             </a:p>
           </p:txBody>
         </p:sp>
@@ -6314,7 +6325,7 @@
             <a:lstStyle/>
             <a:p>
               <a:pPr algn="ctr"/>
-              <a:endParaRPr lang="en-US"/>
+              <a:endParaRPr lang="en-US" dirty="0"/>
             </a:p>
           </p:txBody>
         </p:sp>
@@ -6369,7 +6380,7 @@
             <a:lstStyle/>
             <a:p>
               <a:pPr algn="ctr"/>
-              <a:endParaRPr lang="en-US"/>
+              <a:endParaRPr lang="en-US" dirty="0"/>
             </a:p>
           </p:txBody>
         </p:sp>
@@ -6424,7 +6435,7 @@
             <a:lstStyle/>
             <a:p>
               <a:pPr algn="ctr"/>
-              <a:endParaRPr lang="en-US"/>
+              <a:endParaRPr lang="en-US" dirty="0"/>
             </a:p>
           </p:txBody>
         </p:sp>
@@ -6479,7 +6490,7 @@
             <a:lstStyle/>
             <a:p>
               <a:pPr algn="ctr"/>
-              <a:endParaRPr lang="en-US"/>
+              <a:endParaRPr lang="en-US" dirty="0"/>
             </a:p>
           </p:txBody>
         </p:sp>
@@ -6534,7 +6545,7 @@
             <a:lstStyle/>
             <a:p>
               <a:pPr algn="ctr"/>
-              <a:endParaRPr lang="en-US"/>
+              <a:endParaRPr lang="en-US" dirty="0"/>
             </a:p>
           </p:txBody>
         </p:sp>
@@ -6589,7 +6600,7 @@
             <a:lstStyle/>
             <a:p>
               <a:pPr algn="ctr"/>
-              <a:endParaRPr lang="en-US"/>
+              <a:endParaRPr lang="en-US" dirty="0"/>
             </a:p>
           </p:txBody>
         </p:sp>
@@ -6736,7 +6747,7 @@
             <a:lstStyle/>
             <a:p>
               <a:pPr algn="ctr"/>
-              <a:endParaRPr lang="en-US"/>
+              <a:endParaRPr lang="en-US" dirty="0"/>
             </a:p>
           </p:txBody>
         </p:sp>
@@ -6791,7 +6802,7 @@
             <a:lstStyle/>
             <a:p>
               <a:pPr algn="ctr"/>
-              <a:endParaRPr lang="en-US"/>
+              <a:endParaRPr lang="en-US" dirty="0"/>
             </a:p>
           </p:txBody>
         </p:sp>
@@ -6846,7 +6857,7 @@
             <a:lstStyle/>
             <a:p>
               <a:pPr algn="ctr"/>
-              <a:endParaRPr lang="en-US"/>
+              <a:endParaRPr lang="en-US" dirty="0"/>
             </a:p>
           </p:txBody>
         </p:sp>
@@ -6901,7 +6912,7 @@
             <a:lstStyle/>
             <a:p>
               <a:pPr algn="ctr"/>
-              <a:endParaRPr lang="en-US"/>
+              <a:endParaRPr lang="en-US" dirty="0"/>
             </a:p>
           </p:txBody>
         </p:sp>
@@ -6956,7 +6967,7 @@
             <a:lstStyle/>
             <a:p>
               <a:pPr algn="ctr"/>
-              <a:endParaRPr lang="en-US"/>
+              <a:endParaRPr lang="en-US" dirty="0"/>
             </a:p>
           </p:txBody>
         </p:sp>
@@ -7011,7 +7022,7 @@
             <a:lstStyle/>
             <a:p>
               <a:pPr algn="ctr"/>
-              <a:endParaRPr lang="en-US"/>
+              <a:endParaRPr lang="en-US" dirty="0"/>
             </a:p>
           </p:txBody>
         </p:sp>
@@ -7066,7 +7077,7 @@
             <a:lstStyle/>
             <a:p>
               <a:pPr algn="ctr"/>
-              <a:endParaRPr lang="en-US"/>
+              <a:endParaRPr lang="en-US" dirty="0"/>
             </a:p>
           </p:txBody>
         </p:sp>
@@ -7121,7 +7132,7 @@
             <a:lstStyle/>
             <a:p>
               <a:pPr algn="ctr"/>
-              <a:endParaRPr lang="en-US"/>
+              <a:endParaRPr lang="en-US" dirty="0"/>
             </a:p>
           </p:txBody>
         </p:sp>
@@ -7176,7 +7187,7 @@
             <a:lstStyle/>
             <a:p>
               <a:pPr algn="ctr"/>
-              <a:endParaRPr lang="en-US"/>
+              <a:endParaRPr lang="en-US" dirty="0"/>
             </a:p>
           </p:txBody>
         </p:sp>
@@ -7231,7 +7242,7 @@
             <a:lstStyle/>
             <a:p>
               <a:pPr algn="ctr"/>
-              <a:endParaRPr lang="en-US"/>
+              <a:endParaRPr lang="en-US" dirty="0"/>
             </a:p>
           </p:txBody>
         </p:sp>
@@ -7378,7 +7389,7 @@
             <a:lstStyle/>
             <a:p>
               <a:pPr algn="ctr"/>
-              <a:endParaRPr lang="en-US"/>
+              <a:endParaRPr lang="en-US" dirty="0"/>
             </a:p>
           </p:txBody>
         </p:sp>
@@ -7525,7 +7536,7 @@
             <a:lstStyle/>
             <a:p>
               <a:pPr algn="ctr"/>
-              <a:endParaRPr lang="en-US"/>
+              <a:endParaRPr lang="en-US" dirty="0"/>
             </a:p>
           </p:txBody>
         </p:sp>
@@ -7576,7 +7587,7 @@
           <a:lstStyle/>
           <a:p>
             <a:pPr algn="ctr"/>
-            <a:endParaRPr lang="en-US"/>
+            <a:endParaRPr lang="en-US" dirty="0"/>
           </a:p>
         </p:txBody>
       </p:sp>
@@ -7622,7 +7633,7 @@
           <a:lstStyle/>
           <a:p>
             <a:pPr algn="ctr"/>
-            <a:endParaRPr lang="en-US"/>
+            <a:endParaRPr lang="en-US" dirty="0"/>
           </a:p>
         </p:txBody>
       </p:sp>
@@ -7666,7 +7677,8 @@
           <a:p>
             <a:fld id="{B0B375FB-C33C-412F-93B9-EB60E408F875}" type="slidenum">
               <a:rPr lang="de-DE" smtClean="0"/>
-              <a:t>‹Nr.›</a:t>
+              <a:pPr/>
+              <a:t>‹#›</a:t>
             </a:fld>
             <a:endParaRPr lang="de-DE"/>
           </a:p>
@@ -7716,7 +7728,7 @@
           <a:lstStyle/>
           <a:p>
             <a:pPr algn="ctr"/>
-            <a:endParaRPr lang="en-US"/>
+            <a:endParaRPr lang="en-US" dirty="0"/>
           </a:p>
         </p:txBody>
       </p:sp>
@@ -7847,7 +7859,7 @@
           <a:lstStyle/>
           <a:p>
             <a:pPr algn="ctr"/>
-            <a:endParaRPr lang="en-US"/>
+            <a:endParaRPr lang="en-US" dirty="0"/>
           </a:p>
         </p:txBody>
       </p:sp>
@@ -8097,7 +8109,7 @@
                 <a:lstStyle/>
                 <a:p>
                   <a:pPr algn="ctr"/>
-                  <a:endParaRPr lang="en-US"/>
+                  <a:endParaRPr lang="en-US" dirty="0"/>
                 </a:p>
               </p:txBody>
             </p:sp>
@@ -8145,7 +8157,7 @@
                 <a:lstStyle/>
                 <a:p>
                   <a:pPr algn="ctr"/>
-                  <a:endParaRPr lang="en-US"/>
+                  <a:endParaRPr lang="en-US" dirty="0"/>
                 </a:p>
               </p:txBody>
             </p:sp>
@@ -8193,7 +8205,7 @@
                 <a:lstStyle/>
                 <a:p>
                   <a:pPr algn="ctr"/>
-                  <a:endParaRPr lang="en-US"/>
+                  <a:endParaRPr lang="en-US" dirty="0"/>
                 </a:p>
               </p:txBody>
             </p:sp>
@@ -8256,7 +8268,7 @@
                 <a:lstStyle/>
                 <a:p>
                   <a:pPr algn="ctr"/>
-                  <a:endParaRPr lang="en-US"/>
+                  <a:endParaRPr lang="en-US" dirty="0"/>
                 </a:p>
               </p:txBody>
             </p:sp>
@@ -8304,7 +8316,7 @@
                 <a:lstStyle/>
                 <a:p>
                   <a:pPr algn="ctr"/>
-                  <a:endParaRPr lang="en-US"/>
+                  <a:endParaRPr lang="en-US" dirty="0"/>
                 </a:p>
               </p:txBody>
             </p:sp>
@@ -8352,7 +8364,7 @@
                 <a:lstStyle/>
                 <a:p>
                   <a:pPr algn="ctr"/>
-                  <a:endParaRPr lang="en-US"/>
+                  <a:endParaRPr lang="en-US" dirty="0"/>
                 </a:p>
               </p:txBody>
             </p:sp>
@@ -8415,7 +8427,7 @@
                 <a:lstStyle/>
                 <a:p>
                   <a:pPr algn="ctr"/>
-                  <a:endParaRPr lang="en-US"/>
+                  <a:endParaRPr lang="en-US" dirty="0"/>
                 </a:p>
               </p:txBody>
             </p:sp>
@@ -8463,7 +8475,7 @@
                 <a:lstStyle/>
                 <a:p>
                   <a:pPr algn="ctr"/>
-                  <a:endParaRPr lang="en-US"/>
+                  <a:endParaRPr lang="en-US" dirty="0"/>
                 </a:p>
               </p:txBody>
             </p:sp>
@@ -8511,7 +8523,7 @@
                 <a:lstStyle/>
                 <a:p>
                   <a:pPr algn="ctr"/>
-                  <a:endParaRPr lang="en-US"/>
+                  <a:endParaRPr lang="en-US" dirty="0"/>
                 </a:p>
               </p:txBody>
             </p:sp>
@@ -8560,7 +8572,7 @@
               <a:lstStyle/>
               <a:p>
                 <a:pPr algn="ctr"/>
-                <a:endParaRPr lang="en-US"/>
+                <a:endParaRPr lang="en-US" dirty="0"/>
               </a:p>
             </p:txBody>
           </p:sp>
@@ -8608,7 +8620,7 @@
               <a:lstStyle/>
               <a:p>
                 <a:pPr algn="ctr"/>
-                <a:endParaRPr lang="en-US"/>
+                <a:endParaRPr lang="en-US" dirty="0"/>
               </a:p>
             </p:txBody>
           </p:sp>
@@ -8656,7 +8668,7 @@
               <a:lstStyle/>
               <a:p>
                 <a:pPr algn="ctr"/>
-                <a:endParaRPr lang="en-US"/>
+                <a:endParaRPr lang="en-US" dirty="0"/>
               </a:p>
             </p:txBody>
           </p:sp>
@@ -8800,7 +8812,7 @@
             <a:lstStyle/>
             <a:p>
               <a:pPr algn="ctr"/>
-              <a:endParaRPr lang="en-US"/>
+              <a:endParaRPr lang="en-US" dirty="0"/>
             </a:p>
           </p:txBody>
         </p:sp>
@@ -8903,7 +8915,7 @@
             <a:lstStyle/>
             <a:p>
               <a:pPr algn="ctr"/>
-              <a:endParaRPr lang="en-US"/>
+              <a:endParaRPr lang="en-US" dirty="0"/>
             </a:p>
           </p:txBody>
         </p:sp>
@@ -8976,7 +8988,7 @@
             <a:lstStyle/>
             <a:p>
               <a:pPr algn="ctr"/>
-              <a:endParaRPr lang="en-US"/>
+              <a:endParaRPr lang="en-US" dirty="0"/>
             </a:p>
           </p:txBody>
         </p:sp>
@@ -9099,7 +9111,7 @@
             <a:lstStyle/>
             <a:p>
               <a:pPr algn="ctr"/>
-              <a:endParaRPr lang="en-US"/>
+              <a:endParaRPr lang="en-US" dirty="0"/>
             </a:p>
           </p:txBody>
         </p:sp>
@@ -9260,7 +9272,7 @@
             <a:lstStyle/>
             <a:p>
               <a:pPr algn="ctr"/>
-              <a:endParaRPr lang="en-US"/>
+              <a:endParaRPr lang="en-US" dirty="0"/>
             </a:p>
           </p:txBody>
         </p:sp>
@@ -9315,7 +9327,7 @@
             <a:lstStyle/>
             <a:p>
               <a:pPr algn="ctr"/>
-              <a:endParaRPr lang="en-US"/>
+              <a:endParaRPr lang="en-US" dirty="0"/>
             </a:p>
           </p:txBody>
         </p:sp>
@@ -9370,7 +9382,7 @@
             <a:lstStyle/>
             <a:p>
               <a:pPr algn="ctr"/>
-              <a:endParaRPr lang="en-US"/>
+              <a:endParaRPr lang="en-US" dirty="0"/>
             </a:p>
           </p:txBody>
         </p:sp>
@@ -9425,7 +9437,7 @@
             <a:lstStyle/>
             <a:p>
               <a:pPr algn="ctr"/>
-              <a:endParaRPr lang="en-US"/>
+              <a:endParaRPr lang="en-US" dirty="0"/>
             </a:p>
           </p:txBody>
         </p:sp>
@@ -9480,7 +9492,7 @@
             <a:lstStyle/>
             <a:p>
               <a:pPr algn="ctr"/>
-              <a:endParaRPr lang="en-US"/>
+              <a:endParaRPr lang="en-US" dirty="0"/>
             </a:p>
           </p:txBody>
         </p:sp>
@@ -9535,7 +9547,7 @@
             <a:lstStyle/>
             <a:p>
               <a:pPr algn="ctr"/>
-              <a:endParaRPr lang="en-US"/>
+              <a:endParaRPr lang="en-US" dirty="0"/>
             </a:p>
           </p:txBody>
         </p:sp>
@@ -9682,7 +9694,7 @@
             <a:lstStyle/>
             <a:p>
               <a:pPr algn="ctr"/>
-              <a:endParaRPr lang="en-US"/>
+              <a:endParaRPr lang="en-US" dirty="0"/>
             </a:p>
           </p:txBody>
         </p:sp>
@@ -9737,7 +9749,7 @@
             <a:lstStyle/>
             <a:p>
               <a:pPr algn="ctr"/>
-              <a:endParaRPr lang="en-US"/>
+              <a:endParaRPr lang="en-US" dirty="0"/>
             </a:p>
           </p:txBody>
         </p:sp>
@@ -9792,7 +9804,7 @@
             <a:lstStyle/>
             <a:p>
               <a:pPr algn="ctr"/>
-              <a:endParaRPr lang="en-US"/>
+              <a:endParaRPr lang="en-US" dirty="0"/>
             </a:p>
           </p:txBody>
         </p:sp>
@@ -9847,7 +9859,7 @@
             <a:lstStyle/>
             <a:p>
               <a:pPr algn="ctr"/>
-              <a:endParaRPr lang="en-US"/>
+              <a:endParaRPr lang="en-US" dirty="0"/>
             </a:p>
           </p:txBody>
         </p:sp>
@@ -9902,7 +9914,7 @@
             <a:lstStyle/>
             <a:p>
               <a:pPr algn="ctr"/>
-              <a:endParaRPr lang="en-US"/>
+              <a:endParaRPr lang="en-US" dirty="0"/>
             </a:p>
           </p:txBody>
         </p:sp>
@@ -9957,7 +9969,7 @@
             <a:lstStyle/>
             <a:p>
               <a:pPr algn="ctr"/>
-              <a:endParaRPr lang="en-US"/>
+              <a:endParaRPr lang="en-US" dirty="0"/>
             </a:p>
           </p:txBody>
         </p:sp>
@@ -10012,7 +10024,7 @@
             <a:lstStyle/>
             <a:p>
               <a:pPr algn="ctr"/>
-              <a:endParaRPr lang="en-US"/>
+              <a:endParaRPr lang="en-US" dirty="0"/>
             </a:p>
           </p:txBody>
         </p:sp>
@@ -10067,7 +10079,7 @@
             <a:lstStyle/>
             <a:p>
               <a:pPr algn="ctr"/>
-              <a:endParaRPr lang="en-US"/>
+              <a:endParaRPr lang="en-US" dirty="0"/>
             </a:p>
           </p:txBody>
         </p:sp>
@@ -10122,7 +10134,7 @@
             <a:lstStyle/>
             <a:p>
               <a:pPr algn="ctr"/>
-              <a:endParaRPr lang="en-US"/>
+              <a:endParaRPr lang="en-US" dirty="0"/>
             </a:p>
           </p:txBody>
         </p:sp>
@@ -10177,7 +10189,7 @@
             <a:lstStyle/>
             <a:p>
               <a:pPr algn="ctr"/>
-              <a:endParaRPr lang="en-US"/>
+              <a:endParaRPr lang="en-US" dirty="0"/>
             </a:p>
           </p:txBody>
         </p:sp>
@@ -10324,7 +10336,7 @@
             <a:lstStyle/>
             <a:p>
               <a:pPr algn="ctr"/>
-              <a:endParaRPr lang="en-US"/>
+              <a:endParaRPr lang="en-US" dirty="0"/>
             </a:p>
           </p:txBody>
         </p:sp>
@@ -10471,7 +10483,7 @@
             <a:lstStyle/>
             <a:p>
               <a:pPr algn="ctr"/>
-              <a:endParaRPr lang="en-US"/>
+              <a:endParaRPr lang="en-US" dirty="0"/>
             </a:p>
           </p:txBody>
         </p:sp>
@@ -10522,7 +10534,7 @@
           <a:lstStyle/>
           <a:p>
             <a:pPr algn="ctr"/>
-            <a:endParaRPr lang="en-US"/>
+            <a:endParaRPr lang="en-US" dirty="0"/>
           </a:p>
         </p:txBody>
       </p:sp>
@@ -10568,7 +10580,7 @@
           <a:lstStyle/>
           <a:p>
             <a:pPr algn="ctr"/>
-            <a:endParaRPr lang="en-US"/>
+            <a:endParaRPr lang="en-US" dirty="0"/>
           </a:p>
         </p:txBody>
       </p:sp>
@@ -10618,7 +10630,7 @@
           <a:lstStyle/>
           <a:p>
             <a:pPr algn="ctr"/>
-            <a:endParaRPr lang="en-US"/>
+            <a:endParaRPr lang="en-US" dirty="0"/>
           </a:p>
         </p:txBody>
       </p:sp>
@@ -10664,7 +10676,7 @@
           <a:lstStyle/>
           <a:p>
             <a:pPr algn="ctr"/>
-            <a:endParaRPr lang="en-US"/>
+            <a:endParaRPr lang="en-US" dirty="0"/>
           </a:p>
         </p:txBody>
       </p:sp>
@@ -10912,7 +10924,8 @@
           <a:p>
             <a:fld id="{B0B375FB-C33C-412F-93B9-EB60E408F875}" type="slidenum">
               <a:rPr lang="de-DE" smtClean="0"/>
-              <a:t>‹Nr.›</a:t>
+              <a:pPr/>
+              <a:t>‹#›</a:t>
             </a:fld>
             <a:endParaRPr lang="de-DE"/>
           </a:p>
@@ -11034,7 +11047,7 @@
                 <a:lstStyle/>
                 <a:p>
                   <a:pPr algn="ctr"/>
-                  <a:endParaRPr lang="en-US"/>
+                  <a:endParaRPr lang="en-US" dirty="0"/>
                 </a:p>
               </p:txBody>
             </p:sp>
@@ -11082,7 +11095,7 @@
                 <a:lstStyle/>
                 <a:p>
                   <a:pPr algn="ctr"/>
-                  <a:endParaRPr lang="en-US"/>
+                  <a:endParaRPr lang="en-US" dirty="0"/>
                 </a:p>
               </p:txBody>
             </p:sp>
@@ -11130,7 +11143,7 @@
                 <a:lstStyle/>
                 <a:p>
                   <a:pPr algn="ctr"/>
-                  <a:endParaRPr lang="en-US"/>
+                  <a:endParaRPr lang="en-US" dirty="0"/>
                 </a:p>
               </p:txBody>
             </p:sp>
@@ -11193,7 +11206,7 @@
                 <a:lstStyle/>
                 <a:p>
                   <a:pPr algn="ctr"/>
-                  <a:endParaRPr lang="en-US"/>
+                  <a:endParaRPr lang="en-US" dirty="0"/>
                 </a:p>
               </p:txBody>
             </p:sp>
@@ -11241,7 +11254,7 @@
                 <a:lstStyle/>
                 <a:p>
                   <a:pPr algn="ctr"/>
-                  <a:endParaRPr lang="en-US"/>
+                  <a:endParaRPr lang="en-US" dirty="0"/>
                 </a:p>
               </p:txBody>
             </p:sp>
@@ -11289,7 +11302,7 @@
                 <a:lstStyle/>
                 <a:p>
                   <a:pPr algn="ctr"/>
-                  <a:endParaRPr lang="en-US"/>
+                  <a:endParaRPr lang="en-US" dirty="0"/>
                 </a:p>
               </p:txBody>
             </p:sp>
@@ -11352,7 +11365,7 @@
                 <a:lstStyle/>
                 <a:p>
                   <a:pPr algn="ctr"/>
-                  <a:endParaRPr lang="en-US"/>
+                  <a:endParaRPr lang="en-US" dirty="0"/>
                 </a:p>
               </p:txBody>
             </p:sp>
@@ -11400,7 +11413,7 @@
                 <a:lstStyle/>
                 <a:p>
                   <a:pPr algn="ctr"/>
-                  <a:endParaRPr lang="en-US"/>
+                  <a:endParaRPr lang="en-US" dirty="0"/>
                 </a:p>
               </p:txBody>
             </p:sp>
@@ -11448,7 +11461,7 @@
                 <a:lstStyle/>
                 <a:p>
                   <a:pPr algn="ctr"/>
-                  <a:endParaRPr lang="en-US"/>
+                  <a:endParaRPr lang="en-US" dirty="0"/>
                 </a:p>
               </p:txBody>
             </p:sp>
@@ -11497,7 +11510,7 @@
               <a:lstStyle/>
               <a:p>
                 <a:pPr algn="ctr"/>
-                <a:endParaRPr lang="en-US"/>
+                <a:endParaRPr lang="en-US" dirty="0"/>
               </a:p>
             </p:txBody>
           </p:sp>
@@ -11545,7 +11558,7 @@
               <a:lstStyle/>
               <a:p>
                 <a:pPr algn="ctr"/>
-                <a:endParaRPr lang="en-US"/>
+                <a:endParaRPr lang="en-US" dirty="0"/>
               </a:p>
             </p:txBody>
           </p:sp>
@@ -11593,7 +11606,7 @@
               <a:lstStyle/>
               <a:p>
                 <a:pPr algn="ctr"/>
-                <a:endParaRPr lang="en-US"/>
+                <a:endParaRPr lang="en-US" dirty="0"/>
               </a:p>
             </p:txBody>
           </p:sp>
@@ -11737,7 +11750,7 @@
             <a:lstStyle/>
             <a:p>
               <a:pPr algn="ctr"/>
-              <a:endParaRPr lang="en-US"/>
+              <a:endParaRPr lang="en-US" dirty="0"/>
             </a:p>
           </p:txBody>
         </p:sp>
@@ -11840,7 +11853,7 @@
             <a:lstStyle/>
             <a:p>
               <a:pPr algn="ctr"/>
-              <a:endParaRPr lang="en-US"/>
+              <a:endParaRPr lang="en-US" dirty="0"/>
             </a:p>
           </p:txBody>
         </p:sp>
@@ -11913,7 +11926,7 @@
             <a:lstStyle/>
             <a:p>
               <a:pPr algn="ctr"/>
-              <a:endParaRPr lang="en-US"/>
+              <a:endParaRPr lang="en-US" dirty="0"/>
             </a:p>
           </p:txBody>
         </p:sp>
@@ -12036,7 +12049,7 @@
             <a:lstStyle/>
             <a:p>
               <a:pPr algn="ctr"/>
-              <a:endParaRPr lang="en-US"/>
+              <a:endParaRPr lang="en-US" dirty="0"/>
             </a:p>
           </p:txBody>
         </p:sp>
@@ -12197,7 +12210,7 @@
             <a:lstStyle/>
             <a:p>
               <a:pPr algn="ctr"/>
-              <a:endParaRPr lang="en-US"/>
+              <a:endParaRPr lang="en-US" dirty="0"/>
             </a:p>
           </p:txBody>
         </p:sp>
@@ -12252,7 +12265,7 @@
             <a:lstStyle/>
             <a:p>
               <a:pPr algn="ctr"/>
-              <a:endParaRPr lang="en-US"/>
+              <a:endParaRPr lang="en-US" dirty="0"/>
             </a:p>
           </p:txBody>
         </p:sp>
@@ -12307,7 +12320,7 @@
             <a:lstStyle/>
             <a:p>
               <a:pPr algn="ctr"/>
-              <a:endParaRPr lang="en-US"/>
+              <a:endParaRPr lang="en-US" dirty="0"/>
             </a:p>
           </p:txBody>
         </p:sp>
@@ -12362,7 +12375,7 @@
             <a:lstStyle/>
             <a:p>
               <a:pPr algn="ctr"/>
-              <a:endParaRPr lang="en-US"/>
+              <a:endParaRPr lang="en-US" dirty="0"/>
             </a:p>
           </p:txBody>
         </p:sp>
@@ -12417,7 +12430,7 @@
             <a:lstStyle/>
             <a:p>
               <a:pPr algn="ctr"/>
-              <a:endParaRPr lang="en-US"/>
+              <a:endParaRPr lang="en-US" dirty="0"/>
             </a:p>
           </p:txBody>
         </p:sp>
@@ -12472,7 +12485,7 @@
             <a:lstStyle/>
             <a:p>
               <a:pPr algn="ctr"/>
-              <a:endParaRPr lang="en-US"/>
+              <a:endParaRPr lang="en-US" dirty="0"/>
             </a:p>
           </p:txBody>
         </p:sp>
@@ -12619,7 +12632,7 @@
             <a:lstStyle/>
             <a:p>
               <a:pPr algn="ctr"/>
-              <a:endParaRPr lang="en-US"/>
+              <a:endParaRPr lang="en-US" dirty="0"/>
             </a:p>
           </p:txBody>
         </p:sp>
@@ -12674,7 +12687,7 @@
             <a:lstStyle/>
             <a:p>
               <a:pPr algn="ctr"/>
-              <a:endParaRPr lang="en-US"/>
+              <a:endParaRPr lang="en-US" dirty="0"/>
             </a:p>
           </p:txBody>
         </p:sp>
@@ -12729,7 +12742,7 @@
             <a:lstStyle/>
             <a:p>
               <a:pPr algn="ctr"/>
-              <a:endParaRPr lang="en-US"/>
+              <a:endParaRPr lang="en-US" dirty="0"/>
             </a:p>
           </p:txBody>
         </p:sp>
@@ -12784,7 +12797,7 @@
             <a:lstStyle/>
             <a:p>
               <a:pPr algn="ctr"/>
-              <a:endParaRPr lang="en-US"/>
+              <a:endParaRPr lang="en-US" dirty="0"/>
             </a:p>
           </p:txBody>
         </p:sp>
@@ -12839,7 +12852,7 @@
             <a:lstStyle/>
             <a:p>
               <a:pPr algn="ctr"/>
-              <a:endParaRPr lang="en-US"/>
+              <a:endParaRPr lang="en-US" dirty="0"/>
             </a:p>
           </p:txBody>
         </p:sp>
@@ -12894,7 +12907,7 @@
             <a:lstStyle/>
             <a:p>
               <a:pPr algn="ctr"/>
-              <a:endParaRPr lang="en-US"/>
+              <a:endParaRPr lang="en-US" dirty="0"/>
             </a:p>
           </p:txBody>
         </p:sp>
@@ -12949,7 +12962,7 @@
             <a:lstStyle/>
             <a:p>
               <a:pPr algn="ctr"/>
-              <a:endParaRPr lang="en-US"/>
+              <a:endParaRPr lang="en-US" dirty="0"/>
             </a:p>
           </p:txBody>
         </p:sp>
@@ -13004,7 +13017,7 @@
             <a:lstStyle/>
             <a:p>
               <a:pPr algn="ctr"/>
-              <a:endParaRPr lang="en-US"/>
+              <a:endParaRPr lang="en-US" dirty="0"/>
             </a:p>
           </p:txBody>
         </p:sp>
@@ -13059,7 +13072,7 @@
             <a:lstStyle/>
             <a:p>
               <a:pPr algn="ctr"/>
-              <a:endParaRPr lang="en-US"/>
+              <a:endParaRPr lang="en-US" dirty="0"/>
             </a:p>
           </p:txBody>
         </p:sp>
@@ -13114,7 +13127,7 @@
             <a:lstStyle/>
             <a:p>
               <a:pPr algn="ctr"/>
-              <a:endParaRPr lang="en-US"/>
+              <a:endParaRPr lang="en-US" dirty="0"/>
             </a:p>
           </p:txBody>
         </p:sp>
@@ -13261,7 +13274,7 @@
             <a:lstStyle/>
             <a:p>
               <a:pPr algn="ctr"/>
-              <a:endParaRPr lang="en-US"/>
+              <a:endParaRPr lang="en-US" dirty="0"/>
             </a:p>
           </p:txBody>
         </p:sp>
@@ -13408,7 +13421,7 @@
             <a:lstStyle/>
             <a:p>
               <a:pPr algn="ctr"/>
-              <a:endParaRPr lang="en-US"/>
+              <a:endParaRPr lang="en-US" dirty="0"/>
             </a:p>
           </p:txBody>
         </p:sp>
@@ -13457,7 +13470,7 @@
           <a:lstStyle/>
           <a:p>
             <a:pPr algn="ctr"/>
-            <a:endParaRPr lang="en-US"/>
+            <a:endParaRPr lang="en-US" dirty="0"/>
           </a:p>
         </p:txBody>
       </p:sp>
@@ -13507,7 +13520,7 @@
           <a:lstStyle/>
           <a:p>
             <a:pPr algn="ctr"/>
-            <a:endParaRPr lang="en-US"/>
+            <a:endParaRPr lang="en-US" dirty="0"/>
           </a:p>
         </p:txBody>
       </p:sp>
@@ -13553,7 +13566,7 @@
           <a:lstStyle/>
           <a:p>
             <a:pPr algn="ctr"/>
-            <a:endParaRPr lang="en-US"/>
+            <a:endParaRPr lang="en-US" dirty="0"/>
           </a:p>
         </p:txBody>
       </p:sp>
@@ -13763,7 +13776,8 @@
           <a:p>
             <a:fld id="{B0B375FB-C33C-412F-93B9-EB60E408F875}" type="slidenum">
               <a:rPr lang="de-DE" smtClean="0"/>
-              <a:t>‹Nr.›</a:t>
+              <a:pPr/>
+              <a:t>‹#›</a:t>
             </a:fld>
             <a:endParaRPr lang="de-DE" dirty="0"/>
           </a:p>
@@ -14212,7 +14226,7 @@
     </p:spTree>
     <p:extLst>
       <p:ext uri="{BB962C8B-B14F-4D97-AF65-F5344CB8AC3E}">
-        <p14:creationId xmlns:p14="http://schemas.microsoft.com/office/powerpoint/2010/main" val="4223034213"/>
+        <p14:creationId xmlns:p14="http://schemas.microsoft.com/office/powerpoint/2010/main" xmlns="" val="4223034213"/>
       </p:ext>
     </p:extLst>
   </p:cSld>
@@ -14305,10 +14319,10 @@
           </p:nvPr>
         </p:nvPicPr>
         <p:blipFill>
-          <a:blip r:embed="rId2">
+          <a:blip r:embed="rId2" cstate="print">
             <a:extLst>
               <a:ext uri="{28A0092B-C50C-407E-A947-70E740481C1C}">
-                <a14:useLocalDpi xmlns:a14="http://schemas.microsoft.com/office/drawing/2010/main" val="0"/>
+                <a14:useLocalDpi xmlns:a14="http://schemas.microsoft.com/office/drawing/2010/main" xmlns="" val="0"/>
               </a:ext>
             </a:extLst>
           </a:blip>
@@ -14397,18 +14411,18 @@
     </p:spTree>
     <p:extLst>
       <p:ext uri="{BB962C8B-B14F-4D97-AF65-F5344CB8AC3E}">
-        <p14:creationId xmlns:p14="http://schemas.microsoft.com/office/powerpoint/2010/main" val="3208671146"/>
+        <p14:creationId xmlns:p14="http://schemas.microsoft.com/office/powerpoint/2010/main" xmlns="" val="3208671146"/>
       </p:ext>
     </p:extLst>
   </p:cSld>
   <p:clrMapOvr>
     <a:masterClrMapping/>
   </p:clrMapOvr>
-  <mc:AlternateContent xmlns:mc="http://schemas.openxmlformats.org/markup-compatibility/2006" xmlns:p14="http://schemas.microsoft.com/office/powerpoint/2010/main">
-    <mc:Choice Requires="p14">
+  <mc:AlternateContent xmlns:mc="http://schemas.openxmlformats.org/markup-compatibility/2006">
+    <mc:Choice xmlns:p14="http://schemas.microsoft.com/office/powerpoint/2010/main" xmlns="" Requires="p14">
       <p:transition spd="slow" p14:dur="2000"/>
     </mc:Choice>
-    <mc:Fallback xmlns="">
+    <mc:Fallback>
       <p:transition spd="slow"/>
     </mc:Fallback>
   </mc:AlternateContent>
@@ -14423,7 +14437,7 @@
 </file>
 
 <file path=ppt/slides/slide11.xml><?xml version="1.0" encoding="utf-8"?>
-<p:sld xmlns:a="http://schemas.openxmlformats.org/drawingml/2006/main" xmlns:r="http://schemas.openxmlformats.org/officeDocument/2006/relationships" xmlns:p="http://schemas.openxmlformats.org/presentationml/2006/main" show="0">
+<p:sld xmlns:a="http://schemas.openxmlformats.org/drawingml/2006/main" xmlns:r="http://schemas.openxmlformats.org/officeDocument/2006/relationships" xmlns:p="http://schemas.openxmlformats.org/presentationml/2006/main">
   <p:cSld>
     <p:spTree>
       <p:nvGrpSpPr>
@@ -14441,7 +14455,7 @@
       </p:grpSpPr>
       <p:sp>
         <p:nvSpPr>
-          <p:cNvPr id="2" name="Titel 1"/>
+          <p:cNvPr id="2" name="Title 1"/>
           <p:cNvSpPr>
             <a:spLocks noGrp="1"/>
           </p:cNvSpPr>
@@ -14449,101 +14463,35 @@
             <p:ph type="title"/>
           </p:nvPr>
         </p:nvSpPr>
-        <p:spPr/>
+        <p:spPr>
+          <a:xfrm>
+            <a:off x="1043490" y="1027664"/>
+            <a:ext cx="7024744" cy="3841496"/>
+          </a:xfrm>
+        </p:spPr>
         <p:txBody>
-          <a:bodyPr/>
+          <a:bodyPr>
+            <a:noAutofit/>
+          </a:bodyPr>
           <a:lstStyle/>
           <a:p>
-            <a:endParaRPr lang="de-DE"/>
+            <a:r>
+              <a:rPr lang="en-US" sz="14000" b="1" dirty="0" smtClean="0"/>
+              <a:t>Thank you! </a:t>
+            </a:r>
+            <a:r>
+              <a:rPr lang="en-US" sz="14000" b="1" dirty="0" smtClean="0">
+                <a:sym typeface="Wingdings" pitchFamily="2" charset="2"/>
+              </a:rPr>
+              <a:t></a:t>
+            </a:r>
+            <a:endParaRPr lang="en-US" sz="14000" b="1" dirty="0"/>
           </a:p>
         </p:txBody>
       </p:sp>
       <p:sp>
         <p:nvSpPr>
-          <p:cNvPr id="3" name="Inhaltsplatzhalter 2"/>
-          <p:cNvSpPr>
-            <a:spLocks noGrp="1"/>
-          </p:cNvSpPr>
-          <p:nvPr>
-            <p:ph idx="1"/>
-          </p:nvPr>
-        </p:nvSpPr>
-        <p:spPr/>
-        <p:txBody>
-          <a:bodyPr/>
-          <a:lstStyle/>
-          <a:p>
-            <a:endParaRPr lang="de-DE"/>
-          </a:p>
-        </p:txBody>
-      </p:sp>
-      <p:pic>
-        <p:nvPicPr>
-          <p:cNvPr id="1026" name="Picture 2"/>
-          <p:cNvPicPr>
-            <a:picLocks noChangeAspect="1" noChangeArrowheads="1"/>
-          </p:cNvPicPr>
-          <p:nvPr/>
-        </p:nvPicPr>
-        <p:blipFill>
-          <a:blip r:embed="rId2">
-            <a:extLst>
-              <a:ext uri="{28A0092B-C50C-407E-A947-70E740481C1C}">
-                <a14:useLocalDpi xmlns:a14="http://schemas.microsoft.com/office/drawing/2010/main" val="0"/>
-              </a:ext>
-            </a:extLst>
-          </a:blip>
-          <a:srcRect/>
-          <a:stretch>
-            <a:fillRect/>
-          </a:stretch>
-        </p:blipFill>
-        <p:spPr bwMode="auto">
-          <a:xfrm>
-            <a:off x="2628900" y="914400"/>
-            <a:ext cx="3886200" cy="5029200"/>
-          </a:xfrm>
-          <a:prstGeom prst="rect">
-            <a:avLst/>
-          </a:prstGeom>
-          <a:noFill/>
-          <a:ln>
-            <a:noFill/>
-          </a:ln>
-          <a:effectLst/>
-          <a:extLst>
-            <a:ext uri="{909E8E84-426E-40DD-AFC4-6F175D3DCCD1}">
-              <a14:hiddenFill xmlns:a14="http://schemas.microsoft.com/office/drawing/2010/main">
-                <a:solidFill>
-                  <a:schemeClr val="accent1"/>
-                </a:solidFill>
-              </a14:hiddenFill>
-            </a:ext>
-            <a:ext uri="{91240B29-F687-4F45-9708-019B960494DF}">
-              <a14:hiddenLine xmlns:a14="http://schemas.microsoft.com/office/drawing/2010/main" w="9525">
-                <a:solidFill>
-                  <a:schemeClr val="tx1"/>
-                </a:solidFill>
-                <a:miter lim="800000"/>
-                <a:headEnd/>
-                <a:tailEnd/>
-              </a14:hiddenLine>
-            </a:ext>
-            <a:ext uri="{AF507438-7753-43E0-B8FC-AC1667EBCBE1}">
-              <a14:hiddenEffects xmlns:a14="http://schemas.microsoft.com/office/drawing/2010/main">
-                <a:effectLst>
-                  <a:outerShdw dist="35921" dir="2700000" algn="ctr" rotWithShape="0">
-                    <a:schemeClr val="bg2"/>
-                  </a:outerShdw>
-                </a:effectLst>
-              </a14:hiddenEffects>
-            </a:ext>
-          </a:extLst>
-        </p:spPr>
-      </p:pic>
-      <p:sp>
-        <p:nvSpPr>
-          <p:cNvPr id="4" name="Datumsplatzhalter 3"/>
+          <p:cNvPr id="4" name="Date Placeholder 3"/>
           <p:cNvSpPr>
             <a:spLocks noGrp="1"/>
           </p:cNvSpPr>
@@ -14566,7 +14514,7 @@
       </p:sp>
       <p:sp>
         <p:nvSpPr>
-          <p:cNvPr id="5" name="Fußzeilenplatzhalter 4"/>
+          <p:cNvPr id="5" name="Footer Placeholder 4"/>
           <p:cNvSpPr>
             <a:spLocks noGrp="1"/>
           </p:cNvSpPr>
@@ -14589,7 +14537,7 @@
       </p:sp>
       <p:sp>
         <p:nvSpPr>
-          <p:cNvPr id="6" name="Foliennummernplatzhalter 5"/>
+          <p:cNvPr id="6" name="Slide Number Placeholder 5"/>
           <p:cNvSpPr>
             <a:spLocks noGrp="1"/>
           </p:cNvSpPr>
@@ -14604,6 +14552,7 @@
           <a:p>
             <a:fld id="{B0B375FB-C33C-412F-93B9-EB60E408F875}" type="slidenum">
               <a:rPr lang="de-DE" smtClean="0"/>
+              <a:pPr/>
               <a:t>11</a:t>
             </a:fld>
             <a:endParaRPr lang="de-DE"/>
@@ -14611,23 +14560,10 @@
         </p:txBody>
       </p:sp>
     </p:spTree>
-    <p:extLst>
-      <p:ext uri="{BB962C8B-B14F-4D97-AF65-F5344CB8AC3E}">
-        <p14:creationId xmlns:p14="http://schemas.microsoft.com/office/powerpoint/2010/main" val="1638803894"/>
-      </p:ext>
-    </p:extLst>
   </p:cSld>
   <p:clrMapOvr>
     <a:masterClrMapping/>
   </p:clrMapOvr>
-  <mc:AlternateContent xmlns:mc="http://schemas.openxmlformats.org/markup-compatibility/2006">
-    <mc:Choice xmlns:p14="http://schemas.microsoft.com/office/powerpoint/2010/main" Requires="p14">
-      <p:transition spd="slow" p14:dur="2000"/>
-    </mc:Choice>
-    <mc:Fallback>
-      <p:transition spd="slow"/>
-    </mc:Fallback>
-  </mc:AlternateContent>
   <p:timing>
     <p:tnLst>
       <p:par>
@@ -14697,22 +14633,21 @@
           </a:bodyPr>
           <a:lstStyle/>
           <a:p>
+            <a:pPr algn="just"/>
             <a:r>
               <a:rPr lang="en-US" dirty="0" smtClean="0"/>
-              <a:t>The </a:t>
-            </a:r>
-            <a:r>
-              <a:rPr lang="en-US" dirty="0" smtClean="0"/>
-              <a:t>boundaries of information behavior research have extended to understanding the social-psychological effects of including a computer as a member of the team, the role of emotional state on search engine efficacy and the reduction in information overload experienced in 2D and 3D data spaces.</a:t>
-            </a:r>
-          </a:p>
-          <a:p>
+              <a:t>The boundaries of information behavior research have extended to understanding the social-psychological effects of including a computer as a member of the team, the role of emotional state on search engine efficacy and the reduction in information overload experienced in 2D and 3D data spaces.</a:t>
+            </a:r>
+          </a:p>
+          <a:p>
+            <a:pPr algn="just"/>
             <a:r>
               <a:rPr lang="en-US" dirty="0" smtClean="0"/>
               <a:t>Human information behavior research is found in the LIS literature decades before the introduction of information technology.</a:t>
             </a:r>
           </a:p>
           <a:p>
+            <a:pPr algn="just"/>
             <a:r>
               <a:rPr lang="en-US" dirty="0" smtClean="0"/>
               <a:t>increase in the likelihood of information use when texts and video are made available online and do not require a visit to a library building</a:t>
@@ -14784,6 +14719,7 @@
           <a:p>
             <a:fld id="{B0B375FB-C33C-412F-93B9-EB60E408F875}" type="slidenum">
               <a:rPr lang="de-DE" smtClean="0"/>
+              <a:pPr/>
               <a:t>2</a:t>
             </a:fld>
             <a:endParaRPr lang="de-DE"/>
@@ -14793,7 +14729,7 @@
     </p:spTree>
     <p:extLst>
       <p:ext uri="{BB962C8B-B14F-4D97-AF65-F5344CB8AC3E}">
-        <p14:creationId xmlns:p14="http://schemas.microsoft.com/office/powerpoint/2010/main" val="2517250947"/>
+        <p14:creationId xmlns:p14="http://schemas.microsoft.com/office/powerpoint/2010/main" xmlns="" val="2517250947"/>
       </p:ext>
     </p:extLst>
   </p:cSld>
@@ -14849,10 +14785,10 @@
               <a:t>HIB: Human Information </a:t>
             </a:r>
             <a:r>
-              <a:rPr lang="de-DE" dirty="0" err="1" smtClean="0"/>
-              <a:t>Behaviour</a:t>
-            </a:r>
-            <a:endParaRPr lang="de-DE" dirty="0"/>
+              <a:rPr lang="en-US" dirty="0" smtClean="0"/>
+              <a:t>Behavior</a:t>
+            </a:r>
+            <a:endParaRPr lang="en-US" dirty="0"/>
           </a:p>
         </p:txBody>
       </p:sp>
@@ -14871,25 +14807,29 @@
           <a:bodyPr/>
           <a:lstStyle/>
           <a:p>
+            <a:pPr algn="just"/>
             <a:r>
               <a:rPr lang="en-US" dirty="0" smtClean="0"/>
               <a:t>information production may be automated (structured task)</a:t>
             </a:r>
           </a:p>
           <a:p>
+            <a:pPr algn="just"/>
             <a:endParaRPr lang="en-US" dirty="0" smtClean="0"/>
           </a:p>
           <a:p>
+            <a:pPr algn="just"/>
             <a:r>
               <a:rPr lang="en-US" dirty="0" smtClean="0"/>
               <a:t>information access is analyzed by HCI</a:t>
             </a:r>
           </a:p>
           <a:p>
+            <a:pPr algn="just"/>
             <a:endParaRPr lang="en-US" dirty="0" smtClean="0"/>
           </a:p>
           <a:p>
-            <a:pPr marL="342900" lvl="1"/>
+            <a:pPr marL="342900" lvl="1" algn="just"/>
             <a:r>
               <a:rPr lang="en-US" dirty="0" smtClean="0"/>
               <a:t>information </a:t>
@@ -14900,11 +14840,7 @@
             </a:r>
             <a:r>
               <a:rPr lang="en-US" dirty="0" smtClean="0"/>
-              <a:t>tasks</a:t>
-            </a:r>
-            <a:r>
-              <a:rPr lang="en-US" dirty="0" smtClean="0"/>
-              <a:t>) is covered by HIB</a:t>
+              <a:t>tasks) is covered by HIB</a:t>
             </a:r>
           </a:p>
           <a:p>
@@ -14978,6 +14914,7 @@
           <a:p>
             <a:fld id="{B0B375FB-C33C-412F-93B9-EB60E408F875}" type="slidenum">
               <a:rPr lang="de-DE" smtClean="0"/>
+              <a:pPr/>
               <a:t>3</a:t>
             </a:fld>
             <a:endParaRPr lang="de-DE"/>
@@ -14987,7 +14924,7 @@
     </p:spTree>
     <p:extLst>
       <p:ext uri="{BB962C8B-B14F-4D97-AF65-F5344CB8AC3E}">
-        <p14:creationId xmlns:p14="http://schemas.microsoft.com/office/powerpoint/2010/main" val="2396861883"/>
+        <p14:creationId xmlns:p14="http://schemas.microsoft.com/office/powerpoint/2010/main" xmlns="" val="2396861883"/>
       </p:ext>
     </p:extLst>
   </p:cSld>
@@ -15043,10 +14980,10 @@
               <a:t>HIB: Human Information </a:t>
             </a:r>
             <a:r>
-              <a:rPr lang="de-DE" dirty="0" err="1" smtClean="0"/>
-              <a:t>Behaviour</a:t>
-            </a:r>
-            <a:endParaRPr lang="de-DE" dirty="0"/>
+              <a:rPr lang="en-US" dirty="0" smtClean="0"/>
+              <a:t>Behavior</a:t>
+            </a:r>
+            <a:endParaRPr lang="en-US" dirty="0"/>
           </a:p>
         </p:txBody>
       </p:sp>
@@ -15071,11 +15008,7 @@
             </a:r>
             <a:r>
               <a:rPr lang="de-DE" dirty="0" smtClean="0"/>
-              <a:t> </a:t>
-            </a:r>
-            <a:r>
-              <a:rPr lang="de-DE" dirty="0" smtClean="0"/>
-              <a:t>do </a:t>
+              <a:t> do </a:t>
             </a:r>
             <a:r>
               <a:rPr lang="de-DE" dirty="0" err="1" smtClean="0"/>
@@ -15149,7 +15082,6 @@
               <a:rPr lang="de-DE" dirty="0" smtClean="0"/>
               <a:t>?</a:t>
             </a:r>
-            <a:endParaRPr lang="de-DE" dirty="0" smtClean="0"/>
           </a:p>
           <a:p>
             <a:endParaRPr lang="de-DE" dirty="0" smtClean="0"/>
@@ -15312,6 +15244,7 @@
           <a:p>
             <a:fld id="{B0B375FB-C33C-412F-93B9-EB60E408F875}" type="slidenum">
               <a:rPr lang="de-DE" smtClean="0"/>
+              <a:pPr/>
               <a:t>4</a:t>
             </a:fld>
             <a:endParaRPr lang="de-DE"/>
@@ -15321,7 +15254,7 @@
     </p:spTree>
     <p:extLst>
       <p:ext uri="{BB962C8B-B14F-4D97-AF65-F5344CB8AC3E}">
-        <p14:creationId xmlns:p14="http://schemas.microsoft.com/office/powerpoint/2010/main" val="4263511858"/>
+        <p14:creationId xmlns:p14="http://schemas.microsoft.com/office/powerpoint/2010/main" xmlns="" val="4263511858"/>
       </p:ext>
     </p:extLst>
   </p:cSld>
@@ -15391,10 +15324,10 @@
           </p:nvPr>
         </p:nvPicPr>
         <p:blipFill>
-          <a:blip r:embed="rId2">
+          <a:blip r:embed="rId2" cstate="print">
             <a:extLst>
               <a:ext uri="{28A0092B-C50C-407E-A947-70E740481C1C}">
-                <a14:useLocalDpi xmlns:a14="http://schemas.microsoft.com/office/drawing/2010/main" val="0"/>
+                <a14:useLocalDpi xmlns:a14="http://schemas.microsoft.com/office/drawing/2010/main" xmlns="" val="0"/>
               </a:ext>
             </a:extLst>
           </a:blip>
@@ -15418,14 +15351,14 @@
           <a:effectLst/>
           <a:extLst>
             <a:ext uri="{909E8E84-426E-40DD-AFC4-6F175D3DCCD1}">
-              <a14:hiddenFill xmlns:a14="http://schemas.microsoft.com/office/drawing/2010/main">
+              <a14:hiddenFill xmlns:a14="http://schemas.microsoft.com/office/drawing/2010/main" xmlns="">
                 <a:solidFill>
                   <a:schemeClr val="accent1"/>
                 </a:solidFill>
               </a14:hiddenFill>
             </a:ext>
             <a:ext uri="{91240B29-F687-4F45-9708-019B960494DF}">
-              <a14:hiddenLine xmlns:a14="http://schemas.microsoft.com/office/drawing/2010/main" w="9525">
+              <a14:hiddenLine xmlns:a14="http://schemas.microsoft.com/office/drawing/2010/main" xmlns="" w="9525">
                 <a:solidFill>
                   <a:schemeClr val="tx1"/>
                 </a:solidFill>
@@ -15435,7 +15368,7 @@
               </a14:hiddenLine>
             </a:ext>
             <a:ext uri="{AF507438-7753-43E0-B8FC-AC1667EBCBE1}">
-              <a14:hiddenEffects xmlns:a14="http://schemas.microsoft.com/office/drawing/2010/main">
+              <a14:hiddenEffects xmlns:a14="http://schemas.microsoft.com/office/drawing/2010/main" xmlns="">
                 <a:effectLst>
                   <a:outerShdw dist="35921" dir="2700000" algn="ctr" rotWithShape="0">
                     <a:schemeClr val="bg2"/>
@@ -15509,6 +15442,7 @@
           <a:p>
             <a:fld id="{B0B375FB-C33C-412F-93B9-EB60E408F875}" type="slidenum">
               <a:rPr lang="de-DE" smtClean="0"/>
+              <a:pPr/>
               <a:t>5</a:t>
             </a:fld>
             <a:endParaRPr lang="de-DE"/>
@@ -15518,7 +15452,7 @@
     </p:spTree>
     <p:extLst>
       <p:ext uri="{BB962C8B-B14F-4D97-AF65-F5344CB8AC3E}">
-        <p14:creationId xmlns:p14="http://schemas.microsoft.com/office/powerpoint/2010/main" val="3948468444"/>
+        <p14:creationId xmlns:p14="http://schemas.microsoft.com/office/powerpoint/2010/main" xmlns="" val="3948468444"/>
       </p:ext>
     </p:extLst>
   </p:cSld>
@@ -15735,7 +15669,7 @@
           <p:nvPr/>
         </p:nvPicPr>
         <p:blipFill>
-          <a:blip r:embed="rId2">
+          <a:blip r:embed="rId2" cstate="print">
             <a:clrChange>
               <a:clrFrom>
                 <a:srgbClr val="FFFFFF"/>
@@ -15748,7 +15682,7 @@
             </a:clrChange>
             <a:extLst>
               <a:ext uri="{28A0092B-C50C-407E-A947-70E740481C1C}">
-                <a14:useLocalDpi xmlns:a14="http://schemas.microsoft.com/office/drawing/2010/main" val="0"/>
+                <a14:useLocalDpi xmlns:a14="http://schemas.microsoft.com/office/drawing/2010/main" xmlns="" val="0"/>
               </a:ext>
             </a:extLst>
           </a:blip>
@@ -15772,14 +15706,14 @@
           <a:effectLst/>
           <a:extLst>
             <a:ext uri="{909E8E84-426E-40DD-AFC4-6F175D3DCCD1}">
-              <a14:hiddenFill xmlns:a14="http://schemas.microsoft.com/office/drawing/2010/main">
+              <a14:hiddenFill xmlns:a14="http://schemas.microsoft.com/office/drawing/2010/main" xmlns="">
                 <a:solidFill>
                   <a:schemeClr val="accent1"/>
                 </a:solidFill>
               </a14:hiddenFill>
             </a:ext>
             <a:ext uri="{91240B29-F687-4F45-9708-019B960494DF}">
-              <a14:hiddenLine xmlns:a14="http://schemas.microsoft.com/office/drawing/2010/main" w="9525">
+              <a14:hiddenLine xmlns:a14="http://schemas.microsoft.com/office/drawing/2010/main" xmlns="" w="9525">
                 <a:solidFill>
                   <a:schemeClr val="tx1"/>
                 </a:solidFill>
@@ -15789,7 +15723,7 @@
               </a14:hiddenLine>
             </a:ext>
             <a:ext uri="{AF507438-7753-43E0-B8FC-AC1667EBCBE1}">
-              <a14:hiddenEffects xmlns:a14="http://schemas.microsoft.com/office/drawing/2010/main">
+              <a14:hiddenEffects xmlns:a14="http://schemas.microsoft.com/office/drawing/2010/main" xmlns="">
                 <a:effectLst>
                   <a:outerShdw dist="35921" dir="2700000" algn="ctr" rotWithShape="0">
                     <a:schemeClr val="bg2"/>
@@ -15803,7 +15737,7 @@
     </p:spTree>
     <p:extLst>
       <p:ext uri="{BB962C8B-B14F-4D97-AF65-F5344CB8AC3E}">
-        <p14:creationId xmlns:p14="http://schemas.microsoft.com/office/powerpoint/2010/main" val="3801233181"/>
+        <p14:creationId xmlns:p14="http://schemas.microsoft.com/office/powerpoint/2010/main" xmlns="" val="3801233181"/>
       </p:ext>
     </p:extLst>
   </p:cSld>
@@ -15915,24 +15849,16 @@
           <a:p>
             <a:r>
               <a:rPr lang="en-US" dirty="0" smtClean="0"/>
-              <a:t>increase </a:t>
-            </a:r>
+              <a:t>increase task execution speed</a:t>
+            </a:r>
+          </a:p>
+          <a:p>
+            <a:endParaRPr lang="en-US" dirty="0" smtClean="0"/>
+          </a:p>
+          <a:p>
             <a:r>
               <a:rPr lang="en-US" dirty="0" smtClean="0"/>
-              <a:t>task execution speed</a:t>
-            </a:r>
-          </a:p>
-          <a:p>
-            <a:endParaRPr lang="en-US" dirty="0" smtClean="0"/>
-          </a:p>
-          <a:p>
-            <a:r>
-              <a:rPr lang="en-US" dirty="0" smtClean="0"/>
-              <a:t>lower </a:t>
-            </a:r>
-            <a:r>
-              <a:rPr lang="en-US" dirty="0" smtClean="0"/>
-              <a:t>failure rates</a:t>
+              <a:t>lower failure rates</a:t>
             </a:r>
           </a:p>
           <a:p>
@@ -15953,7 +15879,6 @@
               <a:rPr lang="en-US" dirty="0" smtClean="0"/>
               <a:t>establish new ways how to access information</a:t>
             </a:r>
-            <a:endParaRPr lang="en-US" dirty="0" smtClean="0"/>
           </a:p>
         </p:txBody>
       </p:sp>
@@ -16213,6 +16138,7 @@
           <a:p>
             <a:fld id="{B0B375FB-C33C-412F-93B9-EB60E408F875}" type="slidenum">
               <a:rPr lang="de-DE" smtClean="0"/>
+              <a:pPr/>
               <a:t>7</a:t>
             </a:fld>
             <a:endParaRPr lang="de-DE"/>
@@ -16222,7 +16148,7 @@
     </p:spTree>
     <p:extLst>
       <p:ext uri="{BB962C8B-B14F-4D97-AF65-F5344CB8AC3E}">
-        <p14:creationId xmlns:p14="http://schemas.microsoft.com/office/powerpoint/2010/main" val="2965526855"/>
+        <p14:creationId xmlns:p14="http://schemas.microsoft.com/office/powerpoint/2010/main" xmlns="" val="2965526855"/>
       </p:ext>
     </p:extLst>
   </p:cSld>
@@ -16329,10 +16255,10 @@
           </p:nvPr>
         </p:nvPicPr>
         <p:blipFill>
-          <a:blip r:embed="rId2">
+          <a:blip r:embed="rId2" cstate="print">
             <a:extLst>
               <a:ext uri="{28A0092B-C50C-407E-A947-70E740481C1C}">
-                <a14:useLocalDpi xmlns:a14="http://schemas.microsoft.com/office/drawing/2010/main" val="0"/>
+                <a14:useLocalDpi xmlns:a14="http://schemas.microsoft.com/office/drawing/2010/main" xmlns="" val="0"/>
               </a:ext>
             </a:extLst>
           </a:blip>
@@ -16352,7 +16278,7 @@
           <a:noFill/>
           <a:extLst>
             <a:ext uri="{909E8E84-426E-40DD-AFC4-6F175D3DCCD1}">
-              <a14:hiddenFill xmlns:a14="http://schemas.microsoft.com/office/drawing/2010/main">
+              <a14:hiddenFill xmlns:a14="http://schemas.microsoft.com/office/drawing/2010/main" xmlns="">
                 <a:solidFill>
                   <a:srgbClr val="FFFFFF"/>
                 </a:solidFill>
@@ -16424,6 +16350,7 @@
           <a:p>
             <a:fld id="{B0B375FB-C33C-412F-93B9-EB60E408F875}" type="slidenum">
               <a:rPr lang="de-DE" smtClean="0"/>
+              <a:pPr/>
               <a:t>8</a:t>
             </a:fld>
             <a:endParaRPr lang="de-DE"/>
@@ -16433,7 +16360,7 @@
     </p:spTree>
     <p:extLst>
       <p:ext uri="{BB962C8B-B14F-4D97-AF65-F5344CB8AC3E}">
-        <p14:creationId xmlns:p14="http://schemas.microsoft.com/office/powerpoint/2010/main" val="2245149199"/>
+        <p14:creationId xmlns:p14="http://schemas.microsoft.com/office/powerpoint/2010/main" xmlns="" val="2245149199"/>
       </p:ext>
     </p:extLst>
   </p:cSld>
@@ -16451,7 +16378,7 @@
 </file>
 
 <file path=ppt/slides/slide9.xml><?xml version="1.0" encoding="utf-8"?>
-<p:sld xmlns:a="http://schemas.openxmlformats.org/drawingml/2006/main" xmlns:r="http://schemas.openxmlformats.org/officeDocument/2006/relationships" xmlns:p="http://schemas.openxmlformats.org/presentationml/2006/main" show="0">
+<p:sld xmlns:a="http://schemas.openxmlformats.org/drawingml/2006/main" xmlns:r="http://schemas.openxmlformats.org/officeDocument/2006/relationships" xmlns:p="http://schemas.openxmlformats.org/presentationml/2006/main">
   <p:cSld>
     <p:spTree>
       <p:nvGrpSpPr>
@@ -16477,59 +16404,90 @@
             <p:ph type="title"/>
           </p:nvPr>
         </p:nvSpPr>
-        <p:spPr/>
+        <p:spPr>
+          <a:xfrm>
+            <a:off x="1043490" y="1027664"/>
+            <a:ext cx="2952446" cy="4777600"/>
+          </a:xfrm>
+        </p:spPr>
         <p:txBody>
-          <a:bodyPr/>
+          <a:bodyPr>
+            <a:normAutofit/>
+          </a:bodyPr>
           <a:lstStyle/>
           <a:p>
             <a:r>
-              <a:rPr lang="de-DE" dirty="0" smtClean="0"/>
-              <a:t>TASK</a:t>
-            </a:r>
-            <a:endParaRPr lang="de-DE" dirty="0"/>
+              <a:rPr lang="de-DE" sz="30000" dirty="0" smtClean="0"/>
+              <a:t>?</a:t>
+            </a:r>
+            <a:endParaRPr lang="de-DE" sz="30000" dirty="0"/>
           </a:p>
         </p:txBody>
       </p:sp>
-      <p:sp>
-        <p:nvSpPr>
-          <p:cNvPr id="3" name="Inhaltsplatzhalter 2"/>
-          <p:cNvSpPr>
-            <a:spLocks noGrp="1"/>
-          </p:cNvSpPr>
-          <p:nvPr>
-            <p:ph idx="1"/>
-          </p:nvPr>
-        </p:nvSpPr>
-        <p:spPr/>
-        <p:txBody>
-          <a:bodyPr>
-            <a:normAutofit fontScale="85000" lnSpcReduction="10000"/>
-          </a:bodyPr>
-          <a:lstStyle/>
-          <a:p>
-            <a:r>
-              <a:rPr lang="en-US" dirty="0" smtClean="0"/>
-              <a:t>In groups assigned at lecture and Wiki - prepare presentation of 3 HCI </a:t>
-            </a:r>
-            <a:br>
-              <a:rPr lang="en-US" dirty="0" smtClean="0"/>
-            </a:br>
-            <a:r>
-              <a:rPr lang="en-US" dirty="0" smtClean="0"/>
-              <a:t>articles in 5 minutes. Upload the visual aid for such presentation (PDF)</a:t>
-            </a:r>
-          </a:p>
-          <a:p>
-            <a:r>
-              <a:rPr lang="en-US" dirty="0" smtClean="0"/>
-              <a:t>Good presentations are catchy, visually pleasing, manage to uphold other listeners attention and are not just sequential presentation of individual work, but attempt some sort of meta-level analysis or overview. Good presentations also look beyond the previous overviews for additional inspiration and/or present concrete guidelines or lessons learned from reading materials.</a:t>
-            </a:r>
-          </a:p>
-          <a:p>
-            <a:endParaRPr lang="de-DE" dirty="0"/>
-          </a:p>
-        </p:txBody>
-      </p:sp>
+      <p:pic>
+        <p:nvPicPr>
+          <p:cNvPr id="1026" name="Picture 2"/>
+          <p:cNvPicPr>
+            <a:picLocks noChangeAspect="1" noChangeArrowheads="1"/>
+          </p:cNvPicPr>
+          <p:nvPr/>
+        </p:nvPicPr>
+        <p:blipFill>
+          <a:blip r:embed="rId2" cstate="print">
+            <a:extLst>
+              <a:ext uri="{28A0092B-C50C-407E-A947-70E740481C1C}">
+                <a14:useLocalDpi xmlns:a14="http://schemas.microsoft.com/office/drawing/2010/main" xmlns="" val="0"/>
+              </a:ext>
+            </a:extLst>
+          </a:blip>
+          <a:srcRect/>
+          <a:stretch>
+            <a:fillRect/>
+          </a:stretch>
+        </p:blipFill>
+        <p:spPr bwMode="auto">
+          <a:xfrm>
+            <a:off x="4139952" y="980728"/>
+            <a:ext cx="3886200" cy="5029200"/>
+          </a:xfrm>
+          <a:prstGeom prst="rect">
+            <a:avLst/>
+          </a:prstGeom>
+          <a:noFill/>
+          <a:ln>
+            <a:noFill/>
+          </a:ln>
+          <a:effectLst/>
+          <a:extLst>
+            <a:ext uri="{909E8E84-426E-40DD-AFC4-6F175D3DCCD1}">
+              <a14:hiddenFill xmlns:a14="http://schemas.microsoft.com/office/drawing/2010/main" xmlns="">
+                <a:solidFill>
+                  <a:schemeClr val="accent1"/>
+                </a:solidFill>
+              </a14:hiddenFill>
+            </a:ext>
+            <a:ext uri="{91240B29-F687-4F45-9708-019B960494DF}">
+              <a14:hiddenLine xmlns:a14="http://schemas.microsoft.com/office/drawing/2010/main" xmlns="" w="9525">
+                <a:solidFill>
+                  <a:schemeClr val="tx1"/>
+                </a:solidFill>
+                <a:miter lim="800000"/>
+                <a:headEnd/>
+                <a:tailEnd/>
+              </a14:hiddenLine>
+            </a:ext>
+            <a:ext uri="{AF507438-7753-43E0-B8FC-AC1667EBCBE1}">
+              <a14:hiddenEffects xmlns:a14="http://schemas.microsoft.com/office/drawing/2010/main" xmlns="">
+                <a:effectLst>
+                  <a:outerShdw dist="35921" dir="2700000" algn="ctr" rotWithShape="0">
+                    <a:schemeClr val="bg2"/>
+                  </a:outerShdw>
+                </a:effectLst>
+              </a14:hiddenEffects>
+            </a:ext>
+          </a:extLst>
+        </p:spPr>
+      </p:pic>
       <p:sp>
         <p:nvSpPr>
           <p:cNvPr id="4" name="Datumsplatzhalter 3"/>
@@ -16593,6 +16551,7 @@
           <a:p>
             <a:fld id="{B0B375FB-C33C-412F-93B9-EB60E408F875}" type="slidenum">
               <a:rPr lang="de-DE" smtClean="0"/>
+              <a:pPr/>
               <a:t>9</a:t>
             </a:fld>
             <a:endParaRPr lang="de-DE"/>
@@ -16602,21 +16561,14 @@
     </p:spTree>
     <p:extLst>
       <p:ext uri="{BB962C8B-B14F-4D97-AF65-F5344CB8AC3E}">
-        <p14:creationId xmlns:p14="http://schemas.microsoft.com/office/powerpoint/2010/main" val="2908489538"/>
+        <p14:creationId xmlns:p14="http://schemas.microsoft.com/office/powerpoint/2010/main" xmlns="" val="1638803894"/>
       </p:ext>
     </p:extLst>
   </p:cSld>
   <p:clrMapOvr>
     <a:masterClrMapping/>
   </p:clrMapOvr>
-  <mc:AlternateContent xmlns:mc="http://schemas.openxmlformats.org/markup-compatibility/2006" xmlns:p14="http://schemas.microsoft.com/office/powerpoint/2010/main">
-    <mc:Choice Requires="p14">
-      <p:transition spd="slow" p14:dur="2000"/>
-    </mc:Choice>
-    <mc:Fallback xmlns="">
-      <p:transition spd="slow"/>
-    </mc:Fallback>
-  </mc:AlternateContent>
+  <p:transition spd="slow"/>
   <p:timing>
     <p:tnLst>
       <p:par>
